--- a/TCC_LGC_V1.pptx
+++ b/TCC_LGC_V1.pptx
@@ -49,15 +49,18 @@
     <p:sldId id="312" r:id="rId43"/>
     <p:sldId id="314" r:id="rId44"/>
     <p:sldId id="315" r:id="rId45"/>
-    <p:sldId id="274" r:id="rId46"/>
-    <p:sldId id="275" r:id="rId47"/>
-    <p:sldId id="276" r:id="rId48"/>
-    <p:sldId id="277" r:id="rId49"/>
-    <p:sldId id="278" r:id="rId50"/>
-    <p:sldId id="279" r:id="rId51"/>
-    <p:sldId id="280" r:id="rId52"/>
-    <p:sldId id="281" r:id="rId53"/>
-    <p:sldId id="282" r:id="rId54"/>
+    <p:sldId id="316" r:id="rId46"/>
+    <p:sldId id="317" r:id="rId47"/>
+    <p:sldId id="318" r:id="rId48"/>
+    <p:sldId id="274" r:id="rId49"/>
+    <p:sldId id="275" r:id="rId50"/>
+    <p:sldId id="276" r:id="rId51"/>
+    <p:sldId id="277" r:id="rId52"/>
+    <p:sldId id="278" r:id="rId53"/>
+    <p:sldId id="279" r:id="rId54"/>
+    <p:sldId id="280" r:id="rId55"/>
+    <p:sldId id="281" r:id="rId56"/>
+    <p:sldId id="282" r:id="rId57"/>
   </p:sldIdLst>
   <p:sldSz cx="12192000" cy="6858000"/>
   <p:notesSz cx="6858000" cy="9144000"/>
@@ -8387,7 +8390,7 @@
         </p:spPr>
         <p:txBody>
           <a:bodyPr vert="horz" lIns="91440" tIns="45720" rIns="91440" bIns="45720" rtlCol="0">
-            <a:normAutofit/>
+            <a:normAutofit lnSpcReduction="10000"/>
           </a:bodyPr>
           <a:lstStyle>
             <a:lvl1pPr marL="0" indent="0" algn="ctr" defTabSz="914400" rtl="0" eaLnBrk="1" latinLnBrk="0" hangingPunct="1">
@@ -8562,8 +8565,17 @@
               <a:rPr lang="pt-BR" sz="2800" dirty="0">
                 <a:latin typeface="+mj-lt"/>
               </a:rPr>
-              <a:t>Durante a etapa de treinamento de um modelo composto por uma rede neural, os pesos das entradas de cada neurônio são ajustados de forma que se obtenha uma saída suficientemente próxima à saída dos dados de treino.</a:t>
-            </a:r>
+              <a:t>Durante a etapa de treinamento de um modelo composto por uma rede neural, os pesos das entradas de cada neurônio são ajustados de forma que se obtenha uma saída suficientemente próxima à saída dos dados de treino. Um único período onde os pesos são ajustados é chamado de </a:t>
+            </a:r>
+            <a:r>
+              <a:rPr lang="pt-BR" sz="2800" i="1" dirty="0" err="1">
+                <a:latin typeface="+mj-lt"/>
+              </a:rPr>
+              <a:t>epoch</a:t>
+            </a:r>
+            <a:endParaRPr lang="pt-BR" sz="2800" dirty="0">
+              <a:latin typeface="+mj-lt"/>
+            </a:endParaRPr>
           </a:p>
           <a:p>
             <a:pPr marL="457200" indent="-457200" algn="l">
@@ -15977,9 +15989,36 @@
               </a:rPr>
               <a:t>, onde é possível identificar a proximidade entre as palavras de forma semântica.</a:t>
             </a:r>
-            <a:endParaRPr lang="pt-BR" sz="2800" i="1" dirty="0">
-              <a:latin typeface="+mj-lt"/>
-            </a:endParaRPr>
+          </a:p>
+          <a:p>
+            <a:pPr marL="457200" indent="-457200" algn="l">
+              <a:buFontTx/>
+              <a:buChar char="-"/>
+            </a:pPr>
+            <a:r>
+              <a:rPr lang="pt-BR" sz="2800" dirty="0">
+                <a:latin typeface="+mj-lt"/>
+              </a:rPr>
+              <a:t>A criação de </a:t>
+            </a:r>
+            <a:r>
+              <a:rPr lang="pt-BR" sz="2800" i="1" dirty="0" err="1">
+                <a:latin typeface="+mj-lt"/>
+              </a:rPr>
+              <a:t>embeddings</a:t>
+            </a:r>
+            <a:r>
+              <a:rPr lang="pt-BR" sz="2800" i="1" dirty="0">
+                <a:latin typeface="+mj-lt"/>
+              </a:rPr>
+              <a:t> </a:t>
+            </a:r>
+            <a:r>
+              <a:rPr lang="pt-BR" sz="2800" dirty="0">
+                <a:latin typeface="+mj-lt"/>
+              </a:rPr>
+              <a:t>é normalmente feito a partir de redes neurais recorrentes.</a:t>
+            </a:r>
           </a:p>
         </p:txBody>
       </p:sp>
@@ -16995,6 +17034,322 @@
           </a:p>
         </p:txBody>
       </p:sp>
+      <p:sp>
+        <p:nvSpPr>
+          <p:cNvPr id="5" name="Subtítulo 2">
+            <a:extLst>
+              <a:ext uri="{FF2B5EF4-FFF2-40B4-BE49-F238E27FC236}">
+                <a16:creationId xmlns:a16="http://schemas.microsoft.com/office/drawing/2014/main" id="{3CA296FA-D92B-4042-A53C-3AE62993DFB3}"/>
+              </a:ext>
+            </a:extLst>
+          </p:cNvPr>
+          <p:cNvSpPr txBox="1">
+            <a:spLocks/>
+          </p:cNvSpPr>
+          <p:nvPr/>
+        </p:nvSpPr>
+        <p:spPr>
+          <a:xfrm>
+            <a:off x="635000" y="1996870"/>
+            <a:ext cx="10950359" cy="4324031"/>
+          </a:xfrm>
+          <a:prstGeom prst="rect">
+            <a:avLst/>
+          </a:prstGeom>
+        </p:spPr>
+        <p:txBody>
+          <a:bodyPr vert="horz" lIns="91440" tIns="45720" rIns="91440" bIns="45720" rtlCol="0">
+            <a:normAutofit/>
+          </a:bodyPr>
+          <a:lstStyle>
+            <a:lvl1pPr marL="0" indent="0" algn="ctr" defTabSz="914400" rtl="0" eaLnBrk="1" latinLnBrk="0" hangingPunct="1">
+              <a:lnSpc>
+                <a:spcPct val="90000"/>
+              </a:lnSpc>
+              <a:spcBef>
+                <a:spcPts val="1000"/>
+              </a:spcBef>
+              <a:buFont typeface="Arial" panose="020B0604020202020204" pitchFamily="34" charset="0"/>
+              <a:buNone/>
+              <a:defRPr sz="2400" kern="1200">
+                <a:solidFill>
+                  <a:schemeClr val="tx1"/>
+                </a:solidFill>
+                <a:latin typeface="+mn-lt"/>
+                <a:ea typeface="+mn-ea"/>
+                <a:cs typeface="+mn-cs"/>
+              </a:defRPr>
+            </a:lvl1pPr>
+            <a:lvl2pPr marL="457200" indent="0" algn="ctr" defTabSz="914400" rtl="0" eaLnBrk="1" latinLnBrk="0" hangingPunct="1">
+              <a:lnSpc>
+                <a:spcPct val="90000"/>
+              </a:lnSpc>
+              <a:spcBef>
+                <a:spcPts val="500"/>
+              </a:spcBef>
+              <a:buFont typeface="Arial" panose="020B0604020202020204" pitchFamily="34" charset="0"/>
+              <a:buNone/>
+              <a:defRPr sz="2000" kern="1200">
+                <a:solidFill>
+                  <a:schemeClr val="tx1"/>
+                </a:solidFill>
+                <a:latin typeface="+mn-lt"/>
+                <a:ea typeface="+mn-ea"/>
+                <a:cs typeface="+mn-cs"/>
+              </a:defRPr>
+            </a:lvl2pPr>
+            <a:lvl3pPr marL="914400" indent="0" algn="ctr" defTabSz="914400" rtl="0" eaLnBrk="1" latinLnBrk="0" hangingPunct="1">
+              <a:lnSpc>
+                <a:spcPct val="90000"/>
+              </a:lnSpc>
+              <a:spcBef>
+                <a:spcPts val="500"/>
+              </a:spcBef>
+              <a:buFont typeface="Arial" panose="020B0604020202020204" pitchFamily="34" charset="0"/>
+              <a:buNone/>
+              <a:defRPr sz="1800" kern="1200">
+                <a:solidFill>
+                  <a:schemeClr val="tx1"/>
+                </a:solidFill>
+                <a:latin typeface="+mn-lt"/>
+                <a:ea typeface="+mn-ea"/>
+                <a:cs typeface="+mn-cs"/>
+              </a:defRPr>
+            </a:lvl3pPr>
+            <a:lvl4pPr marL="1371600" indent="0" algn="ctr" defTabSz="914400" rtl="0" eaLnBrk="1" latinLnBrk="0" hangingPunct="1">
+              <a:lnSpc>
+                <a:spcPct val="90000"/>
+              </a:lnSpc>
+              <a:spcBef>
+                <a:spcPts val="500"/>
+              </a:spcBef>
+              <a:buFont typeface="Arial" panose="020B0604020202020204" pitchFamily="34" charset="0"/>
+              <a:buNone/>
+              <a:defRPr sz="1600" kern="1200">
+                <a:solidFill>
+                  <a:schemeClr val="tx1"/>
+                </a:solidFill>
+                <a:latin typeface="+mn-lt"/>
+                <a:ea typeface="+mn-ea"/>
+                <a:cs typeface="+mn-cs"/>
+              </a:defRPr>
+            </a:lvl4pPr>
+            <a:lvl5pPr marL="1828800" indent="0" algn="ctr" defTabSz="914400" rtl="0" eaLnBrk="1" latinLnBrk="0" hangingPunct="1">
+              <a:lnSpc>
+                <a:spcPct val="90000"/>
+              </a:lnSpc>
+              <a:spcBef>
+                <a:spcPts val="500"/>
+              </a:spcBef>
+              <a:buFont typeface="Arial" panose="020B0604020202020204" pitchFamily="34" charset="0"/>
+              <a:buNone/>
+              <a:defRPr sz="1600" kern="1200">
+                <a:solidFill>
+                  <a:schemeClr val="tx1"/>
+                </a:solidFill>
+                <a:latin typeface="+mn-lt"/>
+                <a:ea typeface="+mn-ea"/>
+                <a:cs typeface="+mn-cs"/>
+              </a:defRPr>
+            </a:lvl5pPr>
+            <a:lvl6pPr marL="2286000" indent="0" algn="ctr" defTabSz="914400" rtl="0" eaLnBrk="1" latinLnBrk="0" hangingPunct="1">
+              <a:lnSpc>
+                <a:spcPct val="90000"/>
+              </a:lnSpc>
+              <a:spcBef>
+                <a:spcPts val="500"/>
+              </a:spcBef>
+              <a:buFont typeface="Arial" panose="020B0604020202020204" pitchFamily="34" charset="0"/>
+              <a:buNone/>
+              <a:defRPr sz="1600" kern="1200">
+                <a:solidFill>
+                  <a:schemeClr val="tx1"/>
+                </a:solidFill>
+                <a:latin typeface="+mn-lt"/>
+                <a:ea typeface="+mn-ea"/>
+                <a:cs typeface="+mn-cs"/>
+              </a:defRPr>
+            </a:lvl6pPr>
+            <a:lvl7pPr marL="2743200" indent="0" algn="ctr" defTabSz="914400" rtl="0" eaLnBrk="1" latinLnBrk="0" hangingPunct="1">
+              <a:lnSpc>
+                <a:spcPct val="90000"/>
+              </a:lnSpc>
+              <a:spcBef>
+                <a:spcPts val="500"/>
+              </a:spcBef>
+              <a:buFont typeface="Arial" panose="020B0604020202020204" pitchFamily="34" charset="0"/>
+              <a:buNone/>
+              <a:defRPr sz="1600" kern="1200">
+                <a:solidFill>
+                  <a:schemeClr val="tx1"/>
+                </a:solidFill>
+                <a:latin typeface="+mn-lt"/>
+                <a:ea typeface="+mn-ea"/>
+                <a:cs typeface="+mn-cs"/>
+              </a:defRPr>
+            </a:lvl7pPr>
+            <a:lvl8pPr marL="3200400" indent="0" algn="ctr" defTabSz="914400" rtl="0" eaLnBrk="1" latinLnBrk="0" hangingPunct="1">
+              <a:lnSpc>
+                <a:spcPct val="90000"/>
+              </a:lnSpc>
+              <a:spcBef>
+                <a:spcPts val="500"/>
+              </a:spcBef>
+              <a:buFont typeface="Arial" panose="020B0604020202020204" pitchFamily="34" charset="0"/>
+              <a:buNone/>
+              <a:defRPr sz="1600" kern="1200">
+                <a:solidFill>
+                  <a:schemeClr val="tx1"/>
+                </a:solidFill>
+                <a:latin typeface="+mn-lt"/>
+                <a:ea typeface="+mn-ea"/>
+                <a:cs typeface="+mn-cs"/>
+              </a:defRPr>
+            </a:lvl8pPr>
+            <a:lvl9pPr marL="3657600" indent="0" algn="ctr" defTabSz="914400" rtl="0" eaLnBrk="1" latinLnBrk="0" hangingPunct="1">
+              <a:lnSpc>
+                <a:spcPct val="90000"/>
+              </a:lnSpc>
+              <a:spcBef>
+                <a:spcPts val="500"/>
+              </a:spcBef>
+              <a:buFont typeface="Arial" panose="020B0604020202020204" pitchFamily="34" charset="0"/>
+              <a:buNone/>
+              <a:defRPr sz="1600" kern="1200">
+                <a:solidFill>
+                  <a:schemeClr val="tx1"/>
+                </a:solidFill>
+                <a:latin typeface="+mn-lt"/>
+                <a:ea typeface="+mn-ea"/>
+                <a:cs typeface="+mn-cs"/>
+              </a:defRPr>
+            </a:lvl9pPr>
+          </a:lstStyle>
+          <a:p>
+            <a:pPr marL="457200" indent="-457200" algn="l">
+              <a:buFontTx/>
+              <a:buChar char="-"/>
+            </a:pPr>
+            <a:r>
+              <a:rPr lang="pt-BR" sz="2800" dirty="0">
+                <a:latin typeface="+mj-lt"/>
+              </a:rPr>
+              <a:t>Framework para modelagem de PLN baseado em conceitos de </a:t>
+            </a:r>
+            <a:r>
+              <a:rPr lang="pt-BR" sz="2800" i="1" dirty="0" err="1">
+                <a:latin typeface="+mj-lt"/>
+              </a:rPr>
+              <a:t>Deep</a:t>
+            </a:r>
+            <a:r>
+              <a:rPr lang="pt-BR" sz="2800" i="1" dirty="0">
+                <a:latin typeface="+mj-lt"/>
+              </a:rPr>
+              <a:t> Learning</a:t>
+            </a:r>
+            <a:r>
+              <a:rPr lang="pt-BR" sz="2800" dirty="0">
+                <a:latin typeface="+mj-lt"/>
+              </a:rPr>
+              <a:t> e </a:t>
+            </a:r>
+            <a:r>
+              <a:rPr lang="pt-BR" sz="2800" dirty="0" err="1">
+                <a:latin typeface="+mj-lt"/>
+              </a:rPr>
+              <a:t>PyTorch</a:t>
+            </a:r>
+            <a:r>
+              <a:rPr lang="pt-BR" sz="2800" dirty="0">
+                <a:latin typeface="+mj-lt"/>
+              </a:rPr>
+              <a:t> (biblioteca para Aprendizado de Máquina)</a:t>
+            </a:r>
+          </a:p>
+          <a:p>
+            <a:pPr marL="457200" indent="-457200" algn="l">
+              <a:buFontTx/>
+              <a:buChar char="-"/>
+            </a:pPr>
+            <a:r>
+              <a:rPr lang="pt-BR" sz="2800" dirty="0">
+                <a:latin typeface="+mj-lt"/>
+              </a:rPr>
+              <a:t>Baixo nível de abstração, uso simples, rápida prototipação, servindo modelos preditivos no formato </a:t>
+            </a:r>
+            <a:r>
+              <a:rPr lang="pt-BR" sz="2800" i="1" dirty="0">
+                <a:latin typeface="+mj-lt"/>
+              </a:rPr>
+              <a:t>caffe2</a:t>
+            </a:r>
+            <a:endParaRPr lang="pt-BR" sz="2800" dirty="0">
+              <a:latin typeface="+mj-lt"/>
+            </a:endParaRPr>
+          </a:p>
+          <a:p>
+            <a:pPr marL="457200" indent="-457200" algn="l">
+              <a:buFontTx/>
+              <a:buChar char="-"/>
+            </a:pPr>
+            <a:r>
+              <a:rPr lang="pt-BR" sz="2800" dirty="0">
+                <a:latin typeface="+mj-lt"/>
+              </a:rPr>
+              <a:t>Possibilita o uso das arquiteturas </a:t>
+            </a:r>
+            <a:r>
+              <a:rPr lang="pt-BR" sz="2800" dirty="0" err="1">
+                <a:latin typeface="+mj-lt"/>
+              </a:rPr>
+              <a:t>BiLSTM</a:t>
+            </a:r>
+            <a:r>
+              <a:rPr lang="pt-BR" sz="2800" dirty="0">
+                <a:latin typeface="+mj-lt"/>
+              </a:rPr>
+              <a:t> e CNN e de </a:t>
+            </a:r>
+            <a:r>
+              <a:rPr lang="pt-BR" sz="2800" i="1" dirty="0" err="1">
+                <a:latin typeface="+mj-lt"/>
+              </a:rPr>
+              <a:t>embeddings</a:t>
+            </a:r>
+            <a:r>
+              <a:rPr lang="pt-BR" sz="2800" dirty="0">
+                <a:latin typeface="+mj-lt"/>
+              </a:rPr>
+              <a:t> </a:t>
+            </a:r>
+            <a:r>
+              <a:rPr lang="pt-BR" sz="2800" dirty="0" err="1">
+                <a:latin typeface="+mj-lt"/>
+              </a:rPr>
+              <a:t>pré</a:t>
+            </a:r>
+            <a:r>
+              <a:rPr lang="pt-BR" sz="2800" dirty="0">
+                <a:latin typeface="+mj-lt"/>
+              </a:rPr>
+              <a:t>-treinados ou nativos (treinados a partir dos dados de treino) como representação textual.</a:t>
+            </a:r>
+          </a:p>
+          <a:p>
+            <a:pPr marL="457200" indent="-457200" algn="l">
+              <a:buFontTx/>
+              <a:buChar char="-"/>
+            </a:pPr>
+            <a:r>
+              <a:rPr lang="pt-BR" sz="2800" dirty="0">
+                <a:latin typeface="+mj-lt"/>
+              </a:rPr>
+              <a:t>Possibilidade de utilizar o processamento da GPU através de CUDA.</a:t>
+            </a:r>
+          </a:p>
+        </p:txBody>
+      </p:sp>
     </p:spTree>
     <p:extLst>
       <p:ext uri="{BB962C8B-B14F-4D97-AF65-F5344CB8AC3E}">
@@ -17027,43 +17382,6 @@
       </p:grpSpPr>
       <p:sp>
         <p:nvSpPr>
-          <p:cNvPr id="2" name="Título 1">
-            <a:extLst>
-              <a:ext uri="{FF2B5EF4-FFF2-40B4-BE49-F238E27FC236}">
-                <a16:creationId xmlns:a16="http://schemas.microsoft.com/office/drawing/2014/main" id="{34A6A768-A0AC-47A8-826C-4AB6699432B4}"/>
-              </a:ext>
-            </a:extLst>
-          </p:cNvPr>
-          <p:cNvSpPr>
-            <a:spLocks noGrp="1"/>
-          </p:cNvSpPr>
-          <p:nvPr>
-            <p:ph type="ctrTitle"/>
-          </p:nvPr>
-        </p:nvSpPr>
-        <p:spPr>
-          <a:xfrm>
-            <a:off x="528468" y="461637"/>
-            <a:ext cx="9144000" cy="878891"/>
-          </a:xfrm>
-        </p:spPr>
-        <p:txBody>
-          <a:bodyPr>
-            <a:normAutofit/>
-          </a:bodyPr>
-          <a:lstStyle/>
-          <a:p>
-            <a:pPr algn="l"/>
-            <a:r>
-              <a:rPr lang="pt-BR" sz="5400" dirty="0"/>
-              <a:t>Referências Bibliográficas</a:t>
-            </a:r>
-            <a:endParaRPr lang="pt-BR" sz="4100" dirty="0"/>
-          </a:p>
-        </p:txBody>
-      </p:sp>
-      <p:sp>
-        <p:nvSpPr>
           <p:cNvPr id="4" name="Retângulo 3">
             <a:extLst>
               <a:ext uri="{FF2B5EF4-FFF2-40B4-BE49-F238E27FC236}">
@@ -17143,10 +17461,10 @@
       </p:sp>
       <p:sp>
         <p:nvSpPr>
-          <p:cNvPr id="7" name="Subtítulo 2">
-            <a:extLst>
-              <a:ext uri="{FF2B5EF4-FFF2-40B4-BE49-F238E27FC236}">
-                <a16:creationId xmlns:a16="http://schemas.microsoft.com/office/drawing/2014/main" id="{E6C7E8B1-58B9-44C2-97D8-C1D78F165290}"/>
+          <p:cNvPr id="9" name="Título 1">
+            <a:extLst>
+              <a:ext uri="{FF2B5EF4-FFF2-40B4-BE49-F238E27FC236}">
+                <a16:creationId xmlns:a16="http://schemas.microsoft.com/office/drawing/2014/main" id="{AA4B74B6-9A83-4022-82DE-8482AE37AC16}"/>
               </a:ext>
             </a:extLst>
           </p:cNvPr>
@@ -17154,13 +17472,13 @@
             <a:spLocks noGrp="1"/>
           </p:cNvSpPr>
           <p:nvPr>
-            <p:ph type="subTitle" idx="1"/>
+            <p:ph type="ctrTitle"/>
           </p:nvPr>
         </p:nvSpPr>
         <p:spPr>
           <a:xfrm>
-            <a:off x="620820" y="1473100"/>
-            <a:ext cx="10950359" cy="5078620"/>
+            <a:off x="528467" y="461637"/>
+            <a:ext cx="11056891" cy="1420426"/>
           </a:xfrm>
         </p:spPr>
         <p:txBody>
@@ -17171,534 +17489,280 @@
           <a:p>
             <a:pPr algn="l"/>
             <a:r>
-              <a:rPr lang="pt-BR" sz="2000" dirty="0">
-                <a:latin typeface="+mj-lt"/>
-              </a:rPr>
-              <a:t>[1] LIU, Z., ZHU, H., CHONG, T. Y. </a:t>
-            </a:r>
-            <a:r>
-              <a:rPr lang="pt-BR" sz="2000" dirty="0" err="1">
-                <a:latin typeface="+mj-lt"/>
-              </a:rPr>
-              <a:t>An</a:t>
-            </a:r>
-            <a:r>
-              <a:rPr lang="pt-BR" sz="2000" dirty="0">
-                <a:latin typeface="+mj-lt"/>
-              </a:rPr>
-              <a:t> NLP-PCA </a:t>
-            </a:r>
-            <a:r>
-              <a:rPr lang="pt-BR" sz="2000" dirty="0" err="1">
-                <a:latin typeface="+mj-lt"/>
-              </a:rPr>
-              <a:t>Based</a:t>
-            </a:r>
-            <a:r>
-              <a:rPr lang="pt-BR" sz="2000" dirty="0">
-                <a:latin typeface="+mj-lt"/>
-              </a:rPr>
-              <a:t> Trading </a:t>
-            </a:r>
-            <a:r>
-              <a:rPr lang="pt-BR" sz="2000" dirty="0" err="1">
-                <a:latin typeface="+mj-lt"/>
-              </a:rPr>
-              <a:t>Strategy</a:t>
-            </a:r>
-            <a:r>
-              <a:rPr lang="pt-BR" sz="2000" dirty="0">
-                <a:latin typeface="+mj-lt"/>
-              </a:rPr>
-              <a:t> </a:t>
-            </a:r>
-            <a:r>
-              <a:rPr lang="pt-BR" sz="2000" dirty="0" err="1">
-                <a:latin typeface="+mj-lt"/>
-              </a:rPr>
-              <a:t>On</a:t>
-            </a:r>
-            <a:r>
-              <a:rPr lang="pt-BR" sz="2000" dirty="0">
-                <a:latin typeface="+mj-lt"/>
-              </a:rPr>
-              <a:t> </a:t>
-            </a:r>
-            <a:r>
-              <a:rPr lang="pt-BR" sz="2000" dirty="0" err="1">
-                <a:latin typeface="+mj-lt"/>
-              </a:rPr>
-              <a:t>Chinese</a:t>
-            </a:r>
-            <a:r>
-              <a:rPr lang="pt-BR" sz="2000" dirty="0">
-                <a:latin typeface="+mj-lt"/>
-              </a:rPr>
-              <a:t> Stock Market, </a:t>
-            </a:r>
-            <a:r>
-              <a:rPr lang="pt-BR" sz="2000" dirty="0" err="1">
-                <a:latin typeface="+mj-lt"/>
-              </a:rPr>
-              <a:t>Advances</a:t>
-            </a:r>
-            <a:r>
-              <a:rPr lang="pt-BR" sz="2000" dirty="0">
-                <a:latin typeface="+mj-lt"/>
-              </a:rPr>
-              <a:t> in Social Science </a:t>
-            </a:r>
-            <a:r>
-              <a:rPr lang="pt-BR" sz="2000" dirty="0" err="1">
-                <a:latin typeface="+mj-lt"/>
-              </a:rPr>
-              <a:t>and</a:t>
-            </a:r>
-            <a:r>
-              <a:rPr lang="pt-BR" sz="2000" dirty="0">
-                <a:latin typeface="+mj-lt"/>
-              </a:rPr>
-              <a:t> </a:t>
-            </a:r>
-            <a:r>
-              <a:rPr lang="pt-BR" sz="2000" dirty="0" err="1">
-                <a:latin typeface="+mj-lt"/>
-              </a:rPr>
-              <a:t>Education</a:t>
-            </a:r>
-            <a:r>
-              <a:rPr lang="pt-BR" sz="2000" dirty="0">
-                <a:latin typeface="+mj-lt"/>
-              </a:rPr>
-              <a:t> </a:t>
-            </a:r>
-            <a:r>
-              <a:rPr lang="pt-BR" sz="2000" dirty="0" err="1">
-                <a:latin typeface="+mj-lt"/>
-              </a:rPr>
-              <a:t>and</a:t>
-            </a:r>
-            <a:r>
-              <a:rPr lang="pt-BR" sz="2000" dirty="0">
-                <a:latin typeface="+mj-lt"/>
-              </a:rPr>
-              <a:t> </a:t>
-            </a:r>
-            <a:r>
-              <a:rPr lang="pt-BR" sz="2000" dirty="0" err="1">
-                <a:latin typeface="+mj-lt"/>
-              </a:rPr>
-              <a:t>Humanities</a:t>
-            </a:r>
-            <a:r>
-              <a:rPr lang="pt-BR" sz="2000" dirty="0">
-                <a:latin typeface="+mj-lt"/>
-              </a:rPr>
-              <a:t> </a:t>
-            </a:r>
-            <a:r>
-              <a:rPr lang="pt-BR" sz="2000" dirty="0" err="1">
-                <a:latin typeface="+mj-lt"/>
-              </a:rPr>
-              <a:t>Research</a:t>
-            </a:r>
-            <a:r>
-              <a:rPr lang="pt-BR" sz="2000" dirty="0">
-                <a:latin typeface="+mj-lt"/>
-              </a:rPr>
-              <a:t>, v. 334, n. 2, pp. 8089, jul. 2019.  </a:t>
-            </a:r>
-          </a:p>
-          <a:p>
-            <a:pPr algn="l"/>
-            <a:r>
-              <a:rPr lang="pt-BR" sz="2000" dirty="0">
-                <a:latin typeface="+mj-lt"/>
-              </a:rPr>
-              <a:t>[2] SEDLAK, M. </a:t>
-            </a:r>
-            <a:r>
-              <a:rPr lang="pt-BR" sz="2000" dirty="0" err="1">
-                <a:latin typeface="+mj-lt"/>
-              </a:rPr>
-              <a:t>How</a:t>
-            </a:r>
-            <a:r>
-              <a:rPr lang="pt-BR" sz="2000" dirty="0">
-                <a:latin typeface="+mj-lt"/>
-              </a:rPr>
-              <a:t> Natural </a:t>
-            </a:r>
-            <a:r>
-              <a:rPr lang="pt-BR" sz="2000" dirty="0" err="1">
-                <a:latin typeface="+mj-lt"/>
-              </a:rPr>
-              <a:t>Language</a:t>
-            </a:r>
-            <a:r>
-              <a:rPr lang="pt-BR" sz="2000" dirty="0">
-                <a:latin typeface="+mj-lt"/>
-              </a:rPr>
-              <a:t> </a:t>
-            </a:r>
-            <a:r>
-              <a:rPr lang="pt-BR" sz="2000" dirty="0" err="1">
-                <a:latin typeface="+mj-lt"/>
-              </a:rPr>
-              <a:t>Processing</a:t>
-            </a:r>
-            <a:r>
-              <a:rPr lang="pt-BR" sz="2000" dirty="0">
-                <a:latin typeface="+mj-lt"/>
-              </a:rPr>
-              <a:t> </a:t>
-            </a:r>
-            <a:r>
-              <a:rPr lang="pt-BR" sz="2000" dirty="0" err="1">
-                <a:latin typeface="+mj-lt"/>
-              </a:rPr>
-              <a:t>is</a:t>
-            </a:r>
-            <a:r>
-              <a:rPr lang="pt-BR" sz="2000" dirty="0">
-                <a:latin typeface="+mj-lt"/>
-              </a:rPr>
-              <a:t> </a:t>
-            </a:r>
-            <a:r>
-              <a:rPr lang="pt-BR" sz="2000" dirty="0" err="1">
-                <a:latin typeface="+mj-lt"/>
-              </a:rPr>
-              <a:t>transforming</a:t>
-            </a:r>
-            <a:r>
-              <a:rPr lang="pt-BR" sz="2000" dirty="0">
-                <a:latin typeface="+mj-lt"/>
-              </a:rPr>
-              <a:t> </a:t>
-            </a:r>
-            <a:r>
-              <a:rPr lang="pt-BR" sz="2000" dirty="0" err="1">
-                <a:latin typeface="+mj-lt"/>
-              </a:rPr>
-              <a:t>the</a:t>
-            </a:r>
-            <a:r>
-              <a:rPr lang="pt-BR" sz="2000" dirty="0">
-                <a:latin typeface="+mj-lt"/>
-              </a:rPr>
-              <a:t> financial </a:t>
-            </a:r>
-            <a:r>
-              <a:rPr lang="pt-BR" sz="2000" dirty="0" err="1">
-                <a:latin typeface="+mj-lt"/>
-              </a:rPr>
-              <a:t>industry</a:t>
-            </a:r>
-            <a:r>
-              <a:rPr lang="pt-BR" sz="2000" dirty="0">
-                <a:latin typeface="+mj-lt"/>
-              </a:rPr>
-              <a:t>. https://www.ibm.com/blogs/watson/2016/06/natural- language-processing-transforming-financial-industry-2/, 2016. Acessado em Dezembro/2019.  </a:t>
-            </a:r>
-          </a:p>
-          <a:p>
-            <a:pPr algn="l"/>
-            <a:r>
-              <a:rPr lang="pt-BR" sz="2000" dirty="0">
-                <a:latin typeface="+mj-lt"/>
-              </a:rPr>
-              <a:t>[3] SMITH, D. J. </a:t>
-            </a:r>
-            <a:r>
-              <a:rPr lang="pt-BR" sz="2000" dirty="0" err="1">
-                <a:latin typeface="+mj-lt"/>
-              </a:rPr>
-              <a:t>Ecient-Market</a:t>
-            </a:r>
-            <a:r>
-              <a:rPr lang="pt-BR" sz="2000" dirty="0">
-                <a:latin typeface="+mj-lt"/>
-              </a:rPr>
-              <a:t> </a:t>
-            </a:r>
-            <a:r>
-              <a:rPr lang="pt-BR" sz="2000" dirty="0" err="1">
-                <a:latin typeface="+mj-lt"/>
-              </a:rPr>
-              <a:t>Hypothesis</a:t>
-            </a:r>
-            <a:r>
-              <a:rPr lang="pt-BR" sz="2000" dirty="0">
-                <a:latin typeface="+mj-lt"/>
-              </a:rPr>
-              <a:t> (EMH) </a:t>
-            </a:r>
-            <a:r>
-              <a:rPr lang="pt-BR" sz="2000" dirty="0" err="1">
-                <a:latin typeface="+mj-lt"/>
-              </a:rPr>
-              <a:t>and</a:t>
-            </a:r>
-            <a:r>
-              <a:rPr lang="pt-BR" sz="2000" dirty="0">
-                <a:latin typeface="+mj-lt"/>
-              </a:rPr>
-              <a:t> </a:t>
-            </a:r>
-            <a:r>
-              <a:rPr lang="pt-BR" sz="2000" dirty="0" err="1">
-                <a:latin typeface="+mj-lt"/>
-              </a:rPr>
-              <a:t>Random-Walk</a:t>
-            </a:r>
-            <a:r>
-              <a:rPr lang="pt-BR" sz="2000" dirty="0">
-                <a:latin typeface="+mj-lt"/>
-              </a:rPr>
-              <a:t> </a:t>
-            </a:r>
-            <a:r>
-              <a:rPr lang="pt-BR" sz="2000" dirty="0" err="1">
-                <a:latin typeface="+mj-lt"/>
-              </a:rPr>
-              <a:t>Theory</a:t>
-            </a:r>
-            <a:r>
-              <a:rPr lang="pt-BR" sz="2000" dirty="0">
-                <a:latin typeface="+mj-lt"/>
-              </a:rPr>
-              <a:t>. https://stockmarketsupertrader.com/theory/efficient- </a:t>
-            </a:r>
-            <a:r>
-              <a:rPr lang="pt-BR" sz="2000" dirty="0" err="1">
-                <a:latin typeface="+mj-lt"/>
-              </a:rPr>
-              <a:t>market-hypothesis-emh-and-random-walk-theory</a:t>
-            </a:r>
-            <a:r>
-              <a:rPr lang="pt-BR" sz="2000" dirty="0">
-                <a:latin typeface="+mj-lt"/>
-              </a:rPr>
-              <a:t>/, 2018. Acessado em Dezembro/2019.  </a:t>
-            </a:r>
-          </a:p>
-          <a:p>
-            <a:pPr algn="l"/>
-            <a:r>
-              <a:rPr lang="pt-BR" sz="2000" dirty="0">
-                <a:latin typeface="+mj-lt"/>
-              </a:rPr>
-              <a:t>[4] VAZ, A. L. Como lidar com dados desbalanceados em problemas de </a:t>
-            </a:r>
-            <a:r>
-              <a:rPr lang="pt-BR" sz="2000" dirty="0" err="1">
-                <a:latin typeface="+mj-lt"/>
-              </a:rPr>
-              <a:t>classifi</a:t>
-            </a:r>
-            <a:r>
-              <a:rPr lang="pt-BR" sz="2000" dirty="0">
-                <a:latin typeface="+mj-lt"/>
-              </a:rPr>
-              <a:t>- cação. https://medium.com/data-hackers/como-lidar-com-dados- desbalanceados-em-problemas-de-classifica%C3%A7%C3%A3o- 17c4d4357ef9, 2019. Acessado em Dezembro/2019.  </a:t>
-            </a:r>
-          </a:p>
-          <a:p>
-            <a:pPr algn="l"/>
-            <a:r>
-              <a:rPr lang="pt-BR" sz="2000" dirty="0">
-                <a:latin typeface="+mj-lt"/>
-              </a:rPr>
-              <a:t>[5] OGNJANOVSKI, G. </a:t>
-            </a:r>
-            <a:r>
-              <a:rPr lang="pt-BR" sz="2000" dirty="0" err="1">
-                <a:latin typeface="+mj-lt"/>
-              </a:rPr>
-              <a:t>Everything</a:t>
-            </a:r>
-            <a:r>
-              <a:rPr lang="pt-BR" sz="2000" dirty="0">
-                <a:latin typeface="+mj-lt"/>
-              </a:rPr>
-              <a:t> </a:t>
-            </a:r>
-            <a:r>
-              <a:rPr lang="pt-BR" sz="2000" dirty="0" err="1">
-                <a:latin typeface="+mj-lt"/>
-              </a:rPr>
-              <a:t>you</a:t>
-            </a:r>
-            <a:r>
-              <a:rPr lang="pt-BR" sz="2000" dirty="0">
-                <a:latin typeface="+mj-lt"/>
-              </a:rPr>
-              <a:t> </a:t>
-            </a:r>
-            <a:r>
-              <a:rPr lang="pt-BR" sz="2000" dirty="0" err="1">
-                <a:latin typeface="+mj-lt"/>
-              </a:rPr>
-              <a:t>need</a:t>
-            </a:r>
-            <a:r>
-              <a:rPr lang="pt-BR" sz="2000" dirty="0">
-                <a:latin typeface="+mj-lt"/>
-              </a:rPr>
-              <a:t> </a:t>
-            </a:r>
-            <a:r>
-              <a:rPr lang="pt-BR" sz="2000" dirty="0" err="1">
-                <a:latin typeface="+mj-lt"/>
-              </a:rPr>
-              <a:t>to</a:t>
-            </a:r>
-            <a:r>
-              <a:rPr lang="pt-BR" sz="2000" dirty="0">
-                <a:latin typeface="+mj-lt"/>
-              </a:rPr>
-              <a:t> </a:t>
-            </a:r>
-            <a:r>
-              <a:rPr lang="pt-BR" sz="2000" dirty="0" err="1">
-                <a:latin typeface="+mj-lt"/>
-              </a:rPr>
-              <a:t>know</a:t>
-            </a:r>
-            <a:r>
-              <a:rPr lang="pt-BR" sz="2000" dirty="0">
-                <a:latin typeface="+mj-lt"/>
-              </a:rPr>
-              <a:t> </a:t>
-            </a:r>
-            <a:r>
-              <a:rPr lang="pt-BR" sz="2000" dirty="0" err="1">
-                <a:latin typeface="+mj-lt"/>
-              </a:rPr>
-              <a:t>about</a:t>
-            </a:r>
-            <a:r>
-              <a:rPr lang="pt-BR" sz="2000" dirty="0">
-                <a:latin typeface="+mj-lt"/>
-              </a:rPr>
-              <a:t> Neural Networks </a:t>
-            </a:r>
-            <a:r>
-              <a:rPr lang="pt-BR" sz="2000" dirty="0" err="1">
-                <a:latin typeface="+mj-lt"/>
-              </a:rPr>
-              <a:t>and</a:t>
-            </a:r>
-            <a:r>
-              <a:rPr lang="pt-BR" sz="2000" dirty="0">
-                <a:latin typeface="+mj-lt"/>
-              </a:rPr>
-              <a:t> </a:t>
-            </a:r>
-            <a:r>
-              <a:rPr lang="pt-BR" sz="2000" dirty="0" err="1">
-                <a:latin typeface="+mj-lt"/>
-              </a:rPr>
-              <a:t>Backpropagation</a:t>
-            </a:r>
-            <a:r>
-              <a:rPr lang="pt-BR" sz="2000" dirty="0">
-                <a:latin typeface="+mj-lt"/>
-              </a:rPr>
-              <a:t>  </a:t>
-            </a:r>
-            <a:r>
-              <a:rPr lang="pt-BR" sz="2000" dirty="0" err="1">
-                <a:latin typeface="+mj-lt"/>
-              </a:rPr>
-              <a:t>Machine</a:t>
-            </a:r>
-            <a:r>
-              <a:rPr lang="pt-BR" sz="2000" dirty="0">
-                <a:latin typeface="+mj-lt"/>
-              </a:rPr>
-              <a:t> Learning </a:t>
-            </a:r>
-            <a:r>
-              <a:rPr lang="pt-BR" sz="2000" dirty="0" err="1">
-                <a:latin typeface="+mj-lt"/>
-              </a:rPr>
-              <a:t>Easy</a:t>
-            </a:r>
-            <a:r>
-              <a:rPr lang="pt-BR" sz="2000" dirty="0">
-                <a:latin typeface="+mj-lt"/>
-              </a:rPr>
-              <a:t> </a:t>
-            </a:r>
-            <a:r>
-              <a:rPr lang="pt-BR" sz="2000" dirty="0" err="1">
-                <a:latin typeface="+mj-lt"/>
-              </a:rPr>
-              <a:t>and</a:t>
-            </a:r>
-            <a:r>
-              <a:rPr lang="pt-BR" sz="2000" dirty="0">
-                <a:latin typeface="+mj-lt"/>
-              </a:rPr>
-              <a:t> </a:t>
-            </a:r>
-            <a:r>
-              <a:rPr lang="pt-BR" sz="2000" dirty="0" err="1">
-                <a:latin typeface="+mj-lt"/>
-              </a:rPr>
-              <a:t>Fun</a:t>
-            </a:r>
-            <a:r>
-              <a:rPr lang="pt-BR" sz="2000" dirty="0">
-                <a:latin typeface="+mj-lt"/>
-              </a:rPr>
-              <a:t>. https://towardsdatascience.com/everything-you-need-to-know- </a:t>
-            </a:r>
-            <a:r>
-              <a:rPr lang="pt-BR" sz="2000" dirty="0" err="1">
-                <a:latin typeface="+mj-lt"/>
-              </a:rPr>
-              <a:t>about</a:t>
-            </a:r>
-            <a:r>
-              <a:rPr lang="pt-BR" sz="2000" dirty="0">
-                <a:latin typeface="+mj-lt"/>
-              </a:rPr>
-              <a:t>-neural-networks-</a:t>
-            </a:r>
-            <a:r>
-              <a:rPr lang="pt-BR" sz="2000" dirty="0" err="1">
-                <a:latin typeface="+mj-lt"/>
-              </a:rPr>
-              <a:t>and</a:t>
-            </a:r>
-            <a:r>
-              <a:rPr lang="pt-BR" sz="2000" dirty="0">
-                <a:latin typeface="+mj-lt"/>
-              </a:rPr>
-              <a:t>-</a:t>
-            </a:r>
-            <a:r>
-              <a:rPr lang="pt-BR" sz="2000" dirty="0" err="1">
-                <a:latin typeface="+mj-lt"/>
-              </a:rPr>
-              <a:t>backpropagation-machine-learning</a:t>
-            </a:r>
-            <a:r>
-              <a:rPr lang="pt-BR" sz="2000" dirty="0">
-                <a:latin typeface="+mj-lt"/>
-              </a:rPr>
-              <a:t>- made-easy-e5285bc2be3a, 2019. Acessado em Dezembro/2019. </a:t>
-            </a:r>
+              <a:rPr lang="pt-BR" sz="5400" dirty="0"/>
+              <a:t>Fundamentação Teórica</a:t>
+            </a:r>
+            <a:br>
+              <a:rPr lang="pt-BR" sz="5400" dirty="0"/>
+            </a:br>
+            <a:r>
+              <a:rPr lang="pt-BR" sz="4100" dirty="0" err="1"/>
+              <a:t>PyText</a:t>
+            </a:r>
+            <a:endParaRPr lang="pt-BR" sz="4100" i="1" dirty="0"/>
           </a:p>
         </p:txBody>
       </p:sp>
+      <p:sp>
+        <p:nvSpPr>
+          <p:cNvPr id="5" name="Subtítulo 2">
+            <a:extLst>
+              <a:ext uri="{FF2B5EF4-FFF2-40B4-BE49-F238E27FC236}">
+                <a16:creationId xmlns:a16="http://schemas.microsoft.com/office/drawing/2014/main" id="{3CA296FA-D92B-4042-A53C-3AE62993DFB3}"/>
+              </a:ext>
+            </a:extLst>
+          </p:cNvPr>
+          <p:cNvSpPr txBox="1">
+            <a:spLocks/>
+          </p:cNvSpPr>
+          <p:nvPr/>
+        </p:nvSpPr>
+        <p:spPr>
+          <a:xfrm>
+            <a:off x="635000" y="1996871"/>
+            <a:ext cx="10950359" cy="950516"/>
+          </a:xfrm>
+          <a:prstGeom prst="rect">
+            <a:avLst/>
+          </a:prstGeom>
+        </p:spPr>
+        <p:txBody>
+          <a:bodyPr vert="horz" lIns="91440" tIns="45720" rIns="91440" bIns="45720" rtlCol="0">
+            <a:normAutofit/>
+          </a:bodyPr>
+          <a:lstStyle>
+            <a:lvl1pPr marL="0" indent="0" algn="ctr" defTabSz="914400" rtl="0" eaLnBrk="1" latinLnBrk="0" hangingPunct="1">
+              <a:lnSpc>
+                <a:spcPct val="90000"/>
+              </a:lnSpc>
+              <a:spcBef>
+                <a:spcPts val="1000"/>
+              </a:spcBef>
+              <a:buFont typeface="Arial" panose="020B0604020202020204" pitchFamily="34" charset="0"/>
+              <a:buNone/>
+              <a:defRPr sz="2400" kern="1200">
+                <a:solidFill>
+                  <a:schemeClr val="tx1"/>
+                </a:solidFill>
+                <a:latin typeface="+mn-lt"/>
+                <a:ea typeface="+mn-ea"/>
+                <a:cs typeface="+mn-cs"/>
+              </a:defRPr>
+            </a:lvl1pPr>
+            <a:lvl2pPr marL="457200" indent="0" algn="ctr" defTabSz="914400" rtl="0" eaLnBrk="1" latinLnBrk="0" hangingPunct="1">
+              <a:lnSpc>
+                <a:spcPct val="90000"/>
+              </a:lnSpc>
+              <a:spcBef>
+                <a:spcPts val="500"/>
+              </a:spcBef>
+              <a:buFont typeface="Arial" panose="020B0604020202020204" pitchFamily="34" charset="0"/>
+              <a:buNone/>
+              <a:defRPr sz="2000" kern="1200">
+                <a:solidFill>
+                  <a:schemeClr val="tx1"/>
+                </a:solidFill>
+                <a:latin typeface="+mn-lt"/>
+                <a:ea typeface="+mn-ea"/>
+                <a:cs typeface="+mn-cs"/>
+              </a:defRPr>
+            </a:lvl2pPr>
+            <a:lvl3pPr marL="914400" indent="0" algn="ctr" defTabSz="914400" rtl="0" eaLnBrk="1" latinLnBrk="0" hangingPunct="1">
+              <a:lnSpc>
+                <a:spcPct val="90000"/>
+              </a:lnSpc>
+              <a:spcBef>
+                <a:spcPts val="500"/>
+              </a:spcBef>
+              <a:buFont typeface="Arial" panose="020B0604020202020204" pitchFamily="34" charset="0"/>
+              <a:buNone/>
+              <a:defRPr sz="1800" kern="1200">
+                <a:solidFill>
+                  <a:schemeClr val="tx1"/>
+                </a:solidFill>
+                <a:latin typeface="+mn-lt"/>
+                <a:ea typeface="+mn-ea"/>
+                <a:cs typeface="+mn-cs"/>
+              </a:defRPr>
+            </a:lvl3pPr>
+            <a:lvl4pPr marL="1371600" indent="0" algn="ctr" defTabSz="914400" rtl="0" eaLnBrk="1" latinLnBrk="0" hangingPunct="1">
+              <a:lnSpc>
+                <a:spcPct val="90000"/>
+              </a:lnSpc>
+              <a:spcBef>
+                <a:spcPts val="500"/>
+              </a:spcBef>
+              <a:buFont typeface="Arial" panose="020B0604020202020204" pitchFamily="34" charset="0"/>
+              <a:buNone/>
+              <a:defRPr sz="1600" kern="1200">
+                <a:solidFill>
+                  <a:schemeClr val="tx1"/>
+                </a:solidFill>
+                <a:latin typeface="+mn-lt"/>
+                <a:ea typeface="+mn-ea"/>
+                <a:cs typeface="+mn-cs"/>
+              </a:defRPr>
+            </a:lvl4pPr>
+            <a:lvl5pPr marL="1828800" indent="0" algn="ctr" defTabSz="914400" rtl="0" eaLnBrk="1" latinLnBrk="0" hangingPunct="1">
+              <a:lnSpc>
+                <a:spcPct val="90000"/>
+              </a:lnSpc>
+              <a:spcBef>
+                <a:spcPts val="500"/>
+              </a:spcBef>
+              <a:buFont typeface="Arial" panose="020B0604020202020204" pitchFamily="34" charset="0"/>
+              <a:buNone/>
+              <a:defRPr sz="1600" kern="1200">
+                <a:solidFill>
+                  <a:schemeClr val="tx1"/>
+                </a:solidFill>
+                <a:latin typeface="+mn-lt"/>
+                <a:ea typeface="+mn-ea"/>
+                <a:cs typeface="+mn-cs"/>
+              </a:defRPr>
+            </a:lvl5pPr>
+            <a:lvl6pPr marL="2286000" indent="0" algn="ctr" defTabSz="914400" rtl="0" eaLnBrk="1" latinLnBrk="0" hangingPunct="1">
+              <a:lnSpc>
+                <a:spcPct val="90000"/>
+              </a:lnSpc>
+              <a:spcBef>
+                <a:spcPts val="500"/>
+              </a:spcBef>
+              <a:buFont typeface="Arial" panose="020B0604020202020204" pitchFamily="34" charset="0"/>
+              <a:buNone/>
+              <a:defRPr sz="1600" kern="1200">
+                <a:solidFill>
+                  <a:schemeClr val="tx1"/>
+                </a:solidFill>
+                <a:latin typeface="+mn-lt"/>
+                <a:ea typeface="+mn-ea"/>
+                <a:cs typeface="+mn-cs"/>
+              </a:defRPr>
+            </a:lvl6pPr>
+            <a:lvl7pPr marL="2743200" indent="0" algn="ctr" defTabSz="914400" rtl="0" eaLnBrk="1" latinLnBrk="0" hangingPunct="1">
+              <a:lnSpc>
+                <a:spcPct val="90000"/>
+              </a:lnSpc>
+              <a:spcBef>
+                <a:spcPts val="500"/>
+              </a:spcBef>
+              <a:buFont typeface="Arial" panose="020B0604020202020204" pitchFamily="34" charset="0"/>
+              <a:buNone/>
+              <a:defRPr sz="1600" kern="1200">
+                <a:solidFill>
+                  <a:schemeClr val="tx1"/>
+                </a:solidFill>
+                <a:latin typeface="+mn-lt"/>
+                <a:ea typeface="+mn-ea"/>
+                <a:cs typeface="+mn-cs"/>
+              </a:defRPr>
+            </a:lvl7pPr>
+            <a:lvl8pPr marL="3200400" indent="0" algn="ctr" defTabSz="914400" rtl="0" eaLnBrk="1" latinLnBrk="0" hangingPunct="1">
+              <a:lnSpc>
+                <a:spcPct val="90000"/>
+              </a:lnSpc>
+              <a:spcBef>
+                <a:spcPts val="500"/>
+              </a:spcBef>
+              <a:buFont typeface="Arial" panose="020B0604020202020204" pitchFamily="34" charset="0"/>
+              <a:buNone/>
+              <a:defRPr sz="1600" kern="1200">
+                <a:solidFill>
+                  <a:schemeClr val="tx1"/>
+                </a:solidFill>
+                <a:latin typeface="+mn-lt"/>
+                <a:ea typeface="+mn-ea"/>
+                <a:cs typeface="+mn-cs"/>
+              </a:defRPr>
+            </a:lvl8pPr>
+            <a:lvl9pPr marL="3657600" indent="0" algn="ctr" defTabSz="914400" rtl="0" eaLnBrk="1" latinLnBrk="0" hangingPunct="1">
+              <a:lnSpc>
+                <a:spcPct val="90000"/>
+              </a:lnSpc>
+              <a:spcBef>
+                <a:spcPts val="500"/>
+              </a:spcBef>
+              <a:buFont typeface="Arial" panose="020B0604020202020204" pitchFamily="34" charset="0"/>
+              <a:buNone/>
+              <a:defRPr sz="1600" kern="1200">
+                <a:solidFill>
+                  <a:schemeClr val="tx1"/>
+                </a:solidFill>
+                <a:latin typeface="+mn-lt"/>
+                <a:ea typeface="+mn-ea"/>
+                <a:cs typeface="+mn-cs"/>
+              </a:defRPr>
+            </a:lvl9pPr>
+          </a:lstStyle>
+          <a:p>
+            <a:pPr marL="457200" indent="-457200" algn="l">
+              <a:buFontTx/>
+              <a:buChar char="-"/>
+            </a:pPr>
+            <a:r>
+              <a:rPr lang="pt-BR" sz="2800" dirty="0">
+                <a:latin typeface="+mj-lt"/>
+              </a:rPr>
+              <a:t>Integração com o </a:t>
+            </a:r>
+            <a:r>
+              <a:rPr lang="pt-BR" sz="2800" dirty="0" err="1">
+                <a:latin typeface="+mj-lt"/>
+              </a:rPr>
+              <a:t>TensorBoard</a:t>
+            </a:r>
+            <a:r>
+              <a:rPr lang="pt-BR" sz="2800" dirty="0">
+                <a:latin typeface="+mj-lt"/>
+              </a:rPr>
+              <a:t> para visualizar métricas de desempenho ao longo das </a:t>
+            </a:r>
+            <a:r>
+              <a:rPr lang="pt-BR" sz="2800" dirty="0" err="1">
+                <a:latin typeface="+mj-lt"/>
+              </a:rPr>
+              <a:t>epochs</a:t>
+            </a:r>
+            <a:endParaRPr lang="pt-BR" sz="2800" dirty="0">
+              <a:latin typeface="+mj-lt"/>
+            </a:endParaRPr>
+          </a:p>
+        </p:txBody>
+      </p:sp>
+      <p:pic>
+        <p:nvPicPr>
+          <p:cNvPr id="3" name="Imagem 2">
+            <a:extLst>
+              <a:ext uri="{FF2B5EF4-FFF2-40B4-BE49-F238E27FC236}">
+                <a16:creationId xmlns:a16="http://schemas.microsoft.com/office/drawing/2014/main" id="{1B3B6CF0-909B-4E9B-A254-E03E8D4AC8E5}"/>
+              </a:ext>
+            </a:extLst>
+          </p:cNvPr>
+          <p:cNvPicPr>
+            <a:picLocks noChangeAspect="1"/>
+          </p:cNvPicPr>
+          <p:nvPr/>
+        </p:nvPicPr>
+        <p:blipFill>
+          <a:blip r:embed="rId2"/>
+          <a:stretch>
+            <a:fillRect/>
+          </a:stretch>
+        </p:blipFill>
+        <p:spPr>
+          <a:xfrm>
+            <a:off x="1515984" y="2947387"/>
+            <a:ext cx="9081856" cy="3669051"/>
+          </a:xfrm>
+          <a:prstGeom prst="rect">
+            <a:avLst/>
+          </a:prstGeom>
+        </p:spPr>
+      </p:pic>
     </p:spTree>
     <p:extLst>
       <p:ext uri="{BB962C8B-B14F-4D97-AF65-F5344CB8AC3E}">
-        <p14:creationId xmlns:p14="http://schemas.microsoft.com/office/powerpoint/2010/main" val="1503688431"/>
+        <p14:creationId xmlns:p14="http://schemas.microsoft.com/office/powerpoint/2010/main" val="274801875"/>
       </p:ext>
     </p:extLst>
   </p:cSld>
@@ -17727,43 +17791,6 @@
       </p:grpSpPr>
       <p:sp>
         <p:nvSpPr>
-          <p:cNvPr id="2" name="Título 1">
-            <a:extLst>
-              <a:ext uri="{FF2B5EF4-FFF2-40B4-BE49-F238E27FC236}">
-                <a16:creationId xmlns:a16="http://schemas.microsoft.com/office/drawing/2014/main" id="{34A6A768-A0AC-47A8-826C-4AB6699432B4}"/>
-              </a:ext>
-            </a:extLst>
-          </p:cNvPr>
-          <p:cNvSpPr>
-            <a:spLocks noGrp="1"/>
-          </p:cNvSpPr>
-          <p:nvPr>
-            <p:ph type="ctrTitle"/>
-          </p:nvPr>
-        </p:nvSpPr>
-        <p:spPr>
-          <a:xfrm>
-            <a:off x="528468" y="461637"/>
-            <a:ext cx="9144000" cy="878891"/>
-          </a:xfrm>
-        </p:spPr>
-        <p:txBody>
-          <a:bodyPr>
-            <a:normAutofit/>
-          </a:bodyPr>
-          <a:lstStyle/>
-          <a:p>
-            <a:pPr algn="l"/>
-            <a:r>
-              <a:rPr lang="pt-BR" sz="5400" dirty="0"/>
-              <a:t>Referências Bibliográficas</a:t>
-            </a:r>
-            <a:endParaRPr lang="pt-BR" sz="4100" dirty="0"/>
-          </a:p>
-        </p:txBody>
-      </p:sp>
-      <p:sp>
-        <p:nvSpPr>
           <p:cNvPr id="4" name="Retângulo 3">
             <a:extLst>
               <a:ext uri="{FF2B5EF4-FFF2-40B4-BE49-F238E27FC236}">
@@ -17843,10 +17870,10 @@
       </p:sp>
       <p:sp>
         <p:nvSpPr>
-          <p:cNvPr id="7" name="Subtítulo 2">
-            <a:extLst>
-              <a:ext uri="{FF2B5EF4-FFF2-40B4-BE49-F238E27FC236}">
-                <a16:creationId xmlns:a16="http://schemas.microsoft.com/office/drawing/2014/main" id="{E6C7E8B1-58B9-44C2-97D8-C1D78F165290}"/>
+          <p:cNvPr id="9" name="Título 1">
+            <a:extLst>
+              <a:ext uri="{FF2B5EF4-FFF2-40B4-BE49-F238E27FC236}">
+                <a16:creationId xmlns:a16="http://schemas.microsoft.com/office/drawing/2014/main" id="{AA4B74B6-9A83-4022-82DE-8482AE37AC16}"/>
               </a:ext>
             </a:extLst>
           </p:cNvPr>
@@ -17854,13 +17881,13 @@
             <a:spLocks noGrp="1"/>
           </p:cNvSpPr>
           <p:nvPr>
-            <p:ph type="subTitle" idx="1"/>
+            <p:ph type="ctrTitle"/>
           </p:nvPr>
         </p:nvSpPr>
         <p:spPr>
           <a:xfrm>
-            <a:off x="620820" y="1473100"/>
-            <a:ext cx="10950359" cy="5078620"/>
+            <a:off x="528467" y="461637"/>
+            <a:ext cx="11056891" cy="1420426"/>
           </a:xfrm>
         </p:spPr>
         <p:txBody>
@@ -17871,402 +17898,335 @@
           <a:p>
             <a:pPr algn="l"/>
             <a:r>
-              <a:rPr lang="pt-BR" sz="2000" dirty="0">
-                <a:latin typeface="+mj-lt"/>
-              </a:rPr>
-              <a:t>[6] PRATEEK, N. </a:t>
-            </a:r>
-            <a:r>
-              <a:rPr lang="pt-BR" sz="2000" dirty="0" err="1">
-                <a:latin typeface="+mj-lt"/>
-              </a:rPr>
-              <a:t>Statistics</a:t>
-            </a:r>
-            <a:r>
-              <a:rPr lang="pt-BR" sz="2000" dirty="0">
-                <a:latin typeface="+mj-lt"/>
-              </a:rPr>
-              <a:t> </a:t>
-            </a:r>
-            <a:r>
-              <a:rPr lang="pt-BR" sz="2000" dirty="0" err="1">
-                <a:latin typeface="+mj-lt"/>
-              </a:rPr>
-              <a:t>is</a:t>
-            </a:r>
-            <a:r>
-              <a:rPr lang="pt-BR" sz="2000" dirty="0">
-                <a:latin typeface="+mj-lt"/>
-              </a:rPr>
-              <a:t> </a:t>
-            </a:r>
-            <a:r>
-              <a:rPr lang="pt-BR" sz="2000" dirty="0" err="1">
-                <a:latin typeface="+mj-lt"/>
-              </a:rPr>
-              <a:t>Freaking</a:t>
-            </a:r>
-            <a:r>
-              <a:rPr lang="pt-BR" sz="2000" dirty="0">
-                <a:latin typeface="+mj-lt"/>
-              </a:rPr>
-              <a:t> Hard: WTF </a:t>
-            </a:r>
-            <a:r>
-              <a:rPr lang="pt-BR" sz="2000" dirty="0" err="1">
-                <a:latin typeface="+mj-lt"/>
-              </a:rPr>
-              <a:t>is</a:t>
-            </a:r>
-            <a:r>
-              <a:rPr lang="pt-BR" sz="2000" dirty="0">
-                <a:latin typeface="+mj-lt"/>
-              </a:rPr>
-              <a:t> </a:t>
-            </a:r>
-            <a:r>
-              <a:rPr lang="pt-BR" sz="2000" dirty="0" err="1">
-                <a:latin typeface="+mj-lt"/>
-              </a:rPr>
-              <a:t>Activation</a:t>
-            </a:r>
-            <a:r>
-              <a:rPr lang="pt-BR" sz="2000" dirty="0">
-                <a:latin typeface="+mj-lt"/>
-              </a:rPr>
-              <a:t> </a:t>
-            </a:r>
-            <a:r>
-              <a:rPr lang="pt-BR" sz="2000" dirty="0" err="1">
-                <a:latin typeface="+mj-lt"/>
-              </a:rPr>
-              <a:t>func</a:t>
-            </a:r>
-            <a:r>
-              <a:rPr lang="pt-BR" sz="2000" dirty="0">
-                <a:latin typeface="+mj-lt"/>
-              </a:rPr>
-              <a:t>- </a:t>
-            </a:r>
-            <a:r>
-              <a:rPr lang="pt-BR" sz="2000" dirty="0" err="1">
-                <a:latin typeface="+mj-lt"/>
-              </a:rPr>
-              <a:t>tion</a:t>
-            </a:r>
-            <a:r>
-              <a:rPr lang="pt-BR" sz="2000" dirty="0">
-                <a:latin typeface="+mj-lt"/>
-              </a:rPr>
-              <a:t>. https://towardsdatascience.com/statistics-is-freaking- hard-wtf-is-activation-function-df8342cdf292, 2017. Acessado em Dezembro/2019.  </a:t>
-            </a:r>
-          </a:p>
-          <a:p>
-            <a:pPr algn="l"/>
-            <a:r>
-              <a:rPr lang="pt-BR" sz="2000" dirty="0">
-                <a:latin typeface="+mj-lt"/>
-              </a:rPr>
-              <a:t>[7] DERTAT, A. </a:t>
-            </a:r>
-            <a:r>
-              <a:rPr lang="pt-BR" sz="2000" dirty="0" err="1">
-                <a:latin typeface="+mj-lt"/>
-              </a:rPr>
-              <a:t>Applied</a:t>
-            </a:r>
-            <a:r>
-              <a:rPr lang="pt-BR" sz="2000" dirty="0">
-                <a:latin typeface="+mj-lt"/>
-              </a:rPr>
-              <a:t> </a:t>
-            </a:r>
-            <a:r>
-              <a:rPr lang="pt-BR" sz="2000" dirty="0" err="1">
-                <a:latin typeface="+mj-lt"/>
-              </a:rPr>
-              <a:t>Deep</a:t>
-            </a:r>
-            <a:r>
-              <a:rPr lang="pt-BR" sz="2000" dirty="0">
-                <a:latin typeface="+mj-lt"/>
-              </a:rPr>
-              <a:t> Learning - </a:t>
-            </a:r>
-            <a:r>
-              <a:rPr lang="pt-BR" sz="2000" dirty="0" err="1">
-                <a:latin typeface="+mj-lt"/>
-              </a:rPr>
-              <a:t>Part</a:t>
-            </a:r>
-            <a:r>
-              <a:rPr lang="pt-BR" sz="2000" dirty="0">
-                <a:latin typeface="+mj-lt"/>
-              </a:rPr>
-              <a:t> 4: </a:t>
-            </a:r>
-            <a:r>
-              <a:rPr lang="pt-BR" sz="2000" dirty="0" err="1">
-                <a:latin typeface="+mj-lt"/>
-              </a:rPr>
-              <a:t>Convolutional</a:t>
-            </a:r>
-            <a:r>
-              <a:rPr lang="pt-BR" sz="2000" dirty="0">
-                <a:latin typeface="+mj-lt"/>
-              </a:rPr>
-              <a:t> Neural Networks. https://towardsdatascience.com/applied-deep-learning-part-4- convolutional-neural-networks-584bc134c1e2, 2017. Acessado em Dezembro/2019.  </a:t>
-            </a:r>
-          </a:p>
-          <a:p>
-            <a:pPr algn="l"/>
-            <a:r>
-              <a:rPr lang="pt-BR" sz="2000" dirty="0">
-                <a:latin typeface="+mj-lt"/>
-              </a:rPr>
-              <a:t>[8] OLAH, C. </a:t>
-            </a:r>
-            <a:r>
-              <a:rPr lang="pt-BR" sz="2000" dirty="0" err="1">
-                <a:latin typeface="+mj-lt"/>
-              </a:rPr>
-              <a:t>Understanding</a:t>
-            </a:r>
-            <a:r>
-              <a:rPr lang="pt-BR" sz="2000" dirty="0">
-                <a:latin typeface="+mj-lt"/>
-              </a:rPr>
-              <a:t> LSTM Networks. http://colah.github.io/ posts/2015-08-Understanding-LSTMs/, 2017. Acessado em </a:t>
-            </a:r>
-            <a:r>
-              <a:rPr lang="pt-BR" sz="2000" dirty="0" err="1">
-                <a:latin typeface="+mj-lt"/>
-              </a:rPr>
-              <a:t>Ja</a:t>
-            </a:r>
-            <a:r>
-              <a:rPr lang="pt-BR" sz="2000" dirty="0">
-                <a:latin typeface="+mj-lt"/>
-              </a:rPr>
-              <a:t>- </a:t>
-            </a:r>
-            <a:r>
-              <a:rPr lang="pt-BR" sz="2000" dirty="0" err="1">
-                <a:latin typeface="+mj-lt"/>
-              </a:rPr>
-              <a:t>neiro</a:t>
-            </a:r>
-            <a:r>
-              <a:rPr lang="pt-BR" sz="2000" dirty="0">
-                <a:latin typeface="+mj-lt"/>
-              </a:rPr>
-              <a:t>/2020.  </a:t>
-            </a:r>
-          </a:p>
-          <a:p>
-            <a:pPr algn="l"/>
-            <a:r>
-              <a:rPr lang="pt-BR" sz="2000" dirty="0">
-                <a:latin typeface="+mj-lt"/>
-              </a:rPr>
-              <a:t>[9] DONAHUE, J., HENDRICKS, L. A., ROHRBACH, M., et al. </a:t>
-            </a:r>
-            <a:r>
-              <a:rPr lang="pt-BR" sz="2000" dirty="0" err="1">
-                <a:latin typeface="+mj-lt"/>
-              </a:rPr>
-              <a:t>Long-term</a:t>
-            </a:r>
-            <a:r>
-              <a:rPr lang="pt-BR" sz="2000" dirty="0">
-                <a:latin typeface="+mj-lt"/>
-              </a:rPr>
-              <a:t> Re- </a:t>
-            </a:r>
-            <a:r>
-              <a:rPr lang="pt-BR" sz="2000" dirty="0" err="1">
-                <a:latin typeface="+mj-lt"/>
-              </a:rPr>
-              <a:t>current</a:t>
-            </a:r>
-            <a:r>
-              <a:rPr lang="pt-BR" sz="2000" dirty="0">
-                <a:latin typeface="+mj-lt"/>
-              </a:rPr>
-              <a:t> </a:t>
-            </a:r>
-            <a:r>
-              <a:rPr lang="pt-BR" sz="2000" dirty="0" err="1">
-                <a:latin typeface="+mj-lt"/>
-              </a:rPr>
-              <a:t>Convolutional</a:t>
-            </a:r>
-            <a:r>
-              <a:rPr lang="pt-BR" sz="2000" dirty="0">
-                <a:latin typeface="+mj-lt"/>
-              </a:rPr>
-              <a:t> Networks for Visual </a:t>
-            </a:r>
-            <a:r>
-              <a:rPr lang="pt-BR" sz="2000" dirty="0" err="1">
-                <a:latin typeface="+mj-lt"/>
-              </a:rPr>
-              <a:t>Recognition</a:t>
-            </a:r>
-            <a:r>
-              <a:rPr lang="pt-BR" sz="2000" dirty="0">
-                <a:latin typeface="+mj-lt"/>
-              </a:rPr>
-              <a:t> </a:t>
-            </a:r>
-            <a:r>
-              <a:rPr lang="pt-BR" sz="2000" dirty="0" err="1">
-                <a:latin typeface="+mj-lt"/>
-              </a:rPr>
-              <a:t>and</a:t>
-            </a:r>
-            <a:r>
-              <a:rPr lang="pt-BR" sz="2000" dirty="0">
-                <a:latin typeface="+mj-lt"/>
-              </a:rPr>
-              <a:t> </a:t>
-            </a:r>
-            <a:r>
-              <a:rPr lang="pt-BR" sz="2000" dirty="0" err="1">
-                <a:latin typeface="+mj-lt"/>
-              </a:rPr>
-              <a:t>Description</a:t>
-            </a:r>
-            <a:r>
-              <a:rPr lang="pt-BR" sz="2000" dirty="0">
-                <a:latin typeface="+mj-lt"/>
-              </a:rPr>
-              <a:t>, jun. 2015.  </a:t>
-            </a:r>
-          </a:p>
-          <a:p>
-            <a:pPr algn="l"/>
-            <a:r>
-              <a:rPr lang="pt-BR" sz="2000" dirty="0">
-                <a:latin typeface="+mj-lt"/>
-              </a:rPr>
-              <a:t>[10] CUI, Z., KE, R., PU, Z., et al. </a:t>
-            </a:r>
-            <a:r>
-              <a:rPr lang="pt-BR" sz="2000" dirty="0" err="1">
-                <a:latin typeface="+mj-lt"/>
-              </a:rPr>
-              <a:t>Stacked</a:t>
-            </a:r>
-            <a:r>
-              <a:rPr lang="pt-BR" sz="2000" dirty="0">
-                <a:latin typeface="+mj-lt"/>
-              </a:rPr>
-              <a:t> </a:t>
-            </a:r>
-            <a:r>
-              <a:rPr lang="pt-BR" sz="2000" dirty="0" err="1">
-                <a:latin typeface="+mj-lt"/>
-              </a:rPr>
-              <a:t>Bidirectional</a:t>
-            </a:r>
-            <a:r>
-              <a:rPr lang="pt-BR" sz="2000" dirty="0">
-                <a:latin typeface="+mj-lt"/>
-              </a:rPr>
-              <a:t> </a:t>
-            </a:r>
-            <a:r>
-              <a:rPr lang="pt-BR" sz="2000" dirty="0" err="1">
-                <a:latin typeface="+mj-lt"/>
-              </a:rPr>
-              <a:t>and</a:t>
-            </a:r>
-            <a:r>
-              <a:rPr lang="pt-BR" sz="2000" dirty="0">
-                <a:latin typeface="+mj-lt"/>
-              </a:rPr>
-              <a:t> </a:t>
-            </a:r>
-            <a:r>
-              <a:rPr lang="pt-BR" sz="2000" dirty="0" err="1">
-                <a:latin typeface="+mj-lt"/>
-              </a:rPr>
-              <a:t>Unidirectional</a:t>
-            </a:r>
-            <a:r>
-              <a:rPr lang="pt-BR" sz="2000" dirty="0">
-                <a:latin typeface="+mj-lt"/>
-              </a:rPr>
-              <a:t> LSTM </a:t>
-            </a:r>
-            <a:r>
-              <a:rPr lang="pt-BR" sz="2000" dirty="0" err="1">
-                <a:latin typeface="+mj-lt"/>
-              </a:rPr>
-              <a:t>Recurrent</a:t>
-            </a:r>
-            <a:r>
-              <a:rPr lang="pt-BR" sz="2000" dirty="0">
-                <a:latin typeface="+mj-lt"/>
-              </a:rPr>
-              <a:t> Neural Network for Network-</a:t>
-            </a:r>
-            <a:r>
-              <a:rPr lang="pt-BR" sz="2000" dirty="0" err="1">
-                <a:latin typeface="+mj-lt"/>
-              </a:rPr>
-              <a:t>wide</a:t>
-            </a:r>
-            <a:r>
-              <a:rPr lang="pt-BR" sz="2000" dirty="0">
-                <a:latin typeface="+mj-lt"/>
-              </a:rPr>
-              <a:t> </a:t>
-            </a:r>
-            <a:r>
-              <a:rPr lang="pt-BR" sz="2000" dirty="0" err="1">
-                <a:latin typeface="+mj-lt"/>
-              </a:rPr>
-              <a:t>Trac</a:t>
-            </a:r>
-            <a:r>
-              <a:rPr lang="pt-BR" sz="2000" dirty="0">
-                <a:latin typeface="+mj-lt"/>
-              </a:rPr>
-              <a:t> </a:t>
-            </a:r>
-            <a:r>
-              <a:rPr lang="pt-BR" sz="2000" dirty="0" err="1">
-                <a:latin typeface="+mj-lt"/>
-              </a:rPr>
-              <a:t>Speed</a:t>
-            </a:r>
-            <a:r>
-              <a:rPr lang="pt-BR" sz="2000" dirty="0">
-                <a:latin typeface="+mj-lt"/>
-              </a:rPr>
-              <a:t> </a:t>
-            </a:r>
-            <a:r>
-              <a:rPr lang="pt-BR" sz="2000" dirty="0" err="1">
-                <a:latin typeface="+mj-lt"/>
-              </a:rPr>
-              <a:t>Prediction</a:t>
-            </a:r>
-            <a:r>
-              <a:rPr lang="pt-BR" sz="2000" dirty="0">
-                <a:latin typeface="+mj-lt"/>
-              </a:rPr>
-              <a:t>, . </a:t>
-            </a:r>
+              <a:rPr lang="pt-BR" sz="5400" dirty="0"/>
+              <a:t>Fundamentação Teórica</a:t>
+            </a:r>
+            <a:br>
+              <a:rPr lang="pt-BR" sz="5400" dirty="0"/>
+            </a:br>
+            <a:r>
+              <a:rPr lang="pt-BR" sz="4100" dirty="0" err="1"/>
+              <a:t>PyText</a:t>
+            </a:r>
+            <a:endParaRPr lang="pt-BR" sz="4100" i="1" dirty="0"/>
           </a:p>
         </p:txBody>
       </p:sp>
+      <p:sp>
+        <p:nvSpPr>
+          <p:cNvPr id="5" name="Subtítulo 2">
+            <a:extLst>
+              <a:ext uri="{FF2B5EF4-FFF2-40B4-BE49-F238E27FC236}">
+                <a16:creationId xmlns:a16="http://schemas.microsoft.com/office/drawing/2014/main" id="{3CA296FA-D92B-4042-A53C-3AE62993DFB3}"/>
+              </a:ext>
+            </a:extLst>
+          </p:cNvPr>
+          <p:cNvSpPr txBox="1">
+            <a:spLocks/>
+          </p:cNvSpPr>
+          <p:nvPr/>
+        </p:nvSpPr>
+        <p:spPr>
+          <a:xfrm>
+            <a:off x="635000" y="1996871"/>
+            <a:ext cx="10950359" cy="950516"/>
+          </a:xfrm>
+          <a:prstGeom prst="rect">
+            <a:avLst/>
+          </a:prstGeom>
+        </p:spPr>
+        <p:txBody>
+          <a:bodyPr vert="horz" lIns="91440" tIns="45720" rIns="91440" bIns="45720" rtlCol="0">
+            <a:normAutofit/>
+          </a:bodyPr>
+          <a:lstStyle>
+            <a:lvl1pPr marL="0" indent="0" algn="ctr" defTabSz="914400" rtl="0" eaLnBrk="1" latinLnBrk="0" hangingPunct="1">
+              <a:lnSpc>
+                <a:spcPct val="90000"/>
+              </a:lnSpc>
+              <a:spcBef>
+                <a:spcPts val="1000"/>
+              </a:spcBef>
+              <a:buFont typeface="Arial" panose="020B0604020202020204" pitchFamily="34" charset="0"/>
+              <a:buNone/>
+              <a:defRPr sz="2400" kern="1200">
+                <a:solidFill>
+                  <a:schemeClr val="tx1"/>
+                </a:solidFill>
+                <a:latin typeface="+mn-lt"/>
+                <a:ea typeface="+mn-ea"/>
+                <a:cs typeface="+mn-cs"/>
+              </a:defRPr>
+            </a:lvl1pPr>
+            <a:lvl2pPr marL="457200" indent="0" algn="ctr" defTabSz="914400" rtl="0" eaLnBrk="1" latinLnBrk="0" hangingPunct="1">
+              <a:lnSpc>
+                <a:spcPct val="90000"/>
+              </a:lnSpc>
+              <a:spcBef>
+                <a:spcPts val="500"/>
+              </a:spcBef>
+              <a:buFont typeface="Arial" panose="020B0604020202020204" pitchFamily="34" charset="0"/>
+              <a:buNone/>
+              <a:defRPr sz="2000" kern="1200">
+                <a:solidFill>
+                  <a:schemeClr val="tx1"/>
+                </a:solidFill>
+                <a:latin typeface="+mn-lt"/>
+                <a:ea typeface="+mn-ea"/>
+                <a:cs typeface="+mn-cs"/>
+              </a:defRPr>
+            </a:lvl2pPr>
+            <a:lvl3pPr marL="914400" indent="0" algn="ctr" defTabSz="914400" rtl="0" eaLnBrk="1" latinLnBrk="0" hangingPunct="1">
+              <a:lnSpc>
+                <a:spcPct val="90000"/>
+              </a:lnSpc>
+              <a:spcBef>
+                <a:spcPts val="500"/>
+              </a:spcBef>
+              <a:buFont typeface="Arial" panose="020B0604020202020204" pitchFamily="34" charset="0"/>
+              <a:buNone/>
+              <a:defRPr sz="1800" kern="1200">
+                <a:solidFill>
+                  <a:schemeClr val="tx1"/>
+                </a:solidFill>
+                <a:latin typeface="+mn-lt"/>
+                <a:ea typeface="+mn-ea"/>
+                <a:cs typeface="+mn-cs"/>
+              </a:defRPr>
+            </a:lvl3pPr>
+            <a:lvl4pPr marL="1371600" indent="0" algn="ctr" defTabSz="914400" rtl="0" eaLnBrk="1" latinLnBrk="0" hangingPunct="1">
+              <a:lnSpc>
+                <a:spcPct val="90000"/>
+              </a:lnSpc>
+              <a:spcBef>
+                <a:spcPts val="500"/>
+              </a:spcBef>
+              <a:buFont typeface="Arial" panose="020B0604020202020204" pitchFamily="34" charset="0"/>
+              <a:buNone/>
+              <a:defRPr sz="1600" kern="1200">
+                <a:solidFill>
+                  <a:schemeClr val="tx1"/>
+                </a:solidFill>
+                <a:latin typeface="+mn-lt"/>
+                <a:ea typeface="+mn-ea"/>
+                <a:cs typeface="+mn-cs"/>
+              </a:defRPr>
+            </a:lvl4pPr>
+            <a:lvl5pPr marL="1828800" indent="0" algn="ctr" defTabSz="914400" rtl="0" eaLnBrk="1" latinLnBrk="0" hangingPunct="1">
+              <a:lnSpc>
+                <a:spcPct val="90000"/>
+              </a:lnSpc>
+              <a:spcBef>
+                <a:spcPts val="500"/>
+              </a:spcBef>
+              <a:buFont typeface="Arial" panose="020B0604020202020204" pitchFamily="34" charset="0"/>
+              <a:buNone/>
+              <a:defRPr sz="1600" kern="1200">
+                <a:solidFill>
+                  <a:schemeClr val="tx1"/>
+                </a:solidFill>
+                <a:latin typeface="+mn-lt"/>
+                <a:ea typeface="+mn-ea"/>
+                <a:cs typeface="+mn-cs"/>
+              </a:defRPr>
+            </a:lvl5pPr>
+            <a:lvl6pPr marL="2286000" indent="0" algn="ctr" defTabSz="914400" rtl="0" eaLnBrk="1" latinLnBrk="0" hangingPunct="1">
+              <a:lnSpc>
+                <a:spcPct val="90000"/>
+              </a:lnSpc>
+              <a:spcBef>
+                <a:spcPts val="500"/>
+              </a:spcBef>
+              <a:buFont typeface="Arial" panose="020B0604020202020204" pitchFamily="34" charset="0"/>
+              <a:buNone/>
+              <a:defRPr sz="1600" kern="1200">
+                <a:solidFill>
+                  <a:schemeClr val="tx1"/>
+                </a:solidFill>
+                <a:latin typeface="+mn-lt"/>
+                <a:ea typeface="+mn-ea"/>
+                <a:cs typeface="+mn-cs"/>
+              </a:defRPr>
+            </a:lvl6pPr>
+            <a:lvl7pPr marL="2743200" indent="0" algn="ctr" defTabSz="914400" rtl="0" eaLnBrk="1" latinLnBrk="0" hangingPunct="1">
+              <a:lnSpc>
+                <a:spcPct val="90000"/>
+              </a:lnSpc>
+              <a:spcBef>
+                <a:spcPts val="500"/>
+              </a:spcBef>
+              <a:buFont typeface="Arial" panose="020B0604020202020204" pitchFamily="34" charset="0"/>
+              <a:buNone/>
+              <a:defRPr sz="1600" kern="1200">
+                <a:solidFill>
+                  <a:schemeClr val="tx1"/>
+                </a:solidFill>
+                <a:latin typeface="+mn-lt"/>
+                <a:ea typeface="+mn-ea"/>
+                <a:cs typeface="+mn-cs"/>
+              </a:defRPr>
+            </a:lvl7pPr>
+            <a:lvl8pPr marL="3200400" indent="0" algn="ctr" defTabSz="914400" rtl="0" eaLnBrk="1" latinLnBrk="0" hangingPunct="1">
+              <a:lnSpc>
+                <a:spcPct val="90000"/>
+              </a:lnSpc>
+              <a:spcBef>
+                <a:spcPts val="500"/>
+              </a:spcBef>
+              <a:buFont typeface="Arial" panose="020B0604020202020204" pitchFamily="34" charset="0"/>
+              <a:buNone/>
+              <a:defRPr sz="1600" kern="1200">
+                <a:solidFill>
+                  <a:schemeClr val="tx1"/>
+                </a:solidFill>
+                <a:latin typeface="+mn-lt"/>
+                <a:ea typeface="+mn-ea"/>
+                <a:cs typeface="+mn-cs"/>
+              </a:defRPr>
+            </a:lvl8pPr>
+            <a:lvl9pPr marL="3657600" indent="0" algn="ctr" defTabSz="914400" rtl="0" eaLnBrk="1" latinLnBrk="0" hangingPunct="1">
+              <a:lnSpc>
+                <a:spcPct val="90000"/>
+              </a:lnSpc>
+              <a:spcBef>
+                <a:spcPts val="500"/>
+              </a:spcBef>
+              <a:buFont typeface="Arial" panose="020B0604020202020204" pitchFamily="34" charset="0"/>
+              <a:buNone/>
+              <a:defRPr sz="1600" kern="1200">
+                <a:solidFill>
+                  <a:schemeClr val="tx1"/>
+                </a:solidFill>
+                <a:latin typeface="+mn-lt"/>
+                <a:ea typeface="+mn-ea"/>
+                <a:cs typeface="+mn-cs"/>
+              </a:defRPr>
+            </a:lvl9pPr>
+          </a:lstStyle>
+          <a:p>
+            <a:pPr marL="457200" indent="-457200" algn="l">
+              <a:buFontTx/>
+              <a:buChar char="-"/>
+            </a:pPr>
+            <a:r>
+              <a:rPr lang="pt-BR" sz="2800" dirty="0">
+                <a:latin typeface="+mj-lt"/>
+              </a:rPr>
+              <a:t>Configuração é feita a partir de um arquivo JSON que aponta para a localização do conjunto de dados de teste/treino (arquivo CSV ou TSV).</a:t>
+            </a:r>
+          </a:p>
+        </p:txBody>
+      </p:sp>
+      <p:pic>
+        <p:nvPicPr>
+          <p:cNvPr id="2" name="Imagem 1">
+            <a:extLst>
+              <a:ext uri="{FF2B5EF4-FFF2-40B4-BE49-F238E27FC236}">
+                <a16:creationId xmlns:a16="http://schemas.microsoft.com/office/drawing/2014/main" id="{583647E9-39A8-41C5-A72F-120FA5110AF4}"/>
+              </a:ext>
+            </a:extLst>
+          </p:cNvPr>
+          <p:cNvPicPr>
+            <a:picLocks noChangeAspect="1"/>
+          </p:cNvPicPr>
+          <p:nvPr/>
+        </p:nvPicPr>
+        <p:blipFill>
+          <a:blip r:embed="rId2"/>
+          <a:stretch>
+            <a:fillRect/>
+          </a:stretch>
+        </p:blipFill>
+        <p:spPr>
+          <a:xfrm>
+            <a:off x="1270000" y="3062195"/>
+            <a:ext cx="3128610" cy="3439889"/>
+          </a:xfrm>
+          <a:prstGeom prst="rect">
+            <a:avLst/>
+          </a:prstGeom>
+        </p:spPr>
+      </p:pic>
+      <p:sp>
+        <p:nvSpPr>
+          <p:cNvPr id="6" name="Seta: para a Direita 5">
+            <a:extLst>
+              <a:ext uri="{FF2B5EF4-FFF2-40B4-BE49-F238E27FC236}">
+                <a16:creationId xmlns:a16="http://schemas.microsoft.com/office/drawing/2014/main" id="{40999300-3D88-4B3F-B6BF-D1B0AAF7A2F9}"/>
+              </a:ext>
+            </a:extLst>
+          </p:cNvPr>
+          <p:cNvSpPr/>
+          <p:nvPr/>
+        </p:nvSpPr>
+        <p:spPr>
+          <a:xfrm>
+            <a:off x="5069150" y="4527612"/>
+            <a:ext cx="1633491" cy="461638"/>
+          </a:xfrm>
+          <a:prstGeom prst="rightArrow">
+            <a:avLst/>
+          </a:prstGeom>
+        </p:spPr>
+        <p:style>
+          <a:lnRef idx="2">
+            <a:schemeClr val="accent2">
+              <a:shade val="50000"/>
+            </a:schemeClr>
+          </a:lnRef>
+          <a:fillRef idx="1">
+            <a:schemeClr val="accent2"/>
+          </a:fillRef>
+          <a:effectRef idx="0">
+            <a:schemeClr val="accent2"/>
+          </a:effectRef>
+          <a:fontRef idx="minor">
+            <a:schemeClr val="lt1"/>
+          </a:fontRef>
+        </p:style>
+        <p:txBody>
+          <a:bodyPr rtlCol="0" anchor="ctr"/>
+          <a:lstStyle/>
+          <a:p>
+            <a:pPr algn="ctr"/>
+            <a:endParaRPr lang="pt-BR"/>
+          </a:p>
+        </p:txBody>
+      </p:sp>
+      <p:pic>
+        <p:nvPicPr>
+          <p:cNvPr id="7" name="Imagem 6">
+            <a:extLst>
+              <a:ext uri="{FF2B5EF4-FFF2-40B4-BE49-F238E27FC236}">
+                <a16:creationId xmlns:a16="http://schemas.microsoft.com/office/drawing/2014/main" id="{1F955C69-43C2-4B4A-A550-8B8AE068BCA1}"/>
+              </a:ext>
+            </a:extLst>
+          </p:cNvPr>
+          <p:cNvPicPr>
+            <a:picLocks noChangeAspect="1"/>
+          </p:cNvPicPr>
+          <p:nvPr/>
+        </p:nvPicPr>
+        <p:blipFill>
+          <a:blip r:embed="rId3"/>
+          <a:stretch>
+            <a:fillRect/>
+          </a:stretch>
+        </p:blipFill>
+        <p:spPr>
+          <a:xfrm>
+            <a:off x="7004064" y="4436154"/>
+            <a:ext cx="4350475" cy="553096"/>
+          </a:xfrm>
+          <a:prstGeom prst="rect">
+            <a:avLst/>
+          </a:prstGeom>
+        </p:spPr>
+      </p:pic>
     </p:spTree>
     <p:extLst>
       <p:ext uri="{BB962C8B-B14F-4D97-AF65-F5344CB8AC3E}">
-        <p14:creationId xmlns:p14="http://schemas.microsoft.com/office/powerpoint/2010/main" val="2378476834"/>
+        <p14:creationId xmlns:p14="http://schemas.microsoft.com/office/powerpoint/2010/main" val="402214813"/>
       </p:ext>
     </p:extLst>
   </p:cSld>
@@ -18295,43 +18255,6 @@
       </p:grpSpPr>
       <p:sp>
         <p:nvSpPr>
-          <p:cNvPr id="2" name="Título 1">
-            <a:extLst>
-              <a:ext uri="{FF2B5EF4-FFF2-40B4-BE49-F238E27FC236}">
-                <a16:creationId xmlns:a16="http://schemas.microsoft.com/office/drawing/2014/main" id="{34A6A768-A0AC-47A8-826C-4AB6699432B4}"/>
-              </a:ext>
-            </a:extLst>
-          </p:cNvPr>
-          <p:cNvSpPr>
-            <a:spLocks noGrp="1"/>
-          </p:cNvSpPr>
-          <p:nvPr>
-            <p:ph type="ctrTitle"/>
-          </p:nvPr>
-        </p:nvSpPr>
-        <p:spPr>
-          <a:xfrm>
-            <a:off x="528468" y="461637"/>
-            <a:ext cx="9144000" cy="878891"/>
-          </a:xfrm>
-        </p:spPr>
-        <p:txBody>
-          <a:bodyPr>
-            <a:normAutofit/>
-          </a:bodyPr>
-          <a:lstStyle/>
-          <a:p>
-            <a:pPr algn="l"/>
-            <a:r>
-              <a:rPr lang="pt-BR" sz="5400" dirty="0"/>
-              <a:t>Referências Bibliográficas</a:t>
-            </a:r>
-            <a:endParaRPr lang="pt-BR" sz="4100" dirty="0"/>
-          </a:p>
-        </p:txBody>
-      </p:sp>
-      <p:sp>
-        <p:nvSpPr>
           <p:cNvPr id="4" name="Retângulo 3">
             <a:extLst>
               <a:ext uri="{FF2B5EF4-FFF2-40B4-BE49-F238E27FC236}">
@@ -18411,10 +18334,10 @@
       </p:sp>
       <p:sp>
         <p:nvSpPr>
-          <p:cNvPr id="7" name="Subtítulo 2">
-            <a:extLst>
-              <a:ext uri="{FF2B5EF4-FFF2-40B4-BE49-F238E27FC236}">
-                <a16:creationId xmlns:a16="http://schemas.microsoft.com/office/drawing/2014/main" id="{E6C7E8B1-58B9-44C2-97D8-C1D78F165290}"/>
+          <p:cNvPr id="9" name="Título 1">
+            <a:extLst>
+              <a:ext uri="{FF2B5EF4-FFF2-40B4-BE49-F238E27FC236}">
+                <a16:creationId xmlns:a16="http://schemas.microsoft.com/office/drawing/2014/main" id="{AA4B74B6-9A83-4022-82DE-8482AE37AC16}"/>
               </a:ext>
             </a:extLst>
           </p:cNvPr>
@@ -18422,13 +18345,13 @@
             <a:spLocks noGrp="1"/>
           </p:cNvSpPr>
           <p:nvPr>
-            <p:ph type="subTitle" idx="1"/>
+            <p:ph type="ctrTitle"/>
           </p:nvPr>
         </p:nvSpPr>
         <p:spPr>
           <a:xfrm>
-            <a:off x="620820" y="1473100"/>
-            <a:ext cx="10950359" cy="5078620"/>
+            <a:off x="528467" y="461637"/>
+            <a:ext cx="11056891" cy="1420426"/>
           </a:xfrm>
         </p:spPr>
         <p:txBody>
@@ -18439,330 +18362,256 @@
           <a:p>
             <a:pPr algn="l"/>
             <a:r>
-              <a:rPr lang="pt-BR" sz="2000" dirty="0">
-                <a:latin typeface="+mj-lt"/>
-              </a:rPr>
-              <a:t>[11] SRIVASTAVA, N., HINTON, G., KRIZHEVSKY, A., et al. </a:t>
-            </a:r>
-            <a:r>
-              <a:rPr lang="pt-BR" sz="2000" dirty="0" err="1">
-                <a:latin typeface="+mj-lt"/>
-              </a:rPr>
-              <a:t>Dropout</a:t>
-            </a:r>
-            <a:r>
-              <a:rPr lang="pt-BR" sz="2000" dirty="0">
-                <a:latin typeface="+mj-lt"/>
-              </a:rPr>
-              <a:t>: A </a:t>
-            </a:r>
-            <a:r>
-              <a:rPr lang="pt-BR" sz="2000" dirty="0" err="1">
-                <a:latin typeface="+mj-lt"/>
-              </a:rPr>
-              <a:t>Simple</a:t>
-            </a:r>
-            <a:r>
-              <a:rPr lang="pt-BR" sz="2000" dirty="0">
-                <a:latin typeface="+mj-lt"/>
-              </a:rPr>
-              <a:t> Way </a:t>
-            </a:r>
-            <a:r>
-              <a:rPr lang="pt-BR" sz="2000" dirty="0" err="1">
-                <a:latin typeface="+mj-lt"/>
-              </a:rPr>
-              <a:t>to</a:t>
-            </a:r>
-            <a:r>
-              <a:rPr lang="pt-BR" sz="2000" dirty="0">
-                <a:latin typeface="+mj-lt"/>
-              </a:rPr>
-              <a:t> </a:t>
-            </a:r>
-            <a:r>
-              <a:rPr lang="pt-BR" sz="2000" dirty="0" err="1">
-                <a:latin typeface="+mj-lt"/>
-              </a:rPr>
-              <a:t>Prevent</a:t>
-            </a:r>
-            <a:r>
-              <a:rPr lang="pt-BR" sz="2000" dirty="0">
-                <a:latin typeface="+mj-lt"/>
-              </a:rPr>
-              <a:t> Neural Networks </a:t>
-            </a:r>
-            <a:r>
-              <a:rPr lang="pt-BR" sz="2000" dirty="0" err="1">
-                <a:latin typeface="+mj-lt"/>
-              </a:rPr>
-              <a:t>from</a:t>
-            </a:r>
-            <a:r>
-              <a:rPr lang="pt-BR" sz="2000" dirty="0">
-                <a:latin typeface="+mj-lt"/>
-              </a:rPr>
-              <a:t> </a:t>
-            </a:r>
-            <a:r>
-              <a:rPr lang="pt-BR" sz="2000" dirty="0" err="1">
-                <a:latin typeface="+mj-lt"/>
-              </a:rPr>
-              <a:t>Overfitting</a:t>
-            </a:r>
-            <a:r>
-              <a:rPr lang="pt-BR" sz="2000" dirty="0">
-                <a:latin typeface="+mj-lt"/>
-              </a:rPr>
-              <a:t>, 2014.  </a:t>
-            </a:r>
-          </a:p>
-          <a:p>
-            <a:pPr algn="l"/>
-            <a:r>
-              <a:rPr lang="pt-BR" sz="2000" dirty="0">
-                <a:latin typeface="+mj-lt"/>
-              </a:rPr>
-              <a:t>[12] AMEISEN, E. </a:t>
-            </a:r>
-            <a:r>
-              <a:rPr lang="pt-BR" sz="2000" dirty="0" err="1">
-                <a:latin typeface="+mj-lt"/>
-              </a:rPr>
-              <a:t>How</a:t>
-            </a:r>
-            <a:r>
-              <a:rPr lang="pt-BR" sz="2000" dirty="0">
-                <a:latin typeface="+mj-lt"/>
-              </a:rPr>
-              <a:t> </a:t>
-            </a:r>
-            <a:r>
-              <a:rPr lang="pt-BR" sz="2000" dirty="0" err="1">
-                <a:latin typeface="+mj-lt"/>
-              </a:rPr>
-              <a:t>to</a:t>
-            </a:r>
-            <a:r>
-              <a:rPr lang="pt-BR" sz="2000" dirty="0">
-                <a:latin typeface="+mj-lt"/>
-              </a:rPr>
-              <a:t> solve 90 </a:t>
-            </a:r>
-            <a:r>
-              <a:rPr lang="pt-BR" sz="2000" dirty="0" err="1">
-                <a:latin typeface="+mj-lt"/>
-              </a:rPr>
-              <a:t>of</a:t>
-            </a:r>
-            <a:r>
-              <a:rPr lang="pt-BR" sz="2000" dirty="0">
-                <a:latin typeface="+mj-lt"/>
-              </a:rPr>
-              <a:t> NLP </a:t>
-            </a:r>
-            <a:r>
-              <a:rPr lang="pt-BR" sz="2000" dirty="0" err="1">
-                <a:latin typeface="+mj-lt"/>
-              </a:rPr>
-              <a:t>problems</a:t>
-            </a:r>
-            <a:r>
-              <a:rPr lang="pt-BR" sz="2000" dirty="0">
-                <a:latin typeface="+mj-lt"/>
-              </a:rPr>
-              <a:t>: a </a:t>
-            </a:r>
-            <a:r>
-              <a:rPr lang="pt-BR" sz="2000" dirty="0" err="1">
-                <a:latin typeface="+mj-lt"/>
-              </a:rPr>
-              <a:t>step-by-step</a:t>
-            </a:r>
-            <a:r>
-              <a:rPr lang="pt-BR" sz="2000" dirty="0">
-                <a:latin typeface="+mj-lt"/>
-              </a:rPr>
-              <a:t> </a:t>
-            </a:r>
-            <a:r>
-              <a:rPr lang="pt-BR" sz="2000" dirty="0" err="1">
-                <a:latin typeface="+mj-lt"/>
-              </a:rPr>
-              <a:t>guide</a:t>
-            </a:r>
-            <a:r>
-              <a:rPr lang="pt-BR" sz="2000" dirty="0">
-                <a:latin typeface="+mj-lt"/>
-              </a:rPr>
-              <a:t>. https://blog.insightdatascience.com/how-to-solve-90-of-nlp- problems-a-step-by-step-guide-fda605278e4e, 2018. Acessado em Dezembro/2019.  </a:t>
-            </a:r>
-          </a:p>
-          <a:p>
-            <a:pPr algn="l"/>
-            <a:r>
-              <a:rPr lang="pt-BR" sz="2000" dirty="0">
-                <a:latin typeface="+mj-lt"/>
-              </a:rPr>
-              <a:t>[13] MIKOLOV, T., CHEN, K., CORRADO, G., et al. </a:t>
-            </a:r>
-            <a:r>
-              <a:rPr lang="pt-BR" sz="2000" dirty="0" err="1">
-                <a:latin typeface="+mj-lt"/>
-              </a:rPr>
-              <a:t>Ecient</a:t>
-            </a:r>
-            <a:r>
-              <a:rPr lang="pt-BR" sz="2000" dirty="0">
-                <a:latin typeface="+mj-lt"/>
-              </a:rPr>
-              <a:t> </a:t>
-            </a:r>
-            <a:r>
-              <a:rPr lang="pt-BR" sz="2000" dirty="0" err="1">
-                <a:latin typeface="+mj-lt"/>
-              </a:rPr>
-              <a:t>Estimation</a:t>
-            </a:r>
-            <a:r>
-              <a:rPr lang="pt-BR" sz="2000" dirty="0">
-                <a:latin typeface="+mj-lt"/>
-              </a:rPr>
-              <a:t> </a:t>
-            </a:r>
-            <a:r>
-              <a:rPr lang="pt-BR" sz="2000" dirty="0" err="1">
-                <a:latin typeface="+mj-lt"/>
-              </a:rPr>
-              <a:t>of</a:t>
-            </a:r>
-            <a:r>
-              <a:rPr lang="pt-BR" sz="2000" dirty="0">
-                <a:latin typeface="+mj-lt"/>
-              </a:rPr>
-              <a:t> Word </a:t>
-            </a:r>
-            <a:r>
-              <a:rPr lang="pt-BR" sz="2000" dirty="0" err="1">
-                <a:latin typeface="+mj-lt"/>
-              </a:rPr>
-              <a:t>Representations</a:t>
-            </a:r>
-            <a:r>
-              <a:rPr lang="pt-BR" sz="2000" dirty="0">
-                <a:latin typeface="+mj-lt"/>
-              </a:rPr>
-              <a:t> in Vector Space, 2013.  </a:t>
-            </a:r>
-          </a:p>
-          <a:p>
-            <a:pPr algn="l"/>
-            <a:r>
-              <a:rPr lang="pt-BR" sz="2000" dirty="0">
-                <a:latin typeface="+mj-lt"/>
-              </a:rPr>
-              <a:t>[14] GitHub: </a:t>
-            </a:r>
-            <a:r>
-              <a:rPr lang="pt-BR" sz="2000" dirty="0" err="1">
-                <a:latin typeface="+mj-lt"/>
-              </a:rPr>
-              <a:t>facebookresearch</a:t>
-            </a:r>
-            <a:r>
-              <a:rPr lang="pt-BR" sz="2000" dirty="0">
-                <a:latin typeface="+mj-lt"/>
-              </a:rPr>
-              <a:t> / </a:t>
-            </a:r>
-            <a:r>
-              <a:rPr lang="pt-BR" sz="2000" dirty="0" err="1">
-                <a:latin typeface="+mj-lt"/>
-              </a:rPr>
-              <a:t>pytext</a:t>
-            </a:r>
-            <a:r>
-              <a:rPr lang="pt-BR" sz="2000" dirty="0">
-                <a:latin typeface="+mj-lt"/>
-              </a:rPr>
-              <a:t>. https://github.com/ </a:t>
-            </a:r>
-            <a:r>
-              <a:rPr lang="pt-BR" sz="2000" dirty="0" err="1">
-                <a:latin typeface="+mj-lt"/>
-              </a:rPr>
-              <a:t>facebookresearch</a:t>
-            </a:r>
-            <a:r>
-              <a:rPr lang="pt-BR" sz="2000" dirty="0">
-                <a:latin typeface="+mj-lt"/>
-              </a:rPr>
-              <a:t>/</a:t>
-            </a:r>
-            <a:r>
-              <a:rPr lang="pt-BR" sz="2000" dirty="0" err="1">
-                <a:latin typeface="+mj-lt"/>
-              </a:rPr>
-              <a:t>pytext</a:t>
-            </a:r>
-            <a:r>
-              <a:rPr lang="pt-BR" sz="2000" dirty="0">
-                <a:latin typeface="+mj-lt"/>
-              </a:rPr>
-              <a:t>, . Acessado em Janeiro/2020.  </a:t>
-            </a:r>
-          </a:p>
-          <a:p>
-            <a:pPr algn="l"/>
-            <a:r>
-              <a:rPr lang="pt-BR" sz="2000" dirty="0">
-                <a:latin typeface="+mj-lt"/>
-              </a:rPr>
-              <a:t>[15] Índice Bovespa (Ibovespa). http://www.bmfbovespa.com.br/pt_br/ produtos/</a:t>
-            </a:r>
-            <a:r>
-              <a:rPr lang="pt-BR" sz="2000" dirty="0" err="1">
-                <a:latin typeface="+mj-lt"/>
-              </a:rPr>
-              <a:t>indices</a:t>
-            </a:r>
-            <a:r>
-              <a:rPr lang="pt-BR" sz="2000" dirty="0">
-                <a:latin typeface="+mj-lt"/>
-              </a:rPr>
-              <a:t>/</a:t>
-            </a:r>
-            <a:r>
-              <a:rPr lang="pt-BR" sz="2000" dirty="0" err="1">
-                <a:latin typeface="+mj-lt"/>
-              </a:rPr>
-              <a:t>indices</a:t>
-            </a:r>
-            <a:r>
-              <a:rPr lang="pt-BR" sz="2000" dirty="0">
-                <a:latin typeface="+mj-lt"/>
-              </a:rPr>
-              <a:t>-amplos/</a:t>
-            </a:r>
-            <a:r>
-              <a:rPr lang="pt-BR" sz="2000" dirty="0" err="1">
-                <a:latin typeface="+mj-lt"/>
-              </a:rPr>
-              <a:t>indice-ibovespa-ibovespa</a:t>
-            </a:r>
-            <a:r>
-              <a:rPr lang="pt-BR" sz="2000" dirty="0">
-                <a:latin typeface="+mj-lt"/>
-              </a:rPr>
-              <a:t>- composicao-da-carteira.htm. Acessado em Dezembro/2019. </a:t>
-            </a:r>
+              <a:rPr lang="pt-BR" sz="5400" dirty="0"/>
+              <a:t>Obtenção e Tratamento de Dados</a:t>
+            </a:r>
+            <a:br>
+              <a:rPr lang="pt-BR" sz="5400" dirty="0"/>
+            </a:br>
+            <a:r>
+              <a:rPr lang="pt-BR" sz="4100" dirty="0"/>
+              <a:t>Conjunto de Dados de Notícias</a:t>
+            </a:r>
+            <a:endParaRPr lang="pt-BR" sz="4100" i="1" dirty="0"/>
+          </a:p>
+        </p:txBody>
+      </p:sp>
+      <p:sp>
+        <p:nvSpPr>
+          <p:cNvPr id="5" name="Subtítulo 2">
+            <a:extLst>
+              <a:ext uri="{FF2B5EF4-FFF2-40B4-BE49-F238E27FC236}">
+                <a16:creationId xmlns:a16="http://schemas.microsoft.com/office/drawing/2014/main" id="{3CA296FA-D92B-4042-A53C-3AE62993DFB3}"/>
+              </a:ext>
+            </a:extLst>
+          </p:cNvPr>
+          <p:cNvSpPr txBox="1">
+            <a:spLocks/>
+          </p:cNvSpPr>
+          <p:nvPr/>
+        </p:nvSpPr>
+        <p:spPr>
+          <a:xfrm>
+            <a:off x="635000" y="1996871"/>
+            <a:ext cx="10950359" cy="4399492"/>
+          </a:xfrm>
+          <a:prstGeom prst="rect">
+            <a:avLst/>
+          </a:prstGeom>
+        </p:spPr>
+        <p:txBody>
+          <a:bodyPr vert="horz" lIns="91440" tIns="45720" rIns="91440" bIns="45720" rtlCol="0">
+            <a:normAutofit/>
+          </a:bodyPr>
+          <a:lstStyle>
+            <a:lvl1pPr marL="0" indent="0" algn="ctr" defTabSz="914400" rtl="0" eaLnBrk="1" latinLnBrk="0" hangingPunct="1">
+              <a:lnSpc>
+                <a:spcPct val="90000"/>
+              </a:lnSpc>
+              <a:spcBef>
+                <a:spcPts val="1000"/>
+              </a:spcBef>
+              <a:buFont typeface="Arial" panose="020B0604020202020204" pitchFamily="34" charset="0"/>
+              <a:buNone/>
+              <a:defRPr sz="2400" kern="1200">
+                <a:solidFill>
+                  <a:schemeClr val="tx1"/>
+                </a:solidFill>
+                <a:latin typeface="+mn-lt"/>
+                <a:ea typeface="+mn-ea"/>
+                <a:cs typeface="+mn-cs"/>
+              </a:defRPr>
+            </a:lvl1pPr>
+            <a:lvl2pPr marL="457200" indent="0" algn="ctr" defTabSz="914400" rtl="0" eaLnBrk="1" latinLnBrk="0" hangingPunct="1">
+              <a:lnSpc>
+                <a:spcPct val="90000"/>
+              </a:lnSpc>
+              <a:spcBef>
+                <a:spcPts val="500"/>
+              </a:spcBef>
+              <a:buFont typeface="Arial" panose="020B0604020202020204" pitchFamily="34" charset="0"/>
+              <a:buNone/>
+              <a:defRPr sz="2000" kern="1200">
+                <a:solidFill>
+                  <a:schemeClr val="tx1"/>
+                </a:solidFill>
+                <a:latin typeface="+mn-lt"/>
+                <a:ea typeface="+mn-ea"/>
+                <a:cs typeface="+mn-cs"/>
+              </a:defRPr>
+            </a:lvl2pPr>
+            <a:lvl3pPr marL="914400" indent="0" algn="ctr" defTabSz="914400" rtl="0" eaLnBrk="1" latinLnBrk="0" hangingPunct="1">
+              <a:lnSpc>
+                <a:spcPct val="90000"/>
+              </a:lnSpc>
+              <a:spcBef>
+                <a:spcPts val="500"/>
+              </a:spcBef>
+              <a:buFont typeface="Arial" panose="020B0604020202020204" pitchFamily="34" charset="0"/>
+              <a:buNone/>
+              <a:defRPr sz="1800" kern="1200">
+                <a:solidFill>
+                  <a:schemeClr val="tx1"/>
+                </a:solidFill>
+                <a:latin typeface="+mn-lt"/>
+                <a:ea typeface="+mn-ea"/>
+                <a:cs typeface="+mn-cs"/>
+              </a:defRPr>
+            </a:lvl3pPr>
+            <a:lvl4pPr marL="1371600" indent="0" algn="ctr" defTabSz="914400" rtl="0" eaLnBrk="1" latinLnBrk="0" hangingPunct="1">
+              <a:lnSpc>
+                <a:spcPct val="90000"/>
+              </a:lnSpc>
+              <a:spcBef>
+                <a:spcPts val="500"/>
+              </a:spcBef>
+              <a:buFont typeface="Arial" panose="020B0604020202020204" pitchFamily="34" charset="0"/>
+              <a:buNone/>
+              <a:defRPr sz="1600" kern="1200">
+                <a:solidFill>
+                  <a:schemeClr val="tx1"/>
+                </a:solidFill>
+                <a:latin typeface="+mn-lt"/>
+                <a:ea typeface="+mn-ea"/>
+                <a:cs typeface="+mn-cs"/>
+              </a:defRPr>
+            </a:lvl4pPr>
+            <a:lvl5pPr marL="1828800" indent="0" algn="ctr" defTabSz="914400" rtl="0" eaLnBrk="1" latinLnBrk="0" hangingPunct="1">
+              <a:lnSpc>
+                <a:spcPct val="90000"/>
+              </a:lnSpc>
+              <a:spcBef>
+                <a:spcPts val="500"/>
+              </a:spcBef>
+              <a:buFont typeface="Arial" panose="020B0604020202020204" pitchFamily="34" charset="0"/>
+              <a:buNone/>
+              <a:defRPr sz="1600" kern="1200">
+                <a:solidFill>
+                  <a:schemeClr val="tx1"/>
+                </a:solidFill>
+                <a:latin typeface="+mn-lt"/>
+                <a:ea typeface="+mn-ea"/>
+                <a:cs typeface="+mn-cs"/>
+              </a:defRPr>
+            </a:lvl5pPr>
+            <a:lvl6pPr marL="2286000" indent="0" algn="ctr" defTabSz="914400" rtl="0" eaLnBrk="1" latinLnBrk="0" hangingPunct="1">
+              <a:lnSpc>
+                <a:spcPct val="90000"/>
+              </a:lnSpc>
+              <a:spcBef>
+                <a:spcPts val="500"/>
+              </a:spcBef>
+              <a:buFont typeface="Arial" panose="020B0604020202020204" pitchFamily="34" charset="0"/>
+              <a:buNone/>
+              <a:defRPr sz="1600" kern="1200">
+                <a:solidFill>
+                  <a:schemeClr val="tx1"/>
+                </a:solidFill>
+                <a:latin typeface="+mn-lt"/>
+                <a:ea typeface="+mn-ea"/>
+                <a:cs typeface="+mn-cs"/>
+              </a:defRPr>
+            </a:lvl6pPr>
+            <a:lvl7pPr marL="2743200" indent="0" algn="ctr" defTabSz="914400" rtl="0" eaLnBrk="1" latinLnBrk="0" hangingPunct="1">
+              <a:lnSpc>
+                <a:spcPct val="90000"/>
+              </a:lnSpc>
+              <a:spcBef>
+                <a:spcPts val="500"/>
+              </a:spcBef>
+              <a:buFont typeface="Arial" panose="020B0604020202020204" pitchFamily="34" charset="0"/>
+              <a:buNone/>
+              <a:defRPr sz="1600" kern="1200">
+                <a:solidFill>
+                  <a:schemeClr val="tx1"/>
+                </a:solidFill>
+                <a:latin typeface="+mn-lt"/>
+                <a:ea typeface="+mn-ea"/>
+                <a:cs typeface="+mn-cs"/>
+              </a:defRPr>
+            </a:lvl7pPr>
+            <a:lvl8pPr marL="3200400" indent="0" algn="ctr" defTabSz="914400" rtl="0" eaLnBrk="1" latinLnBrk="0" hangingPunct="1">
+              <a:lnSpc>
+                <a:spcPct val="90000"/>
+              </a:lnSpc>
+              <a:spcBef>
+                <a:spcPts val="500"/>
+              </a:spcBef>
+              <a:buFont typeface="Arial" panose="020B0604020202020204" pitchFamily="34" charset="0"/>
+              <a:buNone/>
+              <a:defRPr sz="1600" kern="1200">
+                <a:solidFill>
+                  <a:schemeClr val="tx1"/>
+                </a:solidFill>
+                <a:latin typeface="+mn-lt"/>
+                <a:ea typeface="+mn-ea"/>
+                <a:cs typeface="+mn-cs"/>
+              </a:defRPr>
+            </a:lvl8pPr>
+            <a:lvl9pPr marL="3657600" indent="0" algn="ctr" defTabSz="914400" rtl="0" eaLnBrk="1" latinLnBrk="0" hangingPunct="1">
+              <a:lnSpc>
+                <a:spcPct val="90000"/>
+              </a:lnSpc>
+              <a:spcBef>
+                <a:spcPts val="500"/>
+              </a:spcBef>
+              <a:buFont typeface="Arial" panose="020B0604020202020204" pitchFamily="34" charset="0"/>
+              <a:buNone/>
+              <a:defRPr sz="1600" kern="1200">
+                <a:solidFill>
+                  <a:schemeClr val="tx1"/>
+                </a:solidFill>
+                <a:latin typeface="+mn-lt"/>
+                <a:ea typeface="+mn-ea"/>
+                <a:cs typeface="+mn-cs"/>
+              </a:defRPr>
+            </a:lvl9pPr>
+          </a:lstStyle>
+          <a:p>
+            <a:pPr marL="457200" indent="-457200" algn="l">
+              <a:buFontTx/>
+              <a:buChar char="-"/>
+            </a:pPr>
+            <a:r>
+              <a:rPr lang="pt-BR" sz="2800" dirty="0">
+                <a:latin typeface="+mj-lt"/>
+              </a:rPr>
+              <a:t>Inicialmente, foi pensado em criar modelos para auxiliar operações de </a:t>
+            </a:r>
+            <a:r>
+              <a:rPr lang="pt-BR" sz="2800" i="1" dirty="0">
+                <a:latin typeface="+mj-lt"/>
+              </a:rPr>
+              <a:t>Day Trade</a:t>
+            </a:r>
+          </a:p>
+          <a:p>
+            <a:pPr marL="457200" indent="-457200" algn="l">
+              <a:buFontTx/>
+              <a:buChar char="-"/>
+            </a:pPr>
+            <a:r>
+              <a:rPr lang="pt-BR" sz="2800" dirty="0">
+                <a:latin typeface="+mj-lt"/>
+              </a:rPr>
+              <a:t>Ausência de conjunto de dados em Português do Brasil contendo a informação de hora do lançamento da notícia fez com que o foco fosse alterado para </a:t>
+            </a:r>
+            <a:r>
+              <a:rPr lang="pt-BR" sz="2800" i="1" dirty="0">
+                <a:latin typeface="+mj-lt"/>
+              </a:rPr>
+              <a:t>Swing Trade</a:t>
+            </a:r>
+            <a:endParaRPr lang="pt-BR" sz="2800" dirty="0">
+              <a:latin typeface="+mj-lt"/>
+            </a:endParaRPr>
           </a:p>
         </p:txBody>
       </p:sp>
     </p:spTree>
     <p:extLst>
       <p:ext uri="{BB962C8B-B14F-4D97-AF65-F5344CB8AC3E}">
-        <p14:creationId xmlns:p14="http://schemas.microsoft.com/office/powerpoint/2010/main" val="4292916382"/>
+        <p14:creationId xmlns:p14="http://schemas.microsoft.com/office/powerpoint/2010/main" val="3433973887"/>
       </p:ext>
     </p:extLst>
   </p:cSld>
@@ -18938,7 +18787,139 @@
               <a:rPr lang="pt-BR" sz="2000" dirty="0">
                 <a:latin typeface="+mj-lt"/>
               </a:rPr>
-              <a:t>[16] ALY, A., LAKHOTIA, K., ZHAO, S., et al. PYTEXT: A SEAMLESS PATH FROM NLP RESEARCH TO PRODUCTION, dez. 2018.  </a:t>
+              <a:t>[1] LIU, Z., ZHU, H., CHONG, T. Y. </a:t>
+            </a:r>
+            <a:r>
+              <a:rPr lang="pt-BR" sz="2000" dirty="0" err="1">
+                <a:latin typeface="+mj-lt"/>
+              </a:rPr>
+              <a:t>An</a:t>
+            </a:r>
+            <a:r>
+              <a:rPr lang="pt-BR" sz="2000" dirty="0">
+                <a:latin typeface="+mj-lt"/>
+              </a:rPr>
+              <a:t> NLP-PCA </a:t>
+            </a:r>
+            <a:r>
+              <a:rPr lang="pt-BR" sz="2000" dirty="0" err="1">
+                <a:latin typeface="+mj-lt"/>
+              </a:rPr>
+              <a:t>Based</a:t>
+            </a:r>
+            <a:r>
+              <a:rPr lang="pt-BR" sz="2000" dirty="0">
+                <a:latin typeface="+mj-lt"/>
+              </a:rPr>
+              <a:t> Trading </a:t>
+            </a:r>
+            <a:r>
+              <a:rPr lang="pt-BR" sz="2000" dirty="0" err="1">
+                <a:latin typeface="+mj-lt"/>
+              </a:rPr>
+              <a:t>Strategy</a:t>
+            </a:r>
+            <a:r>
+              <a:rPr lang="pt-BR" sz="2000" dirty="0">
+                <a:latin typeface="+mj-lt"/>
+              </a:rPr>
+              <a:t> </a:t>
+            </a:r>
+            <a:r>
+              <a:rPr lang="pt-BR" sz="2000" dirty="0" err="1">
+                <a:latin typeface="+mj-lt"/>
+              </a:rPr>
+              <a:t>On</a:t>
+            </a:r>
+            <a:r>
+              <a:rPr lang="pt-BR" sz="2000" dirty="0">
+                <a:latin typeface="+mj-lt"/>
+              </a:rPr>
+              <a:t> </a:t>
+            </a:r>
+            <a:r>
+              <a:rPr lang="pt-BR" sz="2000" dirty="0" err="1">
+                <a:latin typeface="+mj-lt"/>
+              </a:rPr>
+              <a:t>Chinese</a:t>
+            </a:r>
+            <a:r>
+              <a:rPr lang="pt-BR" sz="2000" dirty="0">
+                <a:latin typeface="+mj-lt"/>
+              </a:rPr>
+              <a:t> Stock Market, </a:t>
+            </a:r>
+            <a:r>
+              <a:rPr lang="pt-BR" sz="2000" dirty="0" err="1">
+                <a:latin typeface="+mj-lt"/>
+              </a:rPr>
+              <a:t>Advances</a:t>
+            </a:r>
+            <a:r>
+              <a:rPr lang="pt-BR" sz="2000" dirty="0">
+                <a:latin typeface="+mj-lt"/>
+              </a:rPr>
+              <a:t> in Social Science </a:t>
+            </a:r>
+            <a:r>
+              <a:rPr lang="pt-BR" sz="2000" dirty="0" err="1">
+                <a:latin typeface="+mj-lt"/>
+              </a:rPr>
+              <a:t>and</a:t>
+            </a:r>
+            <a:r>
+              <a:rPr lang="pt-BR" sz="2000" dirty="0">
+                <a:latin typeface="+mj-lt"/>
+              </a:rPr>
+              <a:t> </a:t>
+            </a:r>
+            <a:r>
+              <a:rPr lang="pt-BR" sz="2000" dirty="0" err="1">
+                <a:latin typeface="+mj-lt"/>
+              </a:rPr>
+              <a:t>Education</a:t>
+            </a:r>
+            <a:r>
+              <a:rPr lang="pt-BR" sz="2000" dirty="0">
+                <a:latin typeface="+mj-lt"/>
+              </a:rPr>
+              <a:t> </a:t>
+            </a:r>
+            <a:r>
+              <a:rPr lang="pt-BR" sz="2000" dirty="0" err="1">
+                <a:latin typeface="+mj-lt"/>
+              </a:rPr>
+              <a:t>and</a:t>
+            </a:r>
+            <a:r>
+              <a:rPr lang="pt-BR" sz="2000" dirty="0">
+                <a:latin typeface="+mj-lt"/>
+              </a:rPr>
+              <a:t> </a:t>
+            </a:r>
+            <a:r>
+              <a:rPr lang="pt-BR" sz="2000" dirty="0" err="1">
+                <a:latin typeface="+mj-lt"/>
+              </a:rPr>
+              <a:t>Humanities</a:t>
+            </a:r>
+            <a:r>
+              <a:rPr lang="pt-BR" sz="2000" dirty="0">
+                <a:latin typeface="+mj-lt"/>
+              </a:rPr>
+              <a:t> </a:t>
+            </a:r>
+            <a:r>
+              <a:rPr lang="pt-BR" sz="2000" dirty="0" err="1">
+                <a:latin typeface="+mj-lt"/>
+              </a:rPr>
+              <a:t>Research</a:t>
+            </a:r>
+            <a:r>
+              <a:rPr lang="pt-BR" sz="2000" dirty="0">
+                <a:latin typeface="+mj-lt"/>
+              </a:rPr>
+              <a:t>, v. 334, n. 2, pp. 8089, jul. 2019.  </a:t>
             </a:r>
           </a:p>
           <a:p>
@@ -18947,7 +18928,91 @@
               <a:rPr lang="pt-BR" sz="2000" dirty="0">
                 <a:latin typeface="+mj-lt"/>
               </a:rPr>
-              <a:t>[17] ALVES, V. A. IDENTIFICAÇÃO DE GÊNERO EM LETRAS MUSICAIS UTILIZANDO REDES PROFUNDAS E PYTEXT, jul. 2019.  </a:t>
+              <a:t>[2] SEDLAK, M. </a:t>
+            </a:r>
+            <a:r>
+              <a:rPr lang="pt-BR" sz="2000" dirty="0" err="1">
+                <a:latin typeface="+mj-lt"/>
+              </a:rPr>
+              <a:t>How</a:t>
+            </a:r>
+            <a:r>
+              <a:rPr lang="pt-BR" sz="2000" dirty="0">
+                <a:latin typeface="+mj-lt"/>
+              </a:rPr>
+              <a:t> Natural </a:t>
+            </a:r>
+            <a:r>
+              <a:rPr lang="pt-BR" sz="2000" dirty="0" err="1">
+                <a:latin typeface="+mj-lt"/>
+              </a:rPr>
+              <a:t>Language</a:t>
+            </a:r>
+            <a:r>
+              <a:rPr lang="pt-BR" sz="2000" dirty="0">
+                <a:latin typeface="+mj-lt"/>
+              </a:rPr>
+              <a:t> </a:t>
+            </a:r>
+            <a:r>
+              <a:rPr lang="pt-BR" sz="2000" dirty="0" err="1">
+                <a:latin typeface="+mj-lt"/>
+              </a:rPr>
+              <a:t>Processing</a:t>
+            </a:r>
+            <a:r>
+              <a:rPr lang="pt-BR" sz="2000" dirty="0">
+                <a:latin typeface="+mj-lt"/>
+              </a:rPr>
+              <a:t> </a:t>
+            </a:r>
+            <a:r>
+              <a:rPr lang="pt-BR" sz="2000" dirty="0" err="1">
+                <a:latin typeface="+mj-lt"/>
+              </a:rPr>
+              <a:t>is</a:t>
+            </a:r>
+            <a:r>
+              <a:rPr lang="pt-BR" sz="2000" dirty="0">
+                <a:latin typeface="+mj-lt"/>
+              </a:rPr>
+              <a:t> </a:t>
+            </a:r>
+            <a:r>
+              <a:rPr lang="pt-BR" sz="2000" dirty="0" err="1">
+                <a:latin typeface="+mj-lt"/>
+              </a:rPr>
+              <a:t>transforming</a:t>
+            </a:r>
+            <a:r>
+              <a:rPr lang="pt-BR" sz="2000" dirty="0">
+                <a:latin typeface="+mj-lt"/>
+              </a:rPr>
+              <a:t> </a:t>
+            </a:r>
+            <a:r>
+              <a:rPr lang="pt-BR" sz="2000" dirty="0" err="1">
+                <a:latin typeface="+mj-lt"/>
+              </a:rPr>
+              <a:t>the</a:t>
+            </a:r>
+            <a:r>
+              <a:rPr lang="pt-BR" sz="2000" dirty="0">
+                <a:latin typeface="+mj-lt"/>
+              </a:rPr>
+              <a:t> financial </a:t>
+            </a:r>
+            <a:r>
+              <a:rPr lang="pt-BR" sz="2000" dirty="0" err="1">
+                <a:latin typeface="+mj-lt"/>
+              </a:rPr>
+              <a:t>industry</a:t>
+            </a:r>
+            <a:r>
+              <a:rPr lang="pt-BR" sz="2000" dirty="0">
+                <a:latin typeface="+mj-lt"/>
+              </a:rPr>
+              <a:t>. https://www.ibm.com/blogs/watson/2016/06/natural- language-processing-transforming-financial-industry-2/, 2016. Acessado em Dezembro/2019.  </a:t>
             </a:r>
           </a:p>
           <a:p>
@@ -18956,19 +19021,79 @@
               <a:rPr lang="pt-BR" sz="2000" dirty="0">
                 <a:latin typeface="+mj-lt"/>
               </a:rPr>
-              <a:t>[18] DO PAVINI, A. Cresce número de pessoas físicas como profissionais na Bolsa. https://exame.abril.com.br/seu-dinheiro/cresce-numero- de-pessoas-</a:t>
+              <a:t>[3] SMITH, D. J. </a:t>
             </a:r>
             <a:r>
               <a:rPr lang="pt-BR" sz="2000" dirty="0" err="1">
                 <a:latin typeface="+mj-lt"/>
               </a:rPr>
-              <a:t>fisicas</a:t>
+              <a:t>Ecient-Market</a:t>
             </a:r>
             <a:r>
               <a:rPr lang="pt-BR" sz="2000" dirty="0">
                 <a:latin typeface="+mj-lt"/>
               </a:rPr>
-              <a:t>-como-profissionais-na-bolsa/, 2019. Aces- sado em Dezembro/2019.  </a:t>
+              <a:t> </a:t>
+            </a:r>
+            <a:r>
+              <a:rPr lang="pt-BR" sz="2000" dirty="0" err="1">
+                <a:latin typeface="+mj-lt"/>
+              </a:rPr>
+              <a:t>Hypothesis</a:t>
+            </a:r>
+            <a:r>
+              <a:rPr lang="pt-BR" sz="2000" dirty="0">
+                <a:latin typeface="+mj-lt"/>
+              </a:rPr>
+              <a:t> (EMH) </a:t>
+            </a:r>
+            <a:r>
+              <a:rPr lang="pt-BR" sz="2000" dirty="0" err="1">
+                <a:latin typeface="+mj-lt"/>
+              </a:rPr>
+              <a:t>and</a:t>
+            </a:r>
+            <a:r>
+              <a:rPr lang="pt-BR" sz="2000" dirty="0">
+                <a:latin typeface="+mj-lt"/>
+              </a:rPr>
+              <a:t> </a:t>
+            </a:r>
+            <a:r>
+              <a:rPr lang="pt-BR" sz="2000" dirty="0" err="1">
+                <a:latin typeface="+mj-lt"/>
+              </a:rPr>
+              <a:t>Random-Walk</a:t>
+            </a:r>
+            <a:r>
+              <a:rPr lang="pt-BR" sz="2000" dirty="0">
+                <a:latin typeface="+mj-lt"/>
+              </a:rPr>
+              <a:t> </a:t>
+            </a:r>
+            <a:r>
+              <a:rPr lang="pt-BR" sz="2000" dirty="0" err="1">
+                <a:latin typeface="+mj-lt"/>
+              </a:rPr>
+              <a:t>Theory</a:t>
+            </a:r>
+            <a:r>
+              <a:rPr lang="pt-BR" sz="2000" dirty="0">
+                <a:latin typeface="+mj-lt"/>
+              </a:rPr>
+              <a:t>. https://stockmarketsupertrader.com/theory/efficient- </a:t>
+            </a:r>
+            <a:r>
+              <a:rPr lang="pt-BR" sz="2000" dirty="0" err="1">
+                <a:latin typeface="+mj-lt"/>
+              </a:rPr>
+              <a:t>market-hypothesis-emh-and-random-walk-theory</a:t>
+            </a:r>
+            <a:r>
+              <a:rPr lang="pt-BR" sz="2000" dirty="0">
+                <a:latin typeface="+mj-lt"/>
+              </a:rPr>
+              <a:t>/, 2018. Acessado em Dezembro/2019.  </a:t>
             </a:r>
           </a:p>
           <a:p>
@@ -18977,25 +19102,46 @@
               <a:rPr lang="pt-BR" sz="2000" dirty="0">
                 <a:latin typeface="+mj-lt"/>
               </a:rPr>
-              <a:t>[19] BACHINSKIY, A. The </a:t>
+              <a:t>[4] VAZ, A. L. Como lidar com dados desbalanceados em problemas de </a:t>
             </a:r>
             <a:r>
               <a:rPr lang="pt-BR" sz="2000" dirty="0" err="1">
                 <a:latin typeface="+mj-lt"/>
               </a:rPr>
-              <a:t>Growing</a:t>
+              <a:t>classifi</a:t>
             </a:r>
             <a:r>
               <a:rPr lang="pt-BR" sz="2000" dirty="0">
                 <a:latin typeface="+mj-lt"/>
               </a:rPr>
+              <a:t>- cação. https://medium.com/data-hackers/como-lidar-com-dados- desbalanceados-em-problemas-de-classifica%C3%A7%C3%A3o- 17c4d4357ef9, 2019. Acessado em Dezembro/2019.  </a:t>
+            </a:r>
+          </a:p>
+          <a:p>
+            <a:pPr algn="l"/>
+            <a:r>
+              <a:rPr lang="pt-BR" sz="2000" dirty="0">
+                <a:latin typeface="+mj-lt"/>
+              </a:rPr>
+              <a:t>[5] OGNJANOVSKI, G. </a:t>
+            </a:r>
+            <a:r>
+              <a:rPr lang="pt-BR" sz="2000" dirty="0" err="1">
+                <a:latin typeface="+mj-lt"/>
+              </a:rPr>
+              <a:t>Everything</a:t>
+            </a:r>
+            <a:r>
+              <a:rPr lang="pt-BR" sz="2000" dirty="0">
+                <a:latin typeface="+mj-lt"/>
+              </a:rPr>
               <a:t> </a:t>
             </a:r>
             <a:r>
               <a:rPr lang="pt-BR" sz="2000" dirty="0" err="1">
                 <a:latin typeface="+mj-lt"/>
               </a:rPr>
-              <a:t>Impact</a:t>
+              <a:t>you</a:t>
             </a:r>
             <a:r>
               <a:rPr lang="pt-BR" sz="2000" dirty="0">
@@ -19007,19 +19153,19 @@
               <a:rPr lang="pt-BR" sz="2000" dirty="0" err="1">
                 <a:latin typeface="+mj-lt"/>
               </a:rPr>
-              <a:t>of</a:t>
+              <a:t>need</a:t>
             </a:r>
             <a:r>
               <a:rPr lang="pt-BR" sz="2000" dirty="0">
                 <a:latin typeface="+mj-lt"/>
               </a:rPr>
-              <a:t> AI in Financial Services: </a:t>
+              <a:t> </a:t>
             </a:r>
             <a:r>
               <a:rPr lang="pt-BR" sz="2000" dirty="0" err="1">
                 <a:latin typeface="+mj-lt"/>
               </a:rPr>
-              <a:t>Six</a:t>
+              <a:t>to</a:t>
             </a:r>
             <a:r>
               <a:rPr lang="pt-BR" sz="2000" dirty="0">
@@ -19031,58 +19177,133 @@
               <a:rPr lang="pt-BR" sz="2000" dirty="0" err="1">
                 <a:latin typeface="+mj-lt"/>
               </a:rPr>
-              <a:t>Examples</a:t>
+              <a:t>know</a:t>
             </a:r>
             <a:r>
               <a:rPr lang="pt-BR" sz="2000" dirty="0">
                 <a:latin typeface="+mj-lt"/>
               </a:rPr>
-              <a:t>. https://towardsdatascience.com/the-growing-impact- of-ai-in-financial-services-six-examples-da386c0301b2, 2019. Acessado em Dezembro/2019.  </a:t>
-            </a:r>
-          </a:p>
-          <a:p>
-            <a:pPr algn="l"/>
+              <a:t> </a:t>
+            </a:r>
+            <a:r>
+              <a:rPr lang="pt-BR" sz="2000" dirty="0" err="1">
+                <a:latin typeface="+mj-lt"/>
+              </a:rPr>
+              <a:t>about</a:t>
+            </a:r>
             <a:r>
               <a:rPr lang="pt-BR" sz="2000" dirty="0">
                 <a:latin typeface="+mj-lt"/>
               </a:rPr>
-              <a:t>[20] CANTO, L. G. Stock Market </a:t>
+              <a:t> Neural Networks </a:t>
             </a:r>
             <a:r>
               <a:rPr lang="pt-BR" sz="2000" dirty="0" err="1">
                 <a:latin typeface="+mj-lt"/>
               </a:rPr>
-              <a:t>Predictor</a:t>
+              <a:t>and</a:t>
             </a:r>
             <a:r>
               <a:rPr lang="pt-BR" sz="2000" dirty="0">
                 <a:latin typeface="+mj-lt"/>
               </a:rPr>
-              <a:t>. https://github.com/lgcanto/ stock-</a:t>
+              <a:t> </a:t>
             </a:r>
             <a:r>
               <a:rPr lang="pt-BR" sz="2000" dirty="0" err="1">
                 <a:latin typeface="+mj-lt"/>
               </a:rPr>
-              <a:t>market</a:t>
+              <a:t>Backpropagation</a:t>
             </a:r>
             <a:r>
               <a:rPr lang="pt-BR" sz="2000" dirty="0">
                 <a:latin typeface="+mj-lt"/>
               </a:rPr>
+              <a:t>  </a:t>
+            </a:r>
+            <a:r>
+              <a:rPr lang="pt-BR" sz="2000" dirty="0" err="1">
+                <a:latin typeface="+mj-lt"/>
+              </a:rPr>
+              <a:t>Machine</a:t>
+            </a:r>
+            <a:r>
+              <a:rPr lang="pt-BR" sz="2000" dirty="0">
+                <a:latin typeface="+mj-lt"/>
+              </a:rPr>
+              <a:t> Learning </a:t>
+            </a:r>
+            <a:r>
+              <a:rPr lang="pt-BR" sz="2000" dirty="0" err="1">
+                <a:latin typeface="+mj-lt"/>
+              </a:rPr>
+              <a:t>Easy</a:t>
+            </a:r>
+            <a:r>
+              <a:rPr lang="pt-BR" sz="2000" dirty="0">
+                <a:latin typeface="+mj-lt"/>
+              </a:rPr>
+              <a:t> </a:t>
+            </a:r>
+            <a:r>
+              <a:rPr lang="pt-BR" sz="2000" dirty="0" err="1">
+                <a:latin typeface="+mj-lt"/>
+              </a:rPr>
+              <a:t>and</a:t>
+            </a:r>
+            <a:r>
+              <a:rPr lang="pt-BR" sz="2000" dirty="0">
+                <a:latin typeface="+mj-lt"/>
+              </a:rPr>
+              <a:t> </a:t>
+            </a:r>
+            <a:r>
+              <a:rPr lang="pt-BR" sz="2000" dirty="0" err="1">
+                <a:latin typeface="+mj-lt"/>
+              </a:rPr>
+              <a:t>Fun</a:t>
+            </a:r>
+            <a:r>
+              <a:rPr lang="pt-BR" sz="2000" dirty="0">
+                <a:latin typeface="+mj-lt"/>
+              </a:rPr>
+              <a:t>. https://towardsdatascience.com/everything-you-need-to-know- </a:t>
+            </a:r>
+            <a:r>
+              <a:rPr lang="pt-BR" sz="2000" dirty="0" err="1">
+                <a:latin typeface="+mj-lt"/>
+              </a:rPr>
+              <a:t>about</a:t>
+            </a:r>
+            <a:r>
+              <a:rPr lang="pt-BR" sz="2000" dirty="0">
+                <a:latin typeface="+mj-lt"/>
+              </a:rPr>
+              <a:t>-neural-networks-</a:t>
+            </a:r>
+            <a:r>
+              <a:rPr lang="pt-BR" sz="2000" dirty="0" err="1">
+                <a:latin typeface="+mj-lt"/>
+              </a:rPr>
+              <a:t>and</a:t>
+            </a:r>
+            <a:r>
+              <a:rPr lang="pt-BR" sz="2000" dirty="0">
+                <a:latin typeface="+mj-lt"/>
+              </a:rPr>
               <a:t>-</a:t>
             </a:r>
             <a:r>
               <a:rPr lang="pt-BR" sz="2000" dirty="0" err="1">
                 <a:latin typeface="+mj-lt"/>
               </a:rPr>
-              <a:t>predictor</a:t>
+              <a:t>backpropagation-machine-learning</a:t>
             </a:r>
             <a:r>
               <a:rPr lang="pt-BR" sz="2000" dirty="0">
                 <a:latin typeface="+mj-lt"/>
               </a:rPr>
-              <a:t>/, 2019. Acessado em Dezembro/2019. </a:t>
+              <a:t>- made-easy-e5285bc2be3a, 2019. Acessado em Dezembro/2019. </a:t>
             </a:r>
           </a:p>
         </p:txBody>
@@ -19090,7 +19311,7 @@
     </p:spTree>
     <p:extLst>
       <p:ext uri="{BB962C8B-B14F-4D97-AF65-F5344CB8AC3E}">
-        <p14:creationId xmlns:p14="http://schemas.microsoft.com/office/powerpoint/2010/main" val="1978531901"/>
+        <p14:creationId xmlns:p14="http://schemas.microsoft.com/office/powerpoint/2010/main" val="1503688431"/>
       </p:ext>
     </p:extLst>
   </p:cSld>
@@ -19266,67 +19487,91 @@
               <a:rPr lang="pt-BR" sz="2000" dirty="0">
                 <a:latin typeface="+mj-lt"/>
               </a:rPr>
-              <a:t>[21] MOREIRA, M. Fusão entre </a:t>
+              <a:t>[6] PRATEEK, N. </a:t>
             </a:r>
             <a:r>
               <a:rPr lang="pt-BR" sz="2000" dirty="0" err="1">
                 <a:latin typeface="+mj-lt"/>
               </a:rPr>
-              <a:t>BM&amp;FBovespa</a:t>
+              <a:t>Statistics</a:t>
             </a:r>
             <a:r>
               <a:rPr lang="pt-BR" sz="2000" dirty="0">
                 <a:latin typeface="+mj-lt"/>
               </a:rPr>
-              <a:t> e </a:t>
+              <a:t> </a:t>
             </a:r>
             <a:r>
               <a:rPr lang="pt-BR" sz="2000" dirty="0" err="1">
                 <a:latin typeface="+mj-lt"/>
               </a:rPr>
-              <a:t>Cetip</a:t>
+              <a:t>is</a:t>
             </a:r>
             <a:r>
               <a:rPr lang="pt-BR" sz="2000" dirty="0">
                 <a:latin typeface="+mj-lt"/>
               </a:rPr>
-              <a:t> cria a B3, 5ª maior bolsa de valores do mundo. http://agenciabrasil.ebc.com.br/ economia/noticia/2017-03/</a:t>
+              <a:t> </a:t>
             </a:r>
             <a:r>
               <a:rPr lang="pt-BR" sz="2000" dirty="0" err="1">
                 <a:latin typeface="+mj-lt"/>
               </a:rPr>
-              <a:t>fusao</a:t>
+              <a:t>Freaking</a:t>
             </a:r>
             <a:r>
               <a:rPr lang="pt-BR" sz="2000" dirty="0">
                 <a:latin typeface="+mj-lt"/>
               </a:rPr>
-              <a:t>-entre-</a:t>
+              <a:t> Hard: WTF </a:t>
             </a:r>
             <a:r>
               <a:rPr lang="pt-BR" sz="2000" dirty="0" err="1">
                 <a:latin typeface="+mj-lt"/>
               </a:rPr>
-              <a:t>bmfbovespa</a:t>
+              <a:t>is</a:t>
             </a:r>
             <a:r>
               <a:rPr lang="pt-BR" sz="2000" dirty="0">
                 <a:latin typeface="+mj-lt"/>
               </a:rPr>
-              <a:t>-e-</a:t>
+              <a:t> </a:t>
             </a:r>
             <a:r>
               <a:rPr lang="pt-BR" sz="2000" dirty="0" err="1">
                 <a:latin typeface="+mj-lt"/>
               </a:rPr>
-              <a:t>cetip</a:t>
+              <a:t>Activation</a:t>
             </a:r>
             <a:r>
               <a:rPr lang="pt-BR" sz="2000" dirty="0">
                 <a:latin typeface="+mj-lt"/>
               </a:rPr>
-              <a:t>- cria-b3-5a-maior-bolsa-de-valores-do-mundo, 2017. Acessado em Dezembro/2019.  </a:t>
+              <a:t> </a:t>
+            </a:r>
+            <a:r>
+              <a:rPr lang="pt-BR" sz="2000" dirty="0" err="1">
+                <a:latin typeface="+mj-lt"/>
+              </a:rPr>
+              <a:t>func</a:t>
+            </a:r>
+            <a:r>
+              <a:rPr lang="pt-BR" sz="2000" dirty="0">
+                <a:latin typeface="+mj-lt"/>
+              </a:rPr>
+              <a:t>- </a:t>
+            </a:r>
+            <a:r>
+              <a:rPr lang="pt-BR" sz="2000" dirty="0" err="1">
+                <a:latin typeface="+mj-lt"/>
+              </a:rPr>
+              <a:t>tion</a:t>
+            </a:r>
+            <a:r>
+              <a:rPr lang="pt-BR" sz="2000" dirty="0">
+                <a:latin typeface="+mj-lt"/>
+              </a:rPr>
+              <a:t>. https://towardsdatascience.com/statistics-is-freaking- hard-wtf-is-activation-function-df8342cdf292, 2017. Acessado em Dezembro/2019.  </a:t>
             </a:r>
           </a:p>
           <a:p>
@@ -19335,19 +19580,55 @@
               <a:rPr lang="pt-BR" sz="2000" dirty="0">
                 <a:latin typeface="+mj-lt"/>
               </a:rPr>
-              <a:t>[22] WAWRZENIAK, D. O Que É Análise Técnica? https://www. bussoladoinvestidor.com.br/o-que-e-analise-</a:t>
+              <a:t>[7] DERTAT, A. </a:t>
             </a:r>
             <a:r>
               <a:rPr lang="pt-BR" sz="2000" dirty="0" err="1">
                 <a:latin typeface="+mj-lt"/>
               </a:rPr>
-              <a:t>tecnica</a:t>
+              <a:t>Applied</a:t>
             </a:r>
             <a:r>
               <a:rPr lang="pt-BR" sz="2000" dirty="0">
                 <a:latin typeface="+mj-lt"/>
               </a:rPr>
-              <a:t>/, 2018. Acessado em Dezembro/2019.  </a:t>
+              <a:t> </a:t>
+            </a:r>
+            <a:r>
+              <a:rPr lang="pt-BR" sz="2000" dirty="0" err="1">
+                <a:latin typeface="+mj-lt"/>
+              </a:rPr>
+              <a:t>Deep</a:t>
+            </a:r>
+            <a:r>
+              <a:rPr lang="pt-BR" sz="2000" dirty="0">
+                <a:latin typeface="+mj-lt"/>
+              </a:rPr>
+              <a:t> Learning - </a:t>
+            </a:r>
+            <a:r>
+              <a:rPr lang="pt-BR" sz="2000" dirty="0" err="1">
+                <a:latin typeface="+mj-lt"/>
+              </a:rPr>
+              <a:t>Part</a:t>
+            </a:r>
+            <a:r>
+              <a:rPr lang="pt-BR" sz="2000" dirty="0">
+                <a:latin typeface="+mj-lt"/>
+              </a:rPr>
+              <a:t> 4: </a:t>
+            </a:r>
+            <a:r>
+              <a:rPr lang="pt-BR" sz="2000" dirty="0" err="1">
+                <a:latin typeface="+mj-lt"/>
+              </a:rPr>
+              <a:t>Convolutional</a:t>
+            </a:r>
+            <a:r>
+              <a:rPr lang="pt-BR" sz="2000" dirty="0">
+                <a:latin typeface="+mj-lt"/>
+              </a:rPr>
+              <a:t> Neural Networks. https://towardsdatascience.com/applied-deep-learning-part-4- convolutional-neural-networks-584bc134c1e2, 2017. Acessado em Dezembro/2019.  </a:t>
             </a:r>
           </a:p>
           <a:p>
@@ -19356,7 +19637,43 @@
               <a:rPr lang="pt-BR" sz="2000" dirty="0">
                 <a:latin typeface="+mj-lt"/>
               </a:rPr>
-              <a:t>[23] WAWRZENIAK, D. O Que É Análise Fundamentalista? https://www. bussoladoinvestidor.com.br/o-que-e-analise-fundamentalista/, 2018. Acessado em Dezembro/2019.  </a:t>
+              <a:t>[8] OLAH, C. </a:t>
+            </a:r>
+            <a:r>
+              <a:rPr lang="pt-BR" sz="2000" dirty="0" err="1">
+                <a:latin typeface="+mj-lt"/>
+              </a:rPr>
+              <a:t>Understanding</a:t>
+            </a:r>
+            <a:r>
+              <a:rPr lang="pt-BR" sz="2000" dirty="0">
+                <a:latin typeface="+mj-lt"/>
+              </a:rPr>
+              <a:t> LSTM Networks. http://colah.github.io/ posts/2015-08-Understanding-LSTMs/, 2017. Acessado em </a:t>
+            </a:r>
+            <a:r>
+              <a:rPr lang="pt-BR" sz="2000" dirty="0" err="1">
+                <a:latin typeface="+mj-lt"/>
+              </a:rPr>
+              <a:t>Ja</a:t>
+            </a:r>
+            <a:r>
+              <a:rPr lang="pt-BR" sz="2000" dirty="0">
+                <a:latin typeface="+mj-lt"/>
+              </a:rPr>
+              <a:t>- </a:t>
+            </a:r>
+            <a:r>
+              <a:rPr lang="pt-BR" sz="2000" dirty="0" err="1">
+                <a:latin typeface="+mj-lt"/>
+              </a:rPr>
+              <a:t>neiro</a:t>
+            </a:r>
+            <a:r>
+              <a:rPr lang="pt-BR" sz="2000" dirty="0">
+                <a:latin typeface="+mj-lt"/>
+              </a:rPr>
+              <a:t>/2020.  </a:t>
             </a:r>
           </a:p>
           <a:p>
@@ -19365,43 +19682,79 @@
               <a:rPr lang="pt-BR" sz="2000" dirty="0">
                 <a:latin typeface="+mj-lt"/>
               </a:rPr>
-              <a:t>[24] MALKIEL, B. G. </a:t>
+              <a:t>[9] DONAHUE, J., HENDRICKS, L. A., ROHRBACH, M., et al. </a:t>
             </a:r>
             <a:r>
               <a:rPr lang="pt-BR" sz="2000" dirty="0" err="1">
                 <a:latin typeface="+mj-lt"/>
               </a:rPr>
-              <a:t>Ecient</a:t>
+              <a:t>Long-term</a:t>
             </a:r>
             <a:r>
               <a:rPr lang="pt-BR" sz="2000" dirty="0">
                 <a:latin typeface="+mj-lt"/>
               </a:rPr>
-              <a:t> Market </a:t>
+              <a:t> Re- </a:t>
             </a:r>
             <a:r>
               <a:rPr lang="pt-BR" sz="2000" dirty="0" err="1">
                 <a:latin typeface="+mj-lt"/>
               </a:rPr>
-              <a:t>Hypothesis</a:t>
+              <a:t>current</a:t>
             </a:r>
             <a:r>
               <a:rPr lang="pt-BR" sz="2000" dirty="0">
                 <a:latin typeface="+mj-lt"/>
               </a:rPr>
-              <a:t>, </a:t>
+              <a:t> </a:t>
             </a:r>
             <a:r>
               <a:rPr lang="pt-BR" sz="2000" dirty="0" err="1">
                 <a:latin typeface="+mj-lt"/>
               </a:rPr>
-              <a:t>Finance</a:t>
+              <a:t>Convolutional</a:t>
             </a:r>
             <a:r>
               <a:rPr lang="pt-BR" sz="2000" dirty="0">
                 <a:latin typeface="+mj-lt"/>
               </a:rPr>
-              <a:t>, pp. 127134, 1989.  </a:t>
+              <a:t> Networks for Visual </a:t>
+            </a:r>
+            <a:r>
+              <a:rPr lang="pt-BR" sz="2000" dirty="0" err="1">
+                <a:latin typeface="+mj-lt"/>
+              </a:rPr>
+              <a:t>Recognition</a:t>
+            </a:r>
+            <a:r>
+              <a:rPr lang="pt-BR" sz="2000" dirty="0">
+                <a:latin typeface="+mj-lt"/>
+              </a:rPr>
+              <a:t> </a:t>
+            </a:r>
+            <a:r>
+              <a:rPr lang="pt-BR" sz="2000" dirty="0" err="1">
+                <a:latin typeface="+mj-lt"/>
+              </a:rPr>
+              <a:t>and</a:t>
+            </a:r>
+            <a:r>
+              <a:rPr lang="pt-BR" sz="2000" dirty="0">
+                <a:latin typeface="+mj-lt"/>
+              </a:rPr>
+              <a:t> </a:t>
+            </a:r>
+            <a:r>
+              <a:rPr lang="pt-BR" sz="2000" dirty="0" err="1">
+                <a:latin typeface="+mj-lt"/>
+              </a:rPr>
+              <a:t>Description</a:t>
+            </a:r>
+            <a:r>
+              <a:rPr lang="pt-BR" sz="2000" dirty="0">
+                <a:latin typeface="+mj-lt"/>
+              </a:rPr>
+              <a:t>, jun. 2015.  </a:t>
             </a:r>
           </a:p>
           <a:p>
@@ -19410,31 +19763,115 @@
               <a:rPr lang="pt-BR" sz="2000" dirty="0">
                 <a:latin typeface="+mj-lt"/>
               </a:rPr>
-              <a:t>[25] Análise Técnica x Análise Fundamentalista. https://www.tororadar. com.br/investimento/analise-</a:t>
+              <a:t>[10] CUI, Z., KE, R., PU, Z., et al. </a:t>
             </a:r>
             <a:r>
               <a:rPr lang="pt-BR" sz="2000" dirty="0" err="1">
                 <a:latin typeface="+mj-lt"/>
               </a:rPr>
-              <a:t>tecnica</a:t>
+              <a:t>Stacked</a:t>
             </a:r>
             <a:r>
               <a:rPr lang="pt-BR" sz="2000" dirty="0">
                 <a:latin typeface="+mj-lt"/>
               </a:rPr>
-              <a:t>/analise-</a:t>
+              <a:t> </a:t>
             </a:r>
             <a:r>
               <a:rPr lang="pt-BR" sz="2000" dirty="0" err="1">
                 <a:latin typeface="+mj-lt"/>
               </a:rPr>
-              <a:t>tecnica</a:t>
+              <a:t>Bidirectional</a:t>
             </a:r>
             <a:r>
               <a:rPr lang="pt-BR" sz="2000" dirty="0">
                 <a:latin typeface="+mj-lt"/>
               </a:rPr>
-              <a:t>-x- fundamentalista. Acessado em Dezembro/2019. </a:t>
+              <a:t> </a:t>
+            </a:r>
+            <a:r>
+              <a:rPr lang="pt-BR" sz="2000" dirty="0" err="1">
+                <a:latin typeface="+mj-lt"/>
+              </a:rPr>
+              <a:t>and</a:t>
+            </a:r>
+            <a:r>
+              <a:rPr lang="pt-BR" sz="2000" dirty="0">
+                <a:latin typeface="+mj-lt"/>
+              </a:rPr>
+              <a:t> </a:t>
+            </a:r>
+            <a:r>
+              <a:rPr lang="pt-BR" sz="2000" dirty="0" err="1">
+                <a:latin typeface="+mj-lt"/>
+              </a:rPr>
+              <a:t>Unidirectional</a:t>
+            </a:r>
+            <a:r>
+              <a:rPr lang="pt-BR" sz="2000" dirty="0">
+                <a:latin typeface="+mj-lt"/>
+              </a:rPr>
+              <a:t> LSTM </a:t>
+            </a:r>
+            <a:r>
+              <a:rPr lang="pt-BR" sz="2000" dirty="0" err="1">
+                <a:latin typeface="+mj-lt"/>
+              </a:rPr>
+              <a:t>Recurrent</a:t>
+            </a:r>
+            <a:r>
+              <a:rPr lang="pt-BR" sz="2000" dirty="0">
+                <a:latin typeface="+mj-lt"/>
+              </a:rPr>
+              <a:t> Neural Network for Network-</a:t>
+            </a:r>
+            <a:r>
+              <a:rPr lang="pt-BR" sz="2000" dirty="0" err="1">
+                <a:latin typeface="+mj-lt"/>
+              </a:rPr>
+              <a:t>wide</a:t>
+            </a:r>
+            <a:r>
+              <a:rPr lang="pt-BR" sz="2000" dirty="0">
+                <a:latin typeface="+mj-lt"/>
+              </a:rPr>
+              <a:t> </a:t>
+            </a:r>
+            <a:r>
+              <a:rPr lang="pt-BR" sz="2000" dirty="0" err="1">
+                <a:latin typeface="+mj-lt"/>
+              </a:rPr>
+              <a:t>Trac</a:t>
+            </a:r>
+            <a:r>
+              <a:rPr lang="pt-BR" sz="2000" dirty="0">
+                <a:latin typeface="+mj-lt"/>
+              </a:rPr>
+              <a:t> </a:t>
+            </a:r>
+            <a:r>
+              <a:rPr lang="pt-BR" sz="2000" dirty="0" err="1">
+                <a:latin typeface="+mj-lt"/>
+              </a:rPr>
+              <a:t>Speed</a:t>
+            </a:r>
+            <a:r>
+              <a:rPr lang="pt-BR" sz="2000" dirty="0">
+                <a:latin typeface="+mj-lt"/>
+              </a:rPr>
+              <a:t> </a:t>
+            </a:r>
+            <a:r>
+              <a:rPr lang="pt-BR" sz="2000" dirty="0" err="1">
+                <a:latin typeface="+mj-lt"/>
+              </a:rPr>
+              <a:t>Prediction</a:t>
+            </a:r>
+            <a:r>
+              <a:rPr lang="pt-BR" sz="2000" dirty="0">
+                <a:latin typeface="+mj-lt"/>
+              </a:rPr>
+              <a:t>, . </a:t>
             </a:r>
           </a:p>
         </p:txBody>
@@ -19442,7 +19879,7 @@
     </p:spTree>
     <p:extLst>
       <p:ext uri="{BB962C8B-B14F-4D97-AF65-F5344CB8AC3E}">
-        <p14:creationId xmlns:p14="http://schemas.microsoft.com/office/powerpoint/2010/main" val="2098085901"/>
+        <p14:creationId xmlns:p14="http://schemas.microsoft.com/office/powerpoint/2010/main" val="2378476834"/>
       </p:ext>
     </p:extLst>
   </p:cSld>
@@ -19907,55 +20344,79 @@
               <a:rPr lang="pt-BR" sz="2000" dirty="0">
                 <a:latin typeface="+mj-lt"/>
               </a:rPr>
-              <a:t>[26] JORDAN, M. I., MITCHELL, T. M. </a:t>
+              <a:t>[11] SRIVASTAVA, N., HINTON, G., KRIZHEVSKY, A., et al. </a:t>
             </a:r>
             <a:r>
               <a:rPr lang="pt-BR" sz="2000" dirty="0" err="1">
                 <a:latin typeface="+mj-lt"/>
               </a:rPr>
-              <a:t>Machine</a:t>
+              <a:t>Dropout</a:t>
             </a:r>
             <a:r>
               <a:rPr lang="pt-BR" sz="2000" dirty="0">
                 <a:latin typeface="+mj-lt"/>
               </a:rPr>
+              <a:t>: A </a:t>
+            </a:r>
+            <a:r>
+              <a:rPr lang="pt-BR" sz="2000" dirty="0" err="1">
+                <a:latin typeface="+mj-lt"/>
+              </a:rPr>
+              <a:t>Simple</a:t>
+            </a:r>
+            <a:r>
+              <a:rPr lang="pt-BR" sz="2000" dirty="0">
+                <a:latin typeface="+mj-lt"/>
+              </a:rPr>
+              <a:t> Way </a:t>
+            </a:r>
+            <a:r>
+              <a:rPr lang="pt-BR" sz="2000" dirty="0" err="1">
+                <a:latin typeface="+mj-lt"/>
+              </a:rPr>
+              <a:t>to</a:t>
+            </a:r>
+            <a:r>
+              <a:rPr lang="pt-BR" sz="2000" dirty="0">
+                <a:latin typeface="+mj-lt"/>
+              </a:rPr>
               <a:t> </a:t>
             </a:r>
             <a:r>
               <a:rPr lang="pt-BR" sz="2000" dirty="0" err="1">
                 <a:latin typeface="+mj-lt"/>
               </a:rPr>
-              <a:t>learning</a:t>
+              <a:t>Prevent</a:t>
             </a:r>
             <a:r>
               <a:rPr lang="pt-BR" sz="2000" dirty="0">
                 <a:latin typeface="+mj-lt"/>
               </a:rPr>
-              <a:t>: </a:t>
+              <a:t> Neural Networks </a:t>
             </a:r>
             <a:r>
               <a:rPr lang="pt-BR" sz="2000" dirty="0" err="1">
                 <a:latin typeface="+mj-lt"/>
               </a:rPr>
-              <a:t>Trends</a:t>
+              <a:t>from</a:t>
             </a:r>
             <a:r>
               <a:rPr lang="pt-BR" sz="2000" dirty="0">
                 <a:latin typeface="+mj-lt"/>
               </a:rPr>
-              <a:t>, perspectives, </a:t>
+              <a:t> </a:t>
             </a:r>
             <a:r>
               <a:rPr lang="pt-BR" sz="2000" dirty="0" err="1">
                 <a:latin typeface="+mj-lt"/>
               </a:rPr>
-              <a:t>and</a:t>
+              <a:t>Overfitting</a:t>
             </a:r>
             <a:r>
               <a:rPr lang="pt-BR" sz="2000" dirty="0">
                 <a:latin typeface="+mj-lt"/>
               </a:rPr>
-              <a:t> prospects, Science, v. 349, pp. 8089, jul. 2015.  </a:t>
+              <a:t>, 2014.  </a:t>
             </a:r>
           </a:p>
           <a:p>
@@ -19964,19 +20425,79 @@
               <a:rPr lang="pt-BR" sz="2000" dirty="0">
                 <a:latin typeface="+mj-lt"/>
               </a:rPr>
-              <a:t>[27] MITCHELL, T. M. </a:t>
+              <a:t>[12] AMEISEN, E. </a:t>
             </a:r>
             <a:r>
               <a:rPr lang="pt-BR" sz="2000" dirty="0" err="1">
                 <a:latin typeface="+mj-lt"/>
               </a:rPr>
-              <a:t>Machine</a:t>
+              <a:t>How</a:t>
             </a:r>
             <a:r>
               <a:rPr lang="pt-BR" sz="2000" dirty="0">
                 <a:latin typeface="+mj-lt"/>
               </a:rPr>
-              <a:t> Learning. McGraw Hill, 1997.  </a:t>
+              <a:t> </a:t>
+            </a:r>
+            <a:r>
+              <a:rPr lang="pt-BR" sz="2000" dirty="0" err="1">
+                <a:latin typeface="+mj-lt"/>
+              </a:rPr>
+              <a:t>to</a:t>
+            </a:r>
+            <a:r>
+              <a:rPr lang="pt-BR" sz="2000" dirty="0">
+                <a:latin typeface="+mj-lt"/>
+              </a:rPr>
+              <a:t> solve 90 </a:t>
+            </a:r>
+            <a:r>
+              <a:rPr lang="pt-BR" sz="2000" dirty="0" err="1">
+                <a:latin typeface="+mj-lt"/>
+              </a:rPr>
+              <a:t>of</a:t>
+            </a:r>
+            <a:r>
+              <a:rPr lang="pt-BR" sz="2000" dirty="0">
+                <a:latin typeface="+mj-lt"/>
+              </a:rPr>
+              <a:t> NLP </a:t>
+            </a:r>
+            <a:r>
+              <a:rPr lang="pt-BR" sz="2000" dirty="0" err="1">
+                <a:latin typeface="+mj-lt"/>
+              </a:rPr>
+              <a:t>problems</a:t>
+            </a:r>
+            <a:r>
+              <a:rPr lang="pt-BR" sz="2000" dirty="0">
+                <a:latin typeface="+mj-lt"/>
+              </a:rPr>
+              <a:t>: a </a:t>
+            </a:r>
+            <a:r>
+              <a:rPr lang="pt-BR" sz="2000" dirty="0" err="1">
+                <a:latin typeface="+mj-lt"/>
+              </a:rPr>
+              <a:t>step-by-step</a:t>
+            </a:r>
+            <a:r>
+              <a:rPr lang="pt-BR" sz="2000" dirty="0">
+                <a:latin typeface="+mj-lt"/>
+              </a:rPr>
+              <a:t> </a:t>
+            </a:r>
+            <a:r>
+              <a:rPr lang="pt-BR" sz="2000" dirty="0" err="1">
+                <a:latin typeface="+mj-lt"/>
+              </a:rPr>
+              <a:t>guide</a:t>
+            </a:r>
+            <a:r>
+              <a:rPr lang="pt-BR" sz="2000" dirty="0">
+                <a:latin typeface="+mj-lt"/>
+              </a:rPr>
+              <a:t>. https://blog.insightdatascience.com/how-to-solve-90-of-nlp- problems-a-step-by-step-guide-fda605278e4e, 2018. Acessado em Dezembro/2019.  </a:t>
             </a:r>
           </a:p>
           <a:p>
@@ -19985,31 +20506,55 @@
               <a:rPr lang="pt-BR" sz="2000" dirty="0">
                 <a:latin typeface="+mj-lt"/>
               </a:rPr>
-              <a:t>[28] GULIPALLI, P. The Pareto </a:t>
+              <a:t>[13] MIKOLOV, T., CHEN, K., CORRADO, G., et al. </a:t>
             </a:r>
             <a:r>
               <a:rPr lang="pt-BR" sz="2000" dirty="0" err="1">
                 <a:latin typeface="+mj-lt"/>
               </a:rPr>
-              <a:t>Principle</a:t>
+              <a:t>Ecient</a:t>
             </a:r>
             <a:r>
               <a:rPr lang="pt-BR" sz="2000" dirty="0">
                 <a:latin typeface="+mj-lt"/>
               </a:rPr>
-              <a:t> for Data </a:t>
+              <a:t> </a:t>
             </a:r>
             <a:r>
               <a:rPr lang="pt-BR" sz="2000" dirty="0" err="1">
                 <a:latin typeface="+mj-lt"/>
               </a:rPr>
-              <a:t>Scientists</a:t>
+              <a:t>Estimation</a:t>
             </a:r>
             <a:r>
               <a:rPr lang="pt-BR" sz="2000" dirty="0">
                 <a:latin typeface="+mj-lt"/>
               </a:rPr>
-              <a:t>. https://www. kdnuggets.com/2019/03/pareto-principle-data-scientists.html, 2019. Acessado em Dezembro/2019.  </a:t>
+              <a:t> </a:t>
+            </a:r>
+            <a:r>
+              <a:rPr lang="pt-BR" sz="2000" dirty="0" err="1">
+                <a:latin typeface="+mj-lt"/>
+              </a:rPr>
+              <a:t>of</a:t>
+            </a:r>
+            <a:r>
+              <a:rPr lang="pt-BR" sz="2000" dirty="0">
+                <a:latin typeface="+mj-lt"/>
+              </a:rPr>
+              <a:t> Word </a:t>
+            </a:r>
+            <a:r>
+              <a:rPr lang="pt-BR" sz="2000" dirty="0" err="1">
+                <a:latin typeface="+mj-lt"/>
+              </a:rPr>
+              <a:t>Representations</a:t>
+            </a:r>
+            <a:r>
+              <a:rPr lang="pt-BR" sz="2000" dirty="0">
+                <a:latin typeface="+mj-lt"/>
+              </a:rPr>
+              <a:t> in Vector Space, 2013.  </a:t>
             </a:r>
           </a:p>
           <a:p>
@@ -20018,280 +20563,100 @@
               <a:rPr lang="pt-BR" sz="2000" dirty="0">
                 <a:latin typeface="+mj-lt"/>
               </a:rPr>
-              <a:t>[29] KOHAVI, R. A </a:t>
+              <a:t>[14] GitHub: </a:t>
             </a:r>
             <a:r>
               <a:rPr lang="pt-BR" sz="2000" dirty="0" err="1">
                 <a:latin typeface="+mj-lt"/>
               </a:rPr>
-              <a:t>Study</a:t>
+              <a:t>facebookresearch</a:t>
             </a:r>
             <a:r>
               <a:rPr lang="pt-BR" sz="2000" dirty="0">
                 <a:latin typeface="+mj-lt"/>
               </a:rPr>
-              <a:t> </a:t>
+              <a:t> / </a:t>
             </a:r>
             <a:r>
               <a:rPr lang="pt-BR" sz="2000" dirty="0" err="1">
                 <a:latin typeface="+mj-lt"/>
               </a:rPr>
-              <a:t>of</a:t>
+              <a:t>pytext</a:t>
             </a:r>
             <a:r>
               <a:rPr lang="pt-BR" sz="2000" dirty="0">
                 <a:latin typeface="+mj-lt"/>
               </a:rPr>
-              <a:t> </a:t>
+              <a:t>. https://github.com/ </a:t>
             </a:r>
             <a:r>
               <a:rPr lang="pt-BR" sz="2000" dirty="0" err="1">
                 <a:latin typeface="+mj-lt"/>
               </a:rPr>
-              <a:t>CrossValidation</a:t>
+              <a:t>facebookresearch</a:t>
             </a:r>
             <a:r>
               <a:rPr lang="pt-BR" sz="2000" dirty="0">
                 <a:latin typeface="+mj-lt"/>
               </a:rPr>
-              <a:t> </a:t>
+              <a:t>/</a:t>
             </a:r>
             <a:r>
               <a:rPr lang="pt-BR" sz="2000" dirty="0" err="1">
                 <a:latin typeface="+mj-lt"/>
               </a:rPr>
-              <a:t>and</a:t>
+              <a:t>pytext</a:t>
             </a:r>
             <a:r>
               <a:rPr lang="pt-BR" sz="2000" dirty="0">
                 <a:latin typeface="+mj-lt"/>
               </a:rPr>
-              <a:t> </a:t>
+              <a:t>, . Acessado em Janeiro/2020.  </a:t>
+            </a:r>
+          </a:p>
+          <a:p>
+            <a:pPr algn="l"/>
+            <a:r>
+              <a:rPr lang="pt-BR" sz="2000" dirty="0">
+                <a:latin typeface="+mj-lt"/>
+              </a:rPr>
+              <a:t>[15] Índice Bovespa (Ibovespa). http://www.bmfbovespa.com.br/pt_br/ produtos/</a:t>
             </a:r>
             <a:r>
               <a:rPr lang="pt-BR" sz="2000" dirty="0" err="1">
                 <a:latin typeface="+mj-lt"/>
               </a:rPr>
-              <a:t>Bootstrap</a:t>
+              <a:t>indices</a:t>
             </a:r>
             <a:r>
               <a:rPr lang="pt-BR" sz="2000" dirty="0">
                 <a:latin typeface="+mj-lt"/>
               </a:rPr>
-              <a:t> for </a:t>
+              <a:t>/</a:t>
             </a:r>
             <a:r>
               <a:rPr lang="pt-BR" sz="2000" dirty="0" err="1">
                 <a:latin typeface="+mj-lt"/>
               </a:rPr>
-              <a:t>Accuracy</a:t>
+              <a:t>indices</a:t>
             </a:r>
             <a:r>
               <a:rPr lang="pt-BR" sz="2000" dirty="0">
                 <a:latin typeface="+mj-lt"/>
               </a:rPr>
-              <a:t> Estima- </a:t>
+              <a:t>-amplos/</a:t>
             </a:r>
             <a:r>
               <a:rPr lang="pt-BR" sz="2000" dirty="0" err="1">
                 <a:latin typeface="+mj-lt"/>
               </a:rPr>
-              <a:t>tion</a:t>
+              <a:t>indice-ibovespa-ibovespa</a:t>
             </a:r>
             <a:r>
               <a:rPr lang="pt-BR" sz="2000" dirty="0">
                 <a:latin typeface="+mj-lt"/>
               </a:rPr>
-              <a:t> </a:t>
-            </a:r>
-            <a:r>
-              <a:rPr lang="pt-BR" sz="2000" dirty="0" err="1">
-                <a:latin typeface="+mj-lt"/>
-              </a:rPr>
-              <a:t>and</a:t>
-            </a:r>
-            <a:r>
-              <a:rPr lang="pt-BR" sz="2000" dirty="0">
-                <a:latin typeface="+mj-lt"/>
-              </a:rPr>
-              <a:t> </a:t>
-            </a:r>
-            <a:r>
-              <a:rPr lang="pt-BR" sz="2000" dirty="0" err="1">
-                <a:latin typeface="+mj-lt"/>
-              </a:rPr>
-              <a:t>Model</a:t>
-            </a:r>
-            <a:r>
-              <a:rPr lang="pt-BR" sz="2000" dirty="0">
-                <a:latin typeface="+mj-lt"/>
-              </a:rPr>
-              <a:t> </a:t>
-            </a:r>
-            <a:r>
-              <a:rPr lang="pt-BR" sz="2000" dirty="0" err="1">
-                <a:latin typeface="+mj-lt"/>
-              </a:rPr>
-              <a:t>Selection</a:t>
-            </a:r>
-            <a:r>
-              <a:rPr lang="pt-BR" sz="2000" dirty="0">
-                <a:latin typeface="+mj-lt"/>
-              </a:rPr>
-              <a:t>, </a:t>
-            </a:r>
-            <a:r>
-              <a:rPr lang="pt-BR" sz="2000" dirty="0" err="1">
-                <a:latin typeface="+mj-lt"/>
-              </a:rPr>
-              <a:t>AInternational</a:t>
-            </a:r>
-            <a:r>
-              <a:rPr lang="pt-BR" sz="2000" dirty="0">
-                <a:latin typeface="+mj-lt"/>
-              </a:rPr>
-              <a:t> joint </a:t>
-            </a:r>
-            <a:r>
-              <a:rPr lang="pt-BR" sz="2000" dirty="0" err="1">
-                <a:latin typeface="+mj-lt"/>
-              </a:rPr>
-              <a:t>Conference</a:t>
-            </a:r>
-            <a:r>
-              <a:rPr lang="pt-BR" sz="2000" dirty="0">
-                <a:latin typeface="+mj-lt"/>
-              </a:rPr>
-              <a:t> </a:t>
-            </a:r>
-            <a:r>
-              <a:rPr lang="pt-BR" sz="2000" dirty="0" err="1">
-                <a:latin typeface="+mj-lt"/>
-              </a:rPr>
-              <a:t>on</a:t>
-            </a:r>
-            <a:r>
-              <a:rPr lang="pt-BR" sz="2000" dirty="0">
-                <a:latin typeface="+mj-lt"/>
-              </a:rPr>
-              <a:t> artificial </a:t>
-            </a:r>
-            <a:r>
-              <a:rPr lang="pt-BR" sz="2000" dirty="0" err="1">
-                <a:latin typeface="+mj-lt"/>
-              </a:rPr>
-              <a:t>intelligence</a:t>
-            </a:r>
-            <a:r>
-              <a:rPr lang="pt-BR" sz="2000" dirty="0">
-                <a:latin typeface="+mj-lt"/>
-              </a:rPr>
-              <a:t>, v. 14, pp. 11371145, 1995.  </a:t>
-            </a:r>
-          </a:p>
-          <a:p>
-            <a:pPr algn="l"/>
-            <a:r>
-              <a:rPr lang="pt-BR" sz="2000" dirty="0">
-                <a:latin typeface="+mj-lt"/>
-              </a:rPr>
-              <a:t>[30] GROVER, P. 5 </a:t>
-            </a:r>
-            <a:r>
-              <a:rPr lang="pt-BR" sz="2000" dirty="0" err="1">
-                <a:latin typeface="+mj-lt"/>
-              </a:rPr>
-              <a:t>Regression</a:t>
-            </a:r>
-            <a:r>
-              <a:rPr lang="pt-BR" sz="2000" dirty="0">
-                <a:latin typeface="+mj-lt"/>
-              </a:rPr>
-              <a:t> </a:t>
-            </a:r>
-            <a:r>
-              <a:rPr lang="pt-BR" sz="2000" dirty="0" err="1">
-                <a:latin typeface="+mj-lt"/>
-              </a:rPr>
-              <a:t>Loss</a:t>
-            </a:r>
-            <a:r>
-              <a:rPr lang="pt-BR" sz="2000" dirty="0">
-                <a:latin typeface="+mj-lt"/>
-              </a:rPr>
-              <a:t> </a:t>
-            </a:r>
-            <a:r>
-              <a:rPr lang="pt-BR" sz="2000" dirty="0" err="1">
-                <a:latin typeface="+mj-lt"/>
-              </a:rPr>
-              <a:t>Functions</a:t>
-            </a:r>
-            <a:r>
-              <a:rPr lang="pt-BR" sz="2000" dirty="0">
-                <a:latin typeface="+mj-lt"/>
-              </a:rPr>
-              <a:t> </a:t>
-            </a:r>
-            <a:r>
-              <a:rPr lang="pt-BR" sz="2000" dirty="0" err="1">
-                <a:latin typeface="+mj-lt"/>
-              </a:rPr>
-              <a:t>All</a:t>
-            </a:r>
-            <a:r>
-              <a:rPr lang="pt-BR" sz="2000" dirty="0">
-                <a:latin typeface="+mj-lt"/>
-              </a:rPr>
-              <a:t> </a:t>
-            </a:r>
-            <a:r>
-              <a:rPr lang="pt-BR" sz="2000" dirty="0" err="1">
-                <a:latin typeface="+mj-lt"/>
-              </a:rPr>
-              <a:t>Machine</a:t>
-            </a:r>
-            <a:r>
-              <a:rPr lang="pt-BR" sz="2000" dirty="0">
-                <a:latin typeface="+mj-lt"/>
-              </a:rPr>
-              <a:t> </a:t>
-            </a:r>
-            <a:r>
-              <a:rPr lang="pt-BR" sz="2000" dirty="0" err="1">
-                <a:latin typeface="+mj-lt"/>
-              </a:rPr>
-              <a:t>Learners</a:t>
-            </a:r>
-            <a:r>
-              <a:rPr lang="pt-BR" sz="2000" dirty="0">
-                <a:latin typeface="+mj-lt"/>
-              </a:rPr>
-              <a:t> </a:t>
-            </a:r>
-            <a:r>
-              <a:rPr lang="pt-BR" sz="2000" dirty="0" err="1">
-                <a:latin typeface="+mj-lt"/>
-              </a:rPr>
-              <a:t>Should</a:t>
-            </a:r>
-            <a:r>
-              <a:rPr lang="pt-BR" sz="2000" dirty="0">
-                <a:latin typeface="+mj-lt"/>
-              </a:rPr>
-              <a:t> </a:t>
-            </a:r>
-            <a:r>
-              <a:rPr lang="pt-BR" sz="2000" dirty="0" err="1">
-                <a:latin typeface="+mj-lt"/>
-              </a:rPr>
-              <a:t>Know</a:t>
-            </a:r>
-            <a:r>
-              <a:rPr lang="pt-BR" sz="2000" dirty="0">
-                <a:latin typeface="+mj-lt"/>
-              </a:rPr>
-              <a:t>. https://heartbeat.fritz.ai/5-regression-loss- functions-all-machine-learners-should-know-4fb140e9d4b0, 2018. Acessado em Dezembro/2019. </a:t>
+              <a:t>- composicao-da-carteira.htm. Acessado em Dezembro/2019. </a:t>
             </a:r>
           </a:p>
         </p:txBody>
@@ -20299,7 +20664,7 @@
     </p:spTree>
     <p:extLst>
       <p:ext uri="{BB962C8B-B14F-4D97-AF65-F5344CB8AC3E}">
-        <p14:creationId xmlns:p14="http://schemas.microsoft.com/office/powerpoint/2010/main" val="3646878309"/>
+        <p14:creationId xmlns:p14="http://schemas.microsoft.com/office/powerpoint/2010/main" val="4292916382"/>
       </p:ext>
     </p:extLst>
   </p:cSld>
@@ -20475,31 +20840,106 @@
               <a:rPr lang="pt-BR" sz="2000" dirty="0">
                 <a:latin typeface="+mj-lt"/>
               </a:rPr>
-              <a:t>[31] ROJAS, R. Neural Networks - A </a:t>
+              <a:t>[16] ALY, A., LAKHOTIA, K., ZHAO, S., et al. PYTEXT: A SEAMLESS PATH FROM NLP RESEARCH TO PRODUCTION, dez. 2018.  </a:t>
+            </a:r>
+          </a:p>
+          <a:p>
+            <a:pPr algn="l"/>
+            <a:r>
+              <a:rPr lang="pt-BR" sz="2000" dirty="0">
+                <a:latin typeface="+mj-lt"/>
+              </a:rPr>
+              <a:t>[17] ALVES, V. A. IDENTIFICAÇÃO DE GÊNERO EM LETRAS MUSICAIS UTILIZANDO REDES PROFUNDAS E PYTEXT, jul. 2019.  </a:t>
+            </a:r>
+          </a:p>
+          <a:p>
+            <a:pPr algn="l"/>
+            <a:r>
+              <a:rPr lang="pt-BR" sz="2000" dirty="0">
+                <a:latin typeface="+mj-lt"/>
+              </a:rPr>
+              <a:t>[18] DO PAVINI, A. Cresce número de pessoas físicas como profissionais na Bolsa. https://exame.abril.com.br/seu-dinheiro/cresce-numero- de-pessoas-</a:t>
             </a:r>
             <a:r>
               <a:rPr lang="pt-BR" sz="2000" dirty="0" err="1">
                 <a:latin typeface="+mj-lt"/>
               </a:rPr>
-              <a:t>Systematic</a:t>
+              <a:t>fisicas</a:t>
             </a:r>
             <a:r>
               <a:rPr lang="pt-BR" sz="2000" dirty="0">
                 <a:latin typeface="+mj-lt"/>
               </a:rPr>
+              <a:t>-como-profissionais-na-bolsa/, 2019. Aces- sado em Dezembro/2019.  </a:t>
+            </a:r>
+          </a:p>
+          <a:p>
+            <a:pPr algn="l"/>
+            <a:r>
+              <a:rPr lang="pt-BR" sz="2000" dirty="0">
+                <a:latin typeface="+mj-lt"/>
+              </a:rPr>
+              <a:t>[19] BACHINSKIY, A. The </a:t>
+            </a:r>
+            <a:r>
+              <a:rPr lang="pt-BR" sz="2000" dirty="0" err="1">
+                <a:latin typeface="+mj-lt"/>
+              </a:rPr>
+              <a:t>Growing</a:t>
+            </a:r>
+            <a:r>
+              <a:rPr lang="pt-BR" sz="2000" dirty="0">
+                <a:latin typeface="+mj-lt"/>
+              </a:rPr>
               <a:t> </a:t>
             </a:r>
             <a:r>
               <a:rPr lang="pt-BR" sz="2000" dirty="0" err="1">
                 <a:latin typeface="+mj-lt"/>
               </a:rPr>
-              <a:t>Introduction</a:t>
+              <a:t>Impact</a:t>
             </a:r>
             <a:r>
               <a:rPr lang="pt-BR" sz="2000" dirty="0">
                 <a:latin typeface="+mj-lt"/>
               </a:rPr>
-              <a:t>. Springer, 1996.  </a:t>
+              <a:t> </a:t>
+            </a:r>
+            <a:r>
+              <a:rPr lang="pt-BR" sz="2000" dirty="0" err="1">
+                <a:latin typeface="+mj-lt"/>
+              </a:rPr>
+              <a:t>of</a:t>
+            </a:r>
+            <a:r>
+              <a:rPr lang="pt-BR" sz="2000" dirty="0">
+                <a:latin typeface="+mj-lt"/>
+              </a:rPr>
+              <a:t> AI in Financial Services: </a:t>
+            </a:r>
+            <a:r>
+              <a:rPr lang="pt-BR" sz="2000" dirty="0" err="1">
+                <a:latin typeface="+mj-lt"/>
+              </a:rPr>
+              <a:t>Six</a:t>
+            </a:r>
+            <a:r>
+              <a:rPr lang="pt-BR" sz="2000" dirty="0">
+                <a:latin typeface="+mj-lt"/>
+              </a:rPr>
+              <a:t> </a:t>
+            </a:r>
+            <a:r>
+              <a:rPr lang="pt-BR" sz="2000" dirty="0" err="1">
+                <a:latin typeface="+mj-lt"/>
+              </a:rPr>
+              <a:t>Examples</a:t>
+            </a:r>
+            <a:r>
+              <a:rPr lang="pt-BR" sz="2000" dirty="0">
+                <a:latin typeface="+mj-lt"/>
+              </a:rPr>
+              <a:t>. https://towardsdatascience.com/the-growing-impact- of-ai-in-financial-services-six-examples-da386c0301b2, 2019. Acessado em Dezembro/2019.  </a:t>
             </a:r>
           </a:p>
           <a:p>
@@ -20508,334 +20948,43 @@
               <a:rPr lang="pt-BR" sz="2000" dirty="0">
                 <a:latin typeface="+mj-lt"/>
               </a:rPr>
-              <a:t>[32] SAK, H., SENIOR, A., BEAUFAYS, F. </a:t>
+              <a:t>[20] CANTO, L. G. Stock Market </a:t>
             </a:r>
             <a:r>
               <a:rPr lang="pt-BR" sz="2000" dirty="0" err="1">
                 <a:latin typeface="+mj-lt"/>
               </a:rPr>
-              <a:t>Long</a:t>
+              <a:t>Predictor</a:t>
             </a:r>
             <a:r>
               <a:rPr lang="pt-BR" sz="2000" dirty="0">
                 <a:latin typeface="+mj-lt"/>
               </a:rPr>
-              <a:t> Short-</a:t>
+              <a:t>. https://github.com/lgcanto/ stock-</a:t>
             </a:r>
             <a:r>
               <a:rPr lang="pt-BR" sz="2000" dirty="0" err="1">
                 <a:latin typeface="+mj-lt"/>
               </a:rPr>
-              <a:t>Term</a:t>
+              <a:t>market</a:t>
             </a:r>
             <a:r>
               <a:rPr lang="pt-BR" sz="2000" dirty="0">
                 <a:latin typeface="+mj-lt"/>
               </a:rPr>
-              <a:t> </a:t>
+              <a:t>-</a:t>
             </a:r>
             <a:r>
               <a:rPr lang="pt-BR" sz="2000" dirty="0" err="1">
                 <a:latin typeface="+mj-lt"/>
               </a:rPr>
-              <a:t>Memory</a:t>
+              <a:t>predictor</a:t>
             </a:r>
             <a:r>
               <a:rPr lang="pt-BR" sz="2000" dirty="0">
                 <a:latin typeface="+mj-lt"/>
               </a:rPr>
-              <a:t> </a:t>
-            </a:r>
-            <a:r>
-              <a:rPr lang="pt-BR" sz="2000" dirty="0" err="1">
-                <a:latin typeface="+mj-lt"/>
-              </a:rPr>
-              <a:t>Recurrent</a:t>
-            </a:r>
-            <a:r>
-              <a:rPr lang="pt-BR" sz="2000" dirty="0">
-                <a:latin typeface="+mj-lt"/>
-              </a:rPr>
-              <a:t> Neural Network </a:t>
-            </a:r>
-            <a:r>
-              <a:rPr lang="pt-BR" sz="2000" dirty="0" err="1">
-                <a:latin typeface="+mj-lt"/>
-              </a:rPr>
-              <a:t>Architectures</a:t>
-            </a:r>
-            <a:r>
-              <a:rPr lang="pt-BR" sz="2000" dirty="0">
-                <a:latin typeface="+mj-lt"/>
-              </a:rPr>
-              <a:t> for </a:t>
-            </a:r>
-            <a:r>
-              <a:rPr lang="pt-BR" sz="2000" dirty="0" err="1">
-                <a:latin typeface="+mj-lt"/>
-              </a:rPr>
-              <a:t>Large</a:t>
-            </a:r>
-            <a:r>
-              <a:rPr lang="pt-BR" sz="2000" dirty="0">
-                <a:latin typeface="+mj-lt"/>
-              </a:rPr>
-              <a:t> </a:t>
-            </a:r>
-            <a:r>
-              <a:rPr lang="pt-BR" sz="2000" dirty="0" err="1">
-                <a:latin typeface="+mj-lt"/>
-              </a:rPr>
-              <a:t>Scale</a:t>
-            </a:r>
-            <a:r>
-              <a:rPr lang="pt-BR" sz="2000" dirty="0">
-                <a:latin typeface="+mj-lt"/>
-              </a:rPr>
-              <a:t> </a:t>
-            </a:r>
-            <a:r>
-              <a:rPr lang="pt-BR" sz="2000" dirty="0" err="1">
-                <a:latin typeface="+mj-lt"/>
-              </a:rPr>
-              <a:t>Acoustic</a:t>
-            </a:r>
-            <a:r>
-              <a:rPr lang="pt-BR" sz="2000" dirty="0">
-                <a:latin typeface="+mj-lt"/>
-              </a:rPr>
-              <a:t> </a:t>
-            </a:r>
-            <a:r>
-              <a:rPr lang="pt-BR" sz="2000" dirty="0" err="1">
-                <a:latin typeface="+mj-lt"/>
-              </a:rPr>
-              <a:t>Modeling</a:t>
-            </a:r>
-            <a:r>
-              <a:rPr lang="pt-BR" sz="2000" dirty="0">
-                <a:latin typeface="+mj-lt"/>
-              </a:rPr>
-              <a:t>, 2014.  </a:t>
-            </a:r>
-          </a:p>
-          <a:p>
-            <a:pPr algn="l"/>
-            <a:r>
-              <a:rPr lang="pt-BR" sz="2000" dirty="0">
-                <a:latin typeface="+mj-lt"/>
-              </a:rPr>
-              <a:t>[33] AMIDI, S. </a:t>
-            </a:r>
-            <a:r>
-              <a:rPr lang="pt-BR" sz="2000" dirty="0" err="1">
-                <a:latin typeface="+mj-lt"/>
-              </a:rPr>
-              <a:t>Recurrent</a:t>
-            </a:r>
-            <a:r>
-              <a:rPr lang="pt-BR" sz="2000" dirty="0">
-                <a:latin typeface="+mj-lt"/>
-              </a:rPr>
-              <a:t> Neural Networks </a:t>
-            </a:r>
-            <a:r>
-              <a:rPr lang="pt-BR" sz="2000" dirty="0" err="1">
-                <a:latin typeface="+mj-lt"/>
-              </a:rPr>
-              <a:t>cheatsheet</a:t>
-            </a:r>
-            <a:r>
-              <a:rPr lang="pt-BR" sz="2000" dirty="0">
-                <a:latin typeface="+mj-lt"/>
-              </a:rPr>
-              <a:t>. https://stanford. </a:t>
-            </a:r>
-            <a:r>
-              <a:rPr lang="pt-BR" sz="2000" dirty="0" err="1">
-                <a:latin typeface="+mj-lt"/>
-              </a:rPr>
-              <a:t>edu</a:t>
-            </a:r>
-            <a:r>
-              <a:rPr lang="pt-BR" sz="2000" dirty="0">
-                <a:latin typeface="+mj-lt"/>
-              </a:rPr>
-              <a:t>/~</a:t>
-            </a:r>
-            <a:r>
-              <a:rPr lang="pt-BR" sz="2000" dirty="0" err="1">
-                <a:latin typeface="+mj-lt"/>
-              </a:rPr>
-              <a:t>shervine</a:t>
-            </a:r>
-            <a:r>
-              <a:rPr lang="pt-BR" sz="2000" dirty="0">
-                <a:latin typeface="+mj-lt"/>
-              </a:rPr>
-              <a:t>/</a:t>
-            </a:r>
-            <a:r>
-              <a:rPr lang="pt-BR" sz="2000" dirty="0" err="1">
-                <a:latin typeface="+mj-lt"/>
-              </a:rPr>
-              <a:t>teaching</a:t>
-            </a:r>
-            <a:r>
-              <a:rPr lang="pt-BR" sz="2000" dirty="0">
-                <a:latin typeface="+mj-lt"/>
-              </a:rPr>
-              <a:t>/cs-230/</a:t>
-            </a:r>
-            <a:r>
-              <a:rPr lang="pt-BR" sz="2000" dirty="0" err="1">
-                <a:latin typeface="+mj-lt"/>
-              </a:rPr>
-              <a:t>cheatsheet</a:t>
-            </a:r>
-            <a:r>
-              <a:rPr lang="pt-BR" sz="2000" dirty="0">
-                <a:latin typeface="+mj-lt"/>
-              </a:rPr>
-              <a:t>-</a:t>
-            </a:r>
-            <a:r>
-              <a:rPr lang="pt-BR" sz="2000" dirty="0" err="1">
-                <a:latin typeface="+mj-lt"/>
-              </a:rPr>
-              <a:t>recurrent</a:t>
-            </a:r>
-            <a:r>
-              <a:rPr lang="pt-BR" sz="2000" dirty="0">
-                <a:latin typeface="+mj-lt"/>
-              </a:rPr>
-              <a:t>-neural- networks. Acessado em Janeiro/2020.  </a:t>
-            </a:r>
-          </a:p>
-          <a:p>
-            <a:pPr algn="l"/>
-            <a:r>
-              <a:rPr lang="pt-BR" sz="2000" dirty="0">
-                <a:latin typeface="+mj-lt"/>
-              </a:rPr>
-              <a:t>[34] HOCHREITER, S., SCHMIDHUBER, J. </a:t>
-            </a:r>
-            <a:r>
-              <a:rPr lang="pt-BR" sz="2000" dirty="0" err="1">
-                <a:latin typeface="+mj-lt"/>
-              </a:rPr>
-              <a:t>Long</a:t>
-            </a:r>
-            <a:r>
-              <a:rPr lang="pt-BR" sz="2000" dirty="0">
-                <a:latin typeface="+mj-lt"/>
-              </a:rPr>
-              <a:t> Short-</a:t>
-            </a:r>
-            <a:r>
-              <a:rPr lang="pt-BR" sz="2000" dirty="0" err="1">
-                <a:latin typeface="+mj-lt"/>
-              </a:rPr>
-              <a:t>Term</a:t>
-            </a:r>
-            <a:r>
-              <a:rPr lang="pt-BR" sz="2000" dirty="0">
-                <a:latin typeface="+mj-lt"/>
-              </a:rPr>
-              <a:t> </a:t>
-            </a:r>
-            <a:r>
-              <a:rPr lang="pt-BR" sz="2000" dirty="0" err="1">
-                <a:latin typeface="+mj-lt"/>
-              </a:rPr>
-              <a:t>Memory</a:t>
-            </a:r>
-            <a:r>
-              <a:rPr lang="pt-BR" sz="2000" dirty="0">
-                <a:latin typeface="+mj-lt"/>
-              </a:rPr>
-              <a:t>, Neural </a:t>
-            </a:r>
-            <a:r>
-              <a:rPr lang="pt-BR" sz="2000" dirty="0" err="1">
-                <a:latin typeface="+mj-lt"/>
-              </a:rPr>
-              <a:t>Computation</a:t>
-            </a:r>
-            <a:r>
-              <a:rPr lang="pt-BR" sz="2000" dirty="0">
-                <a:latin typeface="+mj-lt"/>
-              </a:rPr>
-              <a:t>, jun. 1997.  </a:t>
-            </a:r>
-          </a:p>
-          <a:p>
-            <a:pPr algn="l"/>
-            <a:r>
-              <a:rPr lang="pt-BR" sz="2000" dirty="0">
-                <a:latin typeface="+mj-lt"/>
-              </a:rPr>
-              <a:t>[35] GARBADE, M. J. A </a:t>
-            </a:r>
-            <a:r>
-              <a:rPr lang="pt-BR" sz="2000" dirty="0" err="1">
-                <a:latin typeface="+mj-lt"/>
-              </a:rPr>
-              <a:t>Simple</a:t>
-            </a:r>
-            <a:r>
-              <a:rPr lang="pt-BR" sz="2000" dirty="0">
-                <a:latin typeface="+mj-lt"/>
-              </a:rPr>
-              <a:t> </a:t>
-            </a:r>
-            <a:r>
-              <a:rPr lang="pt-BR" sz="2000" dirty="0" err="1">
-                <a:latin typeface="+mj-lt"/>
-              </a:rPr>
-              <a:t>Introduction</a:t>
-            </a:r>
-            <a:r>
-              <a:rPr lang="pt-BR" sz="2000" dirty="0">
-                <a:latin typeface="+mj-lt"/>
-              </a:rPr>
-              <a:t> </a:t>
-            </a:r>
-            <a:r>
-              <a:rPr lang="pt-BR" sz="2000" dirty="0" err="1">
-                <a:latin typeface="+mj-lt"/>
-              </a:rPr>
-              <a:t>to</a:t>
-            </a:r>
-            <a:r>
-              <a:rPr lang="pt-BR" sz="2000" dirty="0">
-                <a:latin typeface="+mj-lt"/>
-              </a:rPr>
-              <a:t> Natural </a:t>
-            </a:r>
-            <a:r>
-              <a:rPr lang="pt-BR" sz="2000" dirty="0" err="1">
-                <a:latin typeface="+mj-lt"/>
-              </a:rPr>
-              <a:t>Language</a:t>
-            </a:r>
-            <a:r>
-              <a:rPr lang="pt-BR" sz="2000" dirty="0">
-                <a:latin typeface="+mj-lt"/>
-              </a:rPr>
-              <a:t> Pro- </a:t>
-            </a:r>
-            <a:r>
-              <a:rPr lang="pt-BR" sz="2000" dirty="0" err="1">
-                <a:latin typeface="+mj-lt"/>
-              </a:rPr>
-              <a:t>cessing</a:t>
-            </a:r>
-            <a:r>
-              <a:rPr lang="pt-BR" sz="2000" dirty="0">
-                <a:latin typeface="+mj-lt"/>
-              </a:rPr>
-              <a:t>. https://becominghuman.ai/a-simple-introduction-to- natural-language-processing-ea66a1747b32, 2018. Acessado em Dezembro/2019. </a:t>
+              <a:t>/, 2019. Acessado em Dezembro/2019. </a:t>
             </a:r>
           </a:p>
         </p:txBody>
@@ -20843,7 +20992,7 @@
     </p:spTree>
     <p:extLst>
       <p:ext uri="{BB962C8B-B14F-4D97-AF65-F5344CB8AC3E}">
-        <p14:creationId xmlns:p14="http://schemas.microsoft.com/office/powerpoint/2010/main" val="978969790"/>
+        <p14:creationId xmlns:p14="http://schemas.microsoft.com/office/powerpoint/2010/main" val="1978531901"/>
       </p:ext>
     </p:extLst>
   </p:cSld>
@@ -21019,6 +21168,1470 @@
               <a:rPr lang="pt-BR" sz="2000" dirty="0">
                 <a:latin typeface="+mj-lt"/>
               </a:rPr>
+              <a:t>[21] MOREIRA, M. Fusão entre </a:t>
+            </a:r>
+            <a:r>
+              <a:rPr lang="pt-BR" sz="2000" dirty="0" err="1">
+                <a:latin typeface="+mj-lt"/>
+              </a:rPr>
+              <a:t>BM&amp;FBovespa</a:t>
+            </a:r>
+            <a:r>
+              <a:rPr lang="pt-BR" sz="2000" dirty="0">
+                <a:latin typeface="+mj-lt"/>
+              </a:rPr>
+              <a:t> e </a:t>
+            </a:r>
+            <a:r>
+              <a:rPr lang="pt-BR" sz="2000" dirty="0" err="1">
+                <a:latin typeface="+mj-lt"/>
+              </a:rPr>
+              <a:t>Cetip</a:t>
+            </a:r>
+            <a:r>
+              <a:rPr lang="pt-BR" sz="2000" dirty="0">
+                <a:latin typeface="+mj-lt"/>
+              </a:rPr>
+              <a:t> cria a B3, 5ª maior bolsa de valores do mundo. http://agenciabrasil.ebc.com.br/ economia/noticia/2017-03/</a:t>
+            </a:r>
+            <a:r>
+              <a:rPr lang="pt-BR" sz="2000" dirty="0" err="1">
+                <a:latin typeface="+mj-lt"/>
+              </a:rPr>
+              <a:t>fusao</a:t>
+            </a:r>
+            <a:r>
+              <a:rPr lang="pt-BR" sz="2000" dirty="0">
+                <a:latin typeface="+mj-lt"/>
+              </a:rPr>
+              <a:t>-entre-</a:t>
+            </a:r>
+            <a:r>
+              <a:rPr lang="pt-BR" sz="2000" dirty="0" err="1">
+                <a:latin typeface="+mj-lt"/>
+              </a:rPr>
+              <a:t>bmfbovespa</a:t>
+            </a:r>
+            <a:r>
+              <a:rPr lang="pt-BR" sz="2000" dirty="0">
+                <a:latin typeface="+mj-lt"/>
+              </a:rPr>
+              <a:t>-e-</a:t>
+            </a:r>
+            <a:r>
+              <a:rPr lang="pt-BR" sz="2000" dirty="0" err="1">
+                <a:latin typeface="+mj-lt"/>
+              </a:rPr>
+              <a:t>cetip</a:t>
+            </a:r>
+            <a:r>
+              <a:rPr lang="pt-BR" sz="2000" dirty="0">
+                <a:latin typeface="+mj-lt"/>
+              </a:rPr>
+              <a:t>- cria-b3-5a-maior-bolsa-de-valores-do-mundo, 2017. Acessado em Dezembro/2019.  </a:t>
+            </a:r>
+          </a:p>
+          <a:p>
+            <a:pPr algn="l"/>
+            <a:r>
+              <a:rPr lang="pt-BR" sz="2000" dirty="0">
+                <a:latin typeface="+mj-lt"/>
+              </a:rPr>
+              <a:t>[22] WAWRZENIAK, D. O Que É Análise Técnica? https://www. bussoladoinvestidor.com.br/o-que-e-analise-</a:t>
+            </a:r>
+            <a:r>
+              <a:rPr lang="pt-BR" sz="2000" dirty="0" err="1">
+                <a:latin typeface="+mj-lt"/>
+              </a:rPr>
+              <a:t>tecnica</a:t>
+            </a:r>
+            <a:r>
+              <a:rPr lang="pt-BR" sz="2000" dirty="0">
+                <a:latin typeface="+mj-lt"/>
+              </a:rPr>
+              <a:t>/, 2018. Acessado em Dezembro/2019.  </a:t>
+            </a:r>
+          </a:p>
+          <a:p>
+            <a:pPr algn="l"/>
+            <a:r>
+              <a:rPr lang="pt-BR" sz="2000" dirty="0">
+                <a:latin typeface="+mj-lt"/>
+              </a:rPr>
+              <a:t>[23] WAWRZENIAK, D. O Que É Análise Fundamentalista? https://www. bussoladoinvestidor.com.br/o-que-e-analise-fundamentalista/, 2018. Acessado em Dezembro/2019.  </a:t>
+            </a:r>
+          </a:p>
+          <a:p>
+            <a:pPr algn="l"/>
+            <a:r>
+              <a:rPr lang="pt-BR" sz="2000" dirty="0">
+                <a:latin typeface="+mj-lt"/>
+              </a:rPr>
+              <a:t>[24] MALKIEL, B. G. </a:t>
+            </a:r>
+            <a:r>
+              <a:rPr lang="pt-BR" sz="2000" dirty="0" err="1">
+                <a:latin typeface="+mj-lt"/>
+              </a:rPr>
+              <a:t>Ecient</a:t>
+            </a:r>
+            <a:r>
+              <a:rPr lang="pt-BR" sz="2000" dirty="0">
+                <a:latin typeface="+mj-lt"/>
+              </a:rPr>
+              <a:t> Market </a:t>
+            </a:r>
+            <a:r>
+              <a:rPr lang="pt-BR" sz="2000" dirty="0" err="1">
+                <a:latin typeface="+mj-lt"/>
+              </a:rPr>
+              <a:t>Hypothesis</a:t>
+            </a:r>
+            <a:r>
+              <a:rPr lang="pt-BR" sz="2000" dirty="0">
+                <a:latin typeface="+mj-lt"/>
+              </a:rPr>
+              <a:t>, </a:t>
+            </a:r>
+            <a:r>
+              <a:rPr lang="pt-BR" sz="2000" dirty="0" err="1">
+                <a:latin typeface="+mj-lt"/>
+              </a:rPr>
+              <a:t>Finance</a:t>
+            </a:r>
+            <a:r>
+              <a:rPr lang="pt-BR" sz="2000" dirty="0">
+                <a:latin typeface="+mj-lt"/>
+              </a:rPr>
+              <a:t>, pp. 127134, 1989.  </a:t>
+            </a:r>
+          </a:p>
+          <a:p>
+            <a:pPr algn="l"/>
+            <a:r>
+              <a:rPr lang="pt-BR" sz="2000" dirty="0">
+                <a:latin typeface="+mj-lt"/>
+              </a:rPr>
+              <a:t>[25] Análise Técnica x Análise Fundamentalista. https://www.tororadar. com.br/investimento/analise-</a:t>
+            </a:r>
+            <a:r>
+              <a:rPr lang="pt-BR" sz="2000" dirty="0" err="1">
+                <a:latin typeface="+mj-lt"/>
+              </a:rPr>
+              <a:t>tecnica</a:t>
+            </a:r>
+            <a:r>
+              <a:rPr lang="pt-BR" sz="2000" dirty="0">
+                <a:latin typeface="+mj-lt"/>
+              </a:rPr>
+              <a:t>/analise-</a:t>
+            </a:r>
+            <a:r>
+              <a:rPr lang="pt-BR" sz="2000" dirty="0" err="1">
+                <a:latin typeface="+mj-lt"/>
+              </a:rPr>
+              <a:t>tecnica</a:t>
+            </a:r>
+            <a:r>
+              <a:rPr lang="pt-BR" sz="2000" dirty="0">
+                <a:latin typeface="+mj-lt"/>
+              </a:rPr>
+              <a:t>-x- fundamentalista. Acessado em Dezembro/2019. </a:t>
+            </a:r>
+          </a:p>
+        </p:txBody>
+      </p:sp>
+    </p:spTree>
+    <p:extLst>
+      <p:ext uri="{BB962C8B-B14F-4D97-AF65-F5344CB8AC3E}">
+        <p14:creationId xmlns:p14="http://schemas.microsoft.com/office/powerpoint/2010/main" val="2098085901"/>
+      </p:ext>
+    </p:extLst>
+  </p:cSld>
+  <p:clrMapOvr>
+    <a:masterClrMapping/>
+  </p:clrMapOvr>
+</p:sld>
+</file>
+
+<file path=ppt/slides/slide53.xml><?xml version="1.0" encoding="utf-8"?>
+<p:sld xmlns:a="http://schemas.openxmlformats.org/drawingml/2006/main" xmlns:r="http://schemas.openxmlformats.org/officeDocument/2006/relationships" xmlns:p="http://schemas.openxmlformats.org/presentationml/2006/main">
+  <p:cSld>
+    <p:spTree>
+      <p:nvGrpSpPr>
+        <p:cNvPr id="1" name=""/>
+        <p:cNvGrpSpPr/>
+        <p:nvPr/>
+      </p:nvGrpSpPr>
+      <p:grpSpPr>
+        <a:xfrm>
+          <a:off x="0" y="0"/>
+          <a:ext cx="0" cy="0"/>
+          <a:chOff x="0" y="0"/>
+          <a:chExt cx="0" cy="0"/>
+        </a:xfrm>
+      </p:grpSpPr>
+      <p:sp>
+        <p:nvSpPr>
+          <p:cNvPr id="2" name="Título 1">
+            <a:extLst>
+              <a:ext uri="{FF2B5EF4-FFF2-40B4-BE49-F238E27FC236}">
+                <a16:creationId xmlns:a16="http://schemas.microsoft.com/office/drawing/2014/main" id="{34A6A768-A0AC-47A8-826C-4AB6699432B4}"/>
+              </a:ext>
+            </a:extLst>
+          </p:cNvPr>
+          <p:cNvSpPr>
+            <a:spLocks noGrp="1"/>
+          </p:cNvSpPr>
+          <p:nvPr>
+            <p:ph type="ctrTitle"/>
+          </p:nvPr>
+        </p:nvSpPr>
+        <p:spPr>
+          <a:xfrm>
+            <a:off x="528468" y="461637"/>
+            <a:ext cx="9144000" cy="878891"/>
+          </a:xfrm>
+        </p:spPr>
+        <p:txBody>
+          <a:bodyPr>
+            <a:normAutofit/>
+          </a:bodyPr>
+          <a:lstStyle/>
+          <a:p>
+            <a:pPr algn="l"/>
+            <a:r>
+              <a:rPr lang="pt-BR" sz="5400" dirty="0"/>
+              <a:t>Referências Bibliográficas</a:t>
+            </a:r>
+            <a:endParaRPr lang="pt-BR" sz="4100" dirty="0"/>
+          </a:p>
+        </p:txBody>
+      </p:sp>
+      <p:sp>
+        <p:nvSpPr>
+          <p:cNvPr id="4" name="Retângulo 3">
+            <a:extLst>
+              <a:ext uri="{FF2B5EF4-FFF2-40B4-BE49-F238E27FC236}">
+                <a16:creationId xmlns:a16="http://schemas.microsoft.com/office/drawing/2014/main" id="{8535A6A7-C92D-4B69-9002-6416C5DA1DA9}"/>
+              </a:ext>
+            </a:extLst>
+          </p:cNvPr>
+          <p:cNvSpPr/>
+          <p:nvPr/>
+        </p:nvSpPr>
+        <p:spPr>
+          <a:xfrm>
+            <a:off x="0" y="6654055"/>
+            <a:ext cx="1270000" cy="153888"/>
+          </a:xfrm>
+          <a:prstGeom prst="rect">
+            <a:avLst/>
+          </a:prstGeom>
+          <a:noFill/>
+          <a:ln w="12700" cap="flat" cmpd="sng" algn="ctr">
+            <a:noFill/>
+            <a:prstDash val="solid"/>
+            <a:miter lim="800000"/>
+          </a:ln>
+          <a:effectLst/>
+          <a:extLst>
+            <a:ext uri="{909E8E84-426E-40DD-AFC4-6F175D3DCCD1}">
+              <a14:hiddenFill xmlns:a14="http://schemas.microsoft.com/office/drawing/2010/main">
+                <a:solidFill>
+                  <a:schemeClr val="accent1"/>
+                </a:solidFill>
+              </a14:hiddenFill>
+            </a:ext>
+            <a:ext uri="{91240B29-F687-4F45-9708-019B960494DF}">
+              <a14:hiddenLine xmlns:a14="http://schemas.microsoft.com/office/drawing/2010/main" w="12700" cap="flat" cmpd="sng" algn="ctr">
+                <a:solidFill>
+                  <a:schemeClr val="accent1">
+                    <a:shade val="50000"/>
+                  </a:schemeClr>
+                </a:solidFill>
+                <a:prstDash val="solid"/>
+                <a:miter lim="800000"/>
+              </a14:hiddenLine>
+            </a:ext>
+          </a:extLst>
+        </p:spPr>
+        <p:style>
+          <a:lnRef idx="2">
+            <a:schemeClr val="accent1">
+              <a:shade val="50000"/>
+            </a:schemeClr>
+          </a:lnRef>
+          <a:fillRef idx="1">
+            <a:schemeClr val="accent1"/>
+          </a:fillRef>
+          <a:effectRef idx="0">
+            <a:schemeClr val="accent1"/>
+          </a:effectRef>
+          <a:fontRef idx="minor">
+            <a:schemeClr val="lt1"/>
+          </a:fontRef>
+        </p:style>
+        <p:txBody>
+          <a:bodyPr lIns="0" tIns="0" rIns="0" bIns="0" rtlCol="0" anchor="ctr">
+            <a:spAutoFit/>
+          </a:bodyPr>
+          <a:lstStyle/>
+          <a:p>
+            <a:pPr algn="ctr"/>
+            <a:endParaRPr lang="pt-BR" sz="1000">
+              <a:solidFill>
+                <a:srgbClr val="000000"/>
+              </a:solidFill>
+            </a:endParaRPr>
+          </a:p>
+        </p:txBody>
+      </p:sp>
+      <p:sp>
+        <p:nvSpPr>
+          <p:cNvPr id="7" name="Subtítulo 2">
+            <a:extLst>
+              <a:ext uri="{FF2B5EF4-FFF2-40B4-BE49-F238E27FC236}">
+                <a16:creationId xmlns:a16="http://schemas.microsoft.com/office/drawing/2014/main" id="{E6C7E8B1-58B9-44C2-97D8-C1D78F165290}"/>
+              </a:ext>
+            </a:extLst>
+          </p:cNvPr>
+          <p:cNvSpPr>
+            <a:spLocks noGrp="1"/>
+          </p:cNvSpPr>
+          <p:nvPr>
+            <p:ph type="subTitle" idx="1"/>
+          </p:nvPr>
+        </p:nvSpPr>
+        <p:spPr>
+          <a:xfrm>
+            <a:off x="620820" y="1473100"/>
+            <a:ext cx="10950359" cy="5078620"/>
+          </a:xfrm>
+        </p:spPr>
+        <p:txBody>
+          <a:bodyPr>
+            <a:normAutofit/>
+          </a:bodyPr>
+          <a:lstStyle/>
+          <a:p>
+            <a:pPr algn="l"/>
+            <a:r>
+              <a:rPr lang="pt-BR" sz="2000" dirty="0">
+                <a:latin typeface="+mj-lt"/>
+              </a:rPr>
+              <a:t>[26] JORDAN, M. I., MITCHELL, T. M. </a:t>
+            </a:r>
+            <a:r>
+              <a:rPr lang="pt-BR" sz="2000" dirty="0" err="1">
+                <a:latin typeface="+mj-lt"/>
+              </a:rPr>
+              <a:t>Machine</a:t>
+            </a:r>
+            <a:r>
+              <a:rPr lang="pt-BR" sz="2000" dirty="0">
+                <a:latin typeface="+mj-lt"/>
+              </a:rPr>
+              <a:t> </a:t>
+            </a:r>
+            <a:r>
+              <a:rPr lang="pt-BR" sz="2000" dirty="0" err="1">
+                <a:latin typeface="+mj-lt"/>
+              </a:rPr>
+              <a:t>learning</a:t>
+            </a:r>
+            <a:r>
+              <a:rPr lang="pt-BR" sz="2000" dirty="0">
+                <a:latin typeface="+mj-lt"/>
+              </a:rPr>
+              <a:t>: </a:t>
+            </a:r>
+            <a:r>
+              <a:rPr lang="pt-BR" sz="2000" dirty="0" err="1">
+                <a:latin typeface="+mj-lt"/>
+              </a:rPr>
+              <a:t>Trends</a:t>
+            </a:r>
+            <a:r>
+              <a:rPr lang="pt-BR" sz="2000" dirty="0">
+                <a:latin typeface="+mj-lt"/>
+              </a:rPr>
+              <a:t>, perspectives, </a:t>
+            </a:r>
+            <a:r>
+              <a:rPr lang="pt-BR" sz="2000" dirty="0" err="1">
+                <a:latin typeface="+mj-lt"/>
+              </a:rPr>
+              <a:t>and</a:t>
+            </a:r>
+            <a:r>
+              <a:rPr lang="pt-BR" sz="2000" dirty="0">
+                <a:latin typeface="+mj-lt"/>
+              </a:rPr>
+              <a:t> prospects, Science, v. 349, pp. 8089, jul. 2015.  </a:t>
+            </a:r>
+          </a:p>
+          <a:p>
+            <a:pPr algn="l"/>
+            <a:r>
+              <a:rPr lang="pt-BR" sz="2000" dirty="0">
+                <a:latin typeface="+mj-lt"/>
+              </a:rPr>
+              <a:t>[27] MITCHELL, T. M. </a:t>
+            </a:r>
+            <a:r>
+              <a:rPr lang="pt-BR" sz="2000" dirty="0" err="1">
+                <a:latin typeface="+mj-lt"/>
+              </a:rPr>
+              <a:t>Machine</a:t>
+            </a:r>
+            <a:r>
+              <a:rPr lang="pt-BR" sz="2000" dirty="0">
+                <a:latin typeface="+mj-lt"/>
+              </a:rPr>
+              <a:t> Learning. McGraw Hill, 1997.  </a:t>
+            </a:r>
+          </a:p>
+          <a:p>
+            <a:pPr algn="l"/>
+            <a:r>
+              <a:rPr lang="pt-BR" sz="2000" dirty="0">
+                <a:latin typeface="+mj-lt"/>
+              </a:rPr>
+              <a:t>[28] GULIPALLI, P. The Pareto </a:t>
+            </a:r>
+            <a:r>
+              <a:rPr lang="pt-BR" sz="2000" dirty="0" err="1">
+                <a:latin typeface="+mj-lt"/>
+              </a:rPr>
+              <a:t>Principle</a:t>
+            </a:r>
+            <a:r>
+              <a:rPr lang="pt-BR" sz="2000" dirty="0">
+                <a:latin typeface="+mj-lt"/>
+              </a:rPr>
+              <a:t> for Data </a:t>
+            </a:r>
+            <a:r>
+              <a:rPr lang="pt-BR" sz="2000" dirty="0" err="1">
+                <a:latin typeface="+mj-lt"/>
+              </a:rPr>
+              <a:t>Scientists</a:t>
+            </a:r>
+            <a:r>
+              <a:rPr lang="pt-BR" sz="2000" dirty="0">
+                <a:latin typeface="+mj-lt"/>
+              </a:rPr>
+              <a:t>. https://www. kdnuggets.com/2019/03/pareto-principle-data-scientists.html, 2019. Acessado em Dezembro/2019.  </a:t>
+            </a:r>
+          </a:p>
+          <a:p>
+            <a:pPr algn="l"/>
+            <a:r>
+              <a:rPr lang="pt-BR" sz="2000" dirty="0">
+                <a:latin typeface="+mj-lt"/>
+              </a:rPr>
+              <a:t>[29] KOHAVI, R. A </a:t>
+            </a:r>
+            <a:r>
+              <a:rPr lang="pt-BR" sz="2000" dirty="0" err="1">
+                <a:latin typeface="+mj-lt"/>
+              </a:rPr>
+              <a:t>Study</a:t>
+            </a:r>
+            <a:r>
+              <a:rPr lang="pt-BR" sz="2000" dirty="0">
+                <a:latin typeface="+mj-lt"/>
+              </a:rPr>
+              <a:t> </a:t>
+            </a:r>
+            <a:r>
+              <a:rPr lang="pt-BR" sz="2000" dirty="0" err="1">
+                <a:latin typeface="+mj-lt"/>
+              </a:rPr>
+              <a:t>of</a:t>
+            </a:r>
+            <a:r>
+              <a:rPr lang="pt-BR" sz="2000" dirty="0">
+                <a:latin typeface="+mj-lt"/>
+              </a:rPr>
+              <a:t> </a:t>
+            </a:r>
+            <a:r>
+              <a:rPr lang="pt-BR" sz="2000" dirty="0" err="1">
+                <a:latin typeface="+mj-lt"/>
+              </a:rPr>
+              <a:t>CrossValidation</a:t>
+            </a:r>
+            <a:r>
+              <a:rPr lang="pt-BR" sz="2000" dirty="0">
+                <a:latin typeface="+mj-lt"/>
+              </a:rPr>
+              <a:t> </a:t>
+            </a:r>
+            <a:r>
+              <a:rPr lang="pt-BR" sz="2000" dirty="0" err="1">
+                <a:latin typeface="+mj-lt"/>
+              </a:rPr>
+              <a:t>and</a:t>
+            </a:r>
+            <a:r>
+              <a:rPr lang="pt-BR" sz="2000" dirty="0">
+                <a:latin typeface="+mj-lt"/>
+              </a:rPr>
+              <a:t> </a:t>
+            </a:r>
+            <a:r>
+              <a:rPr lang="pt-BR" sz="2000" dirty="0" err="1">
+                <a:latin typeface="+mj-lt"/>
+              </a:rPr>
+              <a:t>Bootstrap</a:t>
+            </a:r>
+            <a:r>
+              <a:rPr lang="pt-BR" sz="2000" dirty="0">
+                <a:latin typeface="+mj-lt"/>
+              </a:rPr>
+              <a:t> for </a:t>
+            </a:r>
+            <a:r>
+              <a:rPr lang="pt-BR" sz="2000" dirty="0" err="1">
+                <a:latin typeface="+mj-lt"/>
+              </a:rPr>
+              <a:t>Accuracy</a:t>
+            </a:r>
+            <a:r>
+              <a:rPr lang="pt-BR" sz="2000" dirty="0">
+                <a:latin typeface="+mj-lt"/>
+              </a:rPr>
+              <a:t> Estima- </a:t>
+            </a:r>
+            <a:r>
+              <a:rPr lang="pt-BR" sz="2000" dirty="0" err="1">
+                <a:latin typeface="+mj-lt"/>
+              </a:rPr>
+              <a:t>tion</a:t>
+            </a:r>
+            <a:r>
+              <a:rPr lang="pt-BR" sz="2000" dirty="0">
+                <a:latin typeface="+mj-lt"/>
+              </a:rPr>
+              <a:t> </a:t>
+            </a:r>
+            <a:r>
+              <a:rPr lang="pt-BR" sz="2000" dirty="0" err="1">
+                <a:latin typeface="+mj-lt"/>
+              </a:rPr>
+              <a:t>and</a:t>
+            </a:r>
+            <a:r>
+              <a:rPr lang="pt-BR" sz="2000" dirty="0">
+                <a:latin typeface="+mj-lt"/>
+              </a:rPr>
+              <a:t> </a:t>
+            </a:r>
+            <a:r>
+              <a:rPr lang="pt-BR" sz="2000" dirty="0" err="1">
+                <a:latin typeface="+mj-lt"/>
+              </a:rPr>
+              <a:t>Model</a:t>
+            </a:r>
+            <a:r>
+              <a:rPr lang="pt-BR" sz="2000" dirty="0">
+                <a:latin typeface="+mj-lt"/>
+              </a:rPr>
+              <a:t> </a:t>
+            </a:r>
+            <a:r>
+              <a:rPr lang="pt-BR" sz="2000" dirty="0" err="1">
+                <a:latin typeface="+mj-lt"/>
+              </a:rPr>
+              <a:t>Selection</a:t>
+            </a:r>
+            <a:r>
+              <a:rPr lang="pt-BR" sz="2000" dirty="0">
+                <a:latin typeface="+mj-lt"/>
+              </a:rPr>
+              <a:t>, </a:t>
+            </a:r>
+            <a:r>
+              <a:rPr lang="pt-BR" sz="2000" dirty="0" err="1">
+                <a:latin typeface="+mj-lt"/>
+              </a:rPr>
+              <a:t>AInternational</a:t>
+            </a:r>
+            <a:r>
+              <a:rPr lang="pt-BR" sz="2000" dirty="0">
+                <a:latin typeface="+mj-lt"/>
+              </a:rPr>
+              <a:t> joint </a:t>
+            </a:r>
+            <a:r>
+              <a:rPr lang="pt-BR" sz="2000" dirty="0" err="1">
+                <a:latin typeface="+mj-lt"/>
+              </a:rPr>
+              <a:t>Conference</a:t>
+            </a:r>
+            <a:r>
+              <a:rPr lang="pt-BR" sz="2000" dirty="0">
+                <a:latin typeface="+mj-lt"/>
+              </a:rPr>
+              <a:t> </a:t>
+            </a:r>
+            <a:r>
+              <a:rPr lang="pt-BR" sz="2000" dirty="0" err="1">
+                <a:latin typeface="+mj-lt"/>
+              </a:rPr>
+              <a:t>on</a:t>
+            </a:r>
+            <a:r>
+              <a:rPr lang="pt-BR" sz="2000" dirty="0">
+                <a:latin typeface="+mj-lt"/>
+              </a:rPr>
+              <a:t> artificial </a:t>
+            </a:r>
+            <a:r>
+              <a:rPr lang="pt-BR" sz="2000" dirty="0" err="1">
+                <a:latin typeface="+mj-lt"/>
+              </a:rPr>
+              <a:t>intelligence</a:t>
+            </a:r>
+            <a:r>
+              <a:rPr lang="pt-BR" sz="2000" dirty="0">
+                <a:latin typeface="+mj-lt"/>
+              </a:rPr>
+              <a:t>, v. 14, pp. 11371145, 1995.  </a:t>
+            </a:r>
+          </a:p>
+          <a:p>
+            <a:pPr algn="l"/>
+            <a:r>
+              <a:rPr lang="pt-BR" sz="2000" dirty="0">
+                <a:latin typeface="+mj-lt"/>
+              </a:rPr>
+              <a:t>[30] GROVER, P. 5 </a:t>
+            </a:r>
+            <a:r>
+              <a:rPr lang="pt-BR" sz="2000" dirty="0" err="1">
+                <a:latin typeface="+mj-lt"/>
+              </a:rPr>
+              <a:t>Regression</a:t>
+            </a:r>
+            <a:r>
+              <a:rPr lang="pt-BR" sz="2000" dirty="0">
+                <a:latin typeface="+mj-lt"/>
+              </a:rPr>
+              <a:t> </a:t>
+            </a:r>
+            <a:r>
+              <a:rPr lang="pt-BR" sz="2000" dirty="0" err="1">
+                <a:latin typeface="+mj-lt"/>
+              </a:rPr>
+              <a:t>Loss</a:t>
+            </a:r>
+            <a:r>
+              <a:rPr lang="pt-BR" sz="2000" dirty="0">
+                <a:latin typeface="+mj-lt"/>
+              </a:rPr>
+              <a:t> </a:t>
+            </a:r>
+            <a:r>
+              <a:rPr lang="pt-BR" sz="2000" dirty="0" err="1">
+                <a:latin typeface="+mj-lt"/>
+              </a:rPr>
+              <a:t>Functions</a:t>
+            </a:r>
+            <a:r>
+              <a:rPr lang="pt-BR" sz="2000" dirty="0">
+                <a:latin typeface="+mj-lt"/>
+              </a:rPr>
+              <a:t> </a:t>
+            </a:r>
+            <a:r>
+              <a:rPr lang="pt-BR" sz="2000" dirty="0" err="1">
+                <a:latin typeface="+mj-lt"/>
+              </a:rPr>
+              <a:t>All</a:t>
+            </a:r>
+            <a:r>
+              <a:rPr lang="pt-BR" sz="2000" dirty="0">
+                <a:latin typeface="+mj-lt"/>
+              </a:rPr>
+              <a:t> </a:t>
+            </a:r>
+            <a:r>
+              <a:rPr lang="pt-BR" sz="2000" dirty="0" err="1">
+                <a:latin typeface="+mj-lt"/>
+              </a:rPr>
+              <a:t>Machine</a:t>
+            </a:r>
+            <a:r>
+              <a:rPr lang="pt-BR" sz="2000" dirty="0">
+                <a:latin typeface="+mj-lt"/>
+              </a:rPr>
+              <a:t> </a:t>
+            </a:r>
+            <a:r>
+              <a:rPr lang="pt-BR" sz="2000" dirty="0" err="1">
+                <a:latin typeface="+mj-lt"/>
+              </a:rPr>
+              <a:t>Learners</a:t>
+            </a:r>
+            <a:r>
+              <a:rPr lang="pt-BR" sz="2000" dirty="0">
+                <a:latin typeface="+mj-lt"/>
+              </a:rPr>
+              <a:t> </a:t>
+            </a:r>
+            <a:r>
+              <a:rPr lang="pt-BR" sz="2000" dirty="0" err="1">
+                <a:latin typeface="+mj-lt"/>
+              </a:rPr>
+              <a:t>Should</a:t>
+            </a:r>
+            <a:r>
+              <a:rPr lang="pt-BR" sz="2000" dirty="0">
+                <a:latin typeface="+mj-lt"/>
+              </a:rPr>
+              <a:t> </a:t>
+            </a:r>
+            <a:r>
+              <a:rPr lang="pt-BR" sz="2000" dirty="0" err="1">
+                <a:latin typeface="+mj-lt"/>
+              </a:rPr>
+              <a:t>Know</a:t>
+            </a:r>
+            <a:r>
+              <a:rPr lang="pt-BR" sz="2000" dirty="0">
+                <a:latin typeface="+mj-lt"/>
+              </a:rPr>
+              <a:t>. https://heartbeat.fritz.ai/5-regression-loss- functions-all-machine-learners-should-know-4fb140e9d4b0, 2018. Acessado em Dezembro/2019. </a:t>
+            </a:r>
+          </a:p>
+        </p:txBody>
+      </p:sp>
+    </p:spTree>
+    <p:extLst>
+      <p:ext uri="{BB962C8B-B14F-4D97-AF65-F5344CB8AC3E}">
+        <p14:creationId xmlns:p14="http://schemas.microsoft.com/office/powerpoint/2010/main" val="3646878309"/>
+      </p:ext>
+    </p:extLst>
+  </p:cSld>
+  <p:clrMapOvr>
+    <a:masterClrMapping/>
+  </p:clrMapOvr>
+</p:sld>
+</file>
+
+<file path=ppt/slides/slide54.xml><?xml version="1.0" encoding="utf-8"?>
+<p:sld xmlns:a="http://schemas.openxmlformats.org/drawingml/2006/main" xmlns:r="http://schemas.openxmlformats.org/officeDocument/2006/relationships" xmlns:p="http://schemas.openxmlformats.org/presentationml/2006/main">
+  <p:cSld>
+    <p:spTree>
+      <p:nvGrpSpPr>
+        <p:cNvPr id="1" name=""/>
+        <p:cNvGrpSpPr/>
+        <p:nvPr/>
+      </p:nvGrpSpPr>
+      <p:grpSpPr>
+        <a:xfrm>
+          <a:off x="0" y="0"/>
+          <a:ext cx="0" cy="0"/>
+          <a:chOff x="0" y="0"/>
+          <a:chExt cx="0" cy="0"/>
+        </a:xfrm>
+      </p:grpSpPr>
+      <p:sp>
+        <p:nvSpPr>
+          <p:cNvPr id="2" name="Título 1">
+            <a:extLst>
+              <a:ext uri="{FF2B5EF4-FFF2-40B4-BE49-F238E27FC236}">
+                <a16:creationId xmlns:a16="http://schemas.microsoft.com/office/drawing/2014/main" id="{34A6A768-A0AC-47A8-826C-4AB6699432B4}"/>
+              </a:ext>
+            </a:extLst>
+          </p:cNvPr>
+          <p:cNvSpPr>
+            <a:spLocks noGrp="1"/>
+          </p:cNvSpPr>
+          <p:nvPr>
+            <p:ph type="ctrTitle"/>
+          </p:nvPr>
+        </p:nvSpPr>
+        <p:spPr>
+          <a:xfrm>
+            <a:off x="528468" y="461637"/>
+            <a:ext cx="9144000" cy="878891"/>
+          </a:xfrm>
+        </p:spPr>
+        <p:txBody>
+          <a:bodyPr>
+            <a:normAutofit/>
+          </a:bodyPr>
+          <a:lstStyle/>
+          <a:p>
+            <a:pPr algn="l"/>
+            <a:r>
+              <a:rPr lang="pt-BR" sz="5400" dirty="0"/>
+              <a:t>Referências Bibliográficas</a:t>
+            </a:r>
+            <a:endParaRPr lang="pt-BR" sz="4100" dirty="0"/>
+          </a:p>
+        </p:txBody>
+      </p:sp>
+      <p:sp>
+        <p:nvSpPr>
+          <p:cNvPr id="4" name="Retângulo 3">
+            <a:extLst>
+              <a:ext uri="{FF2B5EF4-FFF2-40B4-BE49-F238E27FC236}">
+                <a16:creationId xmlns:a16="http://schemas.microsoft.com/office/drawing/2014/main" id="{8535A6A7-C92D-4B69-9002-6416C5DA1DA9}"/>
+              </a:ext>
+            </a:extLst>
+          </p:cNvPr>
+          <p:cNvSpPr/>
+          <p:nvPr/>
+        </p:nvSpPr>
+        <p:spPr>
+          <a:xfrm>
+            <a:off x="0" y="6654055"/>
+            <a:ext cx="1270000" cy="153888"/>
+          </a:xfrm>
+          <a:prstGeom prst="rect">
+            <a:avLst/>
+          </a:prstGeom>
+          <a:noFill/>
+          <a:ln w="12700" cap="flat" cmpd="sng" algn="ctr">
+            <a:noFill/>
+            <a:prstDash val="solid"/>
+            <a:miter lim="800000"/>
+          </a:ln>
+          <a:effectLst/>
+          <a:extLst>
+            <a:ext uri="{909E8E84-426E-40DD-AFC4-6F175D3DCCD1}">
+              <a14:hiddenFill xmlns:a14="http://schemas.microsoft.com/office/drawing/2010/main">
+                <a:solidFill>
+                  <a:schemeClr val="accent1"/>
+                </a:solidFill>
+              </a14:hiddenFill>
+            </a:ext>
+            <a:ext uri="{91240B29-F687-4F45-9708-019B960494DF}">
+              <a14:hiddenLine xmlns:a14="http://schemas.microsoft.com/office/drawing/2010/main" w="12700" cap="flat" cmpd="sng" algn="ctr">
+                <a:solidFill>
+                  <a:schemeClr val="accent1">
+                    <a:shade val="50000"/>
+                  </a:schemeClr>
+                </a:solidFill>
+                <a:prstDash val="solid"/>
+                <a:miter lim="800000"/>
+              </a14:hiddenLine>
+            </a:ext>
+          </a:extLst>
+        </p:spPr>
+        <p:style>
+          <a:lnRef idx="2">
+            <a:schemeClr val="accent1">
+              <a:shade val="50000"/>
+            </a:schemeClr>
+          </a:lnRef>
+          <a:fillRef idx="1">
+            <a:schemeClr val="accent1"/>
+          </a:fillRef>
+          <a:effectRef idx="0">
+            <a:schemeClr val="accent1"/>
+          </a:effectRef>
+          <a:fontRef idx="minor">
+            <a:schemeClr val="lt1"/>
+          </a:fontRef>
+        </p:style>
+        <p:txBody>
+          <a:bodyPr lIns="0" tIns="0" rIns="0" bIns="0" rtlCol="0" anchor="ctr">
+            <a:spAutoFit/>
+          </a:bodyPr>
+          <a:lstStyle/>
+          <a:p>
+            <a:pPr algn="ctr"/>
+            <a:endParaRPr lang="pt-BR" sz="1000">
+              <a:solidFill>
+                <a:srgbClr val="000000"/>
+              </a:solidFill>
+            </a:endParaRPr>
+          </a:p>
+        </p:txBody>
+      </p:sp>
+      <p:sp>
+        <p:nvSpPr>
+          <p:cNvPr id="7" name="Subtítulo 2">
+            <a:extLst>
+              <a:ext uri="{FF2B5EF4-FFF2-40B4-BE49-F238E27FC236}">
+                <a16:creationId xmlns:a16="http://schemas.microsoft.com/office/drawing/2014/main" id="{E6C7E8B1-58B9-44C2-97D8-C1D78F165290}"/>
+              </a:ext>
+            </a:extLst>
+          </p:cNvPr>
+          <p:cNvSpPr>
+            <a:spLocks noGrp="1"/>
+          </p:cNvSpPr>
+          <p:nvPr>
+            <p:ph type="subTitle" idx="1"/>
+          </p:nvPr>
+        </p:nvSpPr>
+        <p:spPr>
+          <a:xfrm>
+            <a:off x="620820" y="1473100"/>
+            <a:ext cx="10950359" cy="5078620"/>
+          </a:xfrm>
+        </p:spPr>
+        <p:txBody>
+          <a:bodyPr>
+            <a:normAutofit/>
+          </a:bodyPr>
+          <a:lstStyle/>
+          <a:p>
+            <a:pPr algn="l"/>
+            <a:r>
+              <a:rPr lang="pt-BR" sz="2000" dirty="0">
+                <a:latin typeface="+mj-lt"/>
+              </a:rPr>
+              <a:t>[31] ROJAS, R. Neural Networks - A </a:t>
+            </a:r>
+            <a:r>
+              <a:rPr lang="pt-BR" sz="2000" dirty="0" err="1">
+                <a:latin typeface="+mj-lt"/>
+              </a:rPr>
+              <a:t>Systematic</a:t>
+            </a:r>
+            <a:r>
+              <a:rPr lang="pt-BR" sz="2000" dirty="0">
+                <a:latin typeface="+mj-lt"/>
+              </a:rPr>
+              <a:t> </a:t>
+            </a:r>
+            <a:r>
+              <a:rPr lang="pt-BR" sz="2000" dirty="0" err="1">
+                <a:latin typeface="+mj-lt"/>
+              </a:rPr>
+              <a:t>Introduction</a:t>
+            </a:r>
+            <a:r>
+              <a:rPr lang="pt-BR" sz="2000" dirty="0">
+                <a:latin typeface="+mj-lt"/>
+              </a:rPr>
+              <a:t>. Springer, 1996.  </a:t>
+            </a:r>
+          </a:p>
+          <a:p>
+            <a:pPr algn="l"/>
+            <a:r>
+              <a:rPr lang="pt-BR" sz="2000" dirty="0">
+                <a:latin typeface="+mj-lt"/>
+              </a:rPr>
+              <a:t>[32] SAK, H., SENIOR, A., BEAUFAYS, F. </a:t>
+            </a:r>
+            <a:r>
+              <a:rPr lang="pt-BR" sz="2000" dirty="0" err="1">
+                <a:latin typeface="+mj-lt"/>
+              </a:rPr>
+              <a:t>Long</a:t>
+            </a:r>
+            <a:r>
+              <a:rPr lang="pt-BR" sz="2000" dirty="0">
+                <a:latin typeface="+mj-lt"/>
+              </a:rPr>
+              <a:t> Short-</a:t>
+            </a:r>
+            <a:r>
+              <a:rPr lang="pt-BR" sz="2000" dirty="0" err="1">
+                <a:latin typeface="+mj-lt"/>
+              </a:rPr>
+              <a:t>Term</a:t>
+            </a:r>
+            <a:r>
+              <a:rPr lang="pt-BR" sz="2000" dirty="0">
+                <a:latin typeface="+mj-lt"/>
+              </a:rPr>
+              <a:t> </a:t>
+            </a:r>
+            <a:r>
+              <a:rPr lang="pt-BR" sz="2000" dirty="0" err="1">
+                <a:latin typeface="+mj-lt"/>
+              </a:rPr>
+              <a:t>Memory</a:t>
+            </a:r>
+            <a:r>
+              <a:rPr lang="pt-BR" sz="2000" dirty="0">
+                <a:latin typeface="+mj-lt"/>
+              </a:rPr>
+              <a:t> </a:t>
+            </a:r>
+            <a:r>
+              <a:rPr lang="pt-BR" sz="2000" dirty="0" err="1">
+                <a:latin typeface="+mj-lt"/>
+              </a:rPr>
+              <a:t>Recurrent</a:t>
+            </a:r>
+            <a:r>
+              <a:rPr lang="pt-BR" sz="2000" dirty="0">
+                <a:latin typeface="+mj-lt"/>
+              </a:rPr>
+              <a:t> Neural Network </a:t>
+            </a:r>
+            <a:r>
+              <a:rPr lang="pt-BR" sz="2000" dirty="0" err="1">
+                <a:latin typeface="+mj-lt"/>
+              </a:rPr>
+              <a:t>Architectures</a:t>
+            </a:r>
+            <a:r>
+              <a:rPr lang="pt-BR" sz="2000" dirty="0">
+                <a:latin typeface="+mj-lt"/>
+              </a:rPr>
+              <a:t> for </a:t>
+            </a:r>
+            <a:r>
+              <a:rPr lang="pt-BR" sz="2000" dirty="0" err="1">
+                <a:latin typeface="+mj-lt"/>
+              </a:rPr>
+              <a:t>Large</a:t>
+            </a:r>
+            <a:r>
+              <a:rPr lang="pt-BR" sz="2000" dirty="0">
+                <a:latin typeface="+mj-lt"/>
+              </a:rPr>
+              <a:t> </a:t>
+            </a:r>
+            <a:r>
+              <a:rPr lang="pt-BR" sz="2000" dirty="0" err="1">
+                <a:latin typeface="+mj-lt"/>
+              </a:rPr>
+              <a:t>Scale</a:t>
+            </a:r>
+            <a:r>
+              <a:rPr lang="pt-BR" sz="2000" dirty="0">
+                <a:latin typeface="+mj-lt"/>
+              </a:rPr>
+              <a:t> </a:t>
+            </a:r>
+            <a:r>
+              <a:rPr lang="pt-BR" sz="2000" dirty="0" err="1">
+                <a:latin typeface="+mj-lt"/>
+              </a:rPr>
+              <a:t>Acoustic</a:t>
+            </a:r>
+            <a:r>
+              <a:rPr lang="pt-BR" sz="2000" dirty="0">
+                <a:latin typeface="+mj-lt"/>
+              </a:rPr>
+              <a:t> </a:t>
+            </a:r>
+            <a:r>
+              <a:rPr lang="pt-BR" sz="2000" dirty="0" err="1">
+                <a:latin typeface="+mj-lt"/>
+              </a:rPr>
+              <a:t>Modeling</a:t>
+            </a:r>
+            <a:r>
+              <a:rPr lang="pt-BR" sz="2000" dirty="0">
+                <a:latin typeface="+mj-lt"/>
+              </a:rPr>
+              <a:t>, 2014.  </a:t>
+            </a:r>
+          </a:p>
+          <a:p>
+            <a:pPr algn="l"/>
+            <a:r>
+              <a:rPr lang="pt-BR" sz="2000" dirty="0">
+                <a:latin typeface="+mj-lt"/>
+              </a:rPr>
+              <a:t>[33] AMIDI, S. </a:t>
+            </a:r>
+            <a:r>
+              <a:rPr lang="pt-BR" sz="2000" dirty="0" err="1">
+                <a:latin typeface="+mj-lt"/>
+              </a:rPr>
+              <a:t>Recurrent</a:t>
+            </a:r>
+            <a:r>
+              <a:rPr lang="pt-BR" sz="2000" dirty="0">
+                <a:latin typeface="+mj-lt"/>
+              </a:rPr>
+              <a:t> Neural Networks </a:t>
+            </a:r>
+            <a:r>
+              <a:rPr lang="pt-BR" sz="2000" dirty="0" err="1">
+                <a:latin typeface="+mj-lt"/>
+              </a:rPr>
+              <a:t>cheatsheet</a:t>
+            </a:r>
+            <a:r>
+              <a:rPr lang="pt-BR" sz="2000" dirty="0">
+                <a:latin typeface="+mj-lt"/>
+              </a:rPr>
+              <a:t>. https://stanford. </a:t>
+            </a:r>
+            <a:r>
+              <a:rPr lang="pt-BR" sz="2000" dirty="0" err="1">
+                <a:latin typeface="+mj-lt"/>
+              </a:rPr>
+              <a:t>edu</a:t>
+            </a:r>
+            <a:r>
+              <a:rPr lang="pt-BR" sz="2000" dirty="0">
+                <a:latin typeface="+mj-lt"/>
+              </a:rPr>
+              <a:t>/~</a:t>
+            </a:r>
+            <a:r>
+              <a:rPr lang="pt-BR" sz="2000" dirty="0" err="1">
+                <a:latin typeface="+mj-lt"/>
+              </a:rPr>
+              <a:t>shervine</a:t>
+            </a:r>
+            <a:r>
+              <a:rPr lang="pt-BR" sz="2000" dirty="0">
+                <a:latin typeface="+mj-lt"/>
+              </a:rPr>
+              <a:t>/</a:t>
+            </a:r>
+            <a:r>
+              <a:rPr lang="pt-BR" sz="2000" dirty="0" err="1">
+                <a:latin typeface="+mj-lt"/>
+              </a:rPr>
+              <a:t>teaching</a:t>
+            </a:r>
+            <a:r>
+              <a:rPr lang="pt-BR" sz="2000" dirty="0">
+                <a:latin typeface="+mj-lt"/>
+              </a:rPr>
+              <a:t>/cs-230/</a:t>
+            </a:r>
+            <a:r>
+              <a:rPr lang="pt-BR" sz="2000" dirty="0" err="1">
+                <a:latin typeface="+mj-lt"/>
+              </a:rPr>
+              <a:t>cheatsheet</a:t>
+            </a:r>
+            <a:r>
+              <a:rPr lang="pt-BR" sz="2000" dirty="0">
+                <a:latin typeface="+mj-lt"/>
+              </a:rPr>
+              <a:t>-</a:t>
+            </a:r>
+            <a:r>
+              <a:rPr lang="pt-BR" sz="2000" dirty="0" err="1">
+                <a:latin typeface="+mj-lt"/>
+              </a:rPr>
+              <a:t>recurrent</a:t>
+            </a:r>
+            <a:r>
+              <a:rPr lang="pt-BR" sz="2000" dirty="0">
+                <a:latin typeface="+mj-lt"/>
+              </a:rPr>
+              <a:t>-neural- networks. Acessado em Janeiro/2020.  </a:t>
+            </a:r>
+          </a:p>
+          <a:p>
+            <a:pPr algn="l"/>
+            <a:r>
+              <a:rPr lang="pt-BR" sz="2000" dirty="0">
+                <a:latin typeface="+mj-lt"/>
+              </a:rPr>
+              <a:t>[34] HOCHREITER, S., SCHMIDHUBER, J. </a:t>
+            </a:r>
+            <a:r>
+              <a:rPr lang="pt-BR" sz="2000" dirty="0" err="1">
+                <a:latin typeface="+mj-lt"/>
+              </a:rPr>
+              <a:t>Long</a:t>
+            </a:r>
+            <a:r>
+              <a:rPr lang="pt-BR" sz="2000" dirty="0">
+                <a:latin typeface="+mj-lt"/>
+              </a:rPr>
+              <a:t> Short-</a:t>
+            </a:r>
+            <a:r>
+              <a:rPr lang="pt-BR" sz="2000" dirty="0" err="1">
+                <a:latin typeface="+mj-lt"/>
+              </a:rPr>
+              <a:t>Term</a:t>
+            </a:r>
+            <a:r>
+              <a:rPr lang="pt-BR" sz="2000" dirty="0">
+                <a:latin typeface="+mj-lt"/>
+              </a:rPr>
+              <a:t> </a:t>
+            </a:r>
+            <a:r>
+              <a:rPr lang="pt-BR" sz="2000" dirty="0" err="1">
+                <a:latin typeface="+mj-lt"/>
+              </a:rPr>
+              <a:t>Memory</a:t>
+            </a:r>
+            <a:r>
+              <a:rPr lang="pt-BR" sz="2000" dirty="0">
+                <a:latin typeface="+mj-lt"/>
+              </a:rPr>
+              <a:t>, Neural </a:t>
+            </a:r>
+            <a:r>
+              <a:rPr lang="pt-BR" sz="2000" dirty="0" err="1">
+                <a:latin typeface="+mj-lt"/>
+              </a:rPr>
+              <a:t>Computation</a:t>
+            </a:r>
+            <a:r>
+              <a:rPr lang="pt-BR" sz="2000" dirty="0">
+                <a:latin typeface="+mj-lt"/>
+              </a:rPr>
+              <a:t>, jun. 1997.  </a:t>
+            </a:r>
+          </a:p>
+          <a:p>
+            <a:pPr algn="l"/>
+            <a:r>
+              <a:rPr lang="pt-BR" sz="2000" dirty="0">
+                <a:latin typeface="+mj-lt"/>
+              </a:rPr>
+              <a:t>[35] GARBADE, M. J. A </a:t>
+            </a:r>
+            <a:r>
+              <a:rPr lang="pt-BR" sz="2000" dirty="0" err="1">
+                <a:latin typeface="+mj-lt"/>
+              </a:rPr>
+              <a:t>Simple</a:t>
+            </a:r>
+            <a:r>
+              <a:rPr lang="pt-BR" sz="2000" dirty="0">
+                <a:latin typeface="+mj-lt"/>
+              </a:rPr>
+              <a:t> </a:t>
+            </a:r>
+            <a:r>
+              <a:rPr lang="pt-BR" sz="2000" dirty="0" err="1">
+                <a:latin typeface="+mj-lt"/>
+              </a:rPr>
+              <a:t>Introduction</a:t>
+            </a:r>
+            <a:r>
+              <a:rPr lang="pt-BR" sz="2000" dirty="0">
+                <a:latin typeface="+mj-lt"/>
+              </a:rPr>
+              <a:t> </a:t>
+            </a:r>
+            <a:r>
+              <a:rPr lang="pt-BR" sz="2000" dirty="0" err="1">
+                <a:latin typeface="+mj-lt"/>
+              </a:rPr>
+              <a:t>to</a:t>
+            </a:r>
+            <a:r>
+              <a:rPr lang="pt-BR" sz="2000" dirty="0">
+                <a:latin typeface="+mj-lt"/>
+              </a:rPr>
+              <a:t> Natural </a:t>
+            </a:r>
+            <a:r>
+              <a:rPr lang="pt-BR" sz="2000" dirty="0" err="1">
+                <a:latin typeface="+mj-lt"/>
+              </a:rPr>
+              <a:t>Language</a:t>
+            </a:r>
+            <a:r>
+              <a:rPr lang="pt-BR" sz="2000" dirty="0">
+                <a:latin typeface="+mj-lt"/>
+              </a:rPr>
+              <a:t> Pro- </a:t>
+            </a:r>
+            <a:r>
+              <a:rPr lang="pt-BR" sz="2000" dirty="0" err="1">
+                <a:latin typeface="+mj-lt"/>
+              </a:rPr>
+              <a:t>cessing</a:t>
+            </a:r>
+            <a:r>
+              <a:rPr lang="pt-BR" sz="2000" dirty="0">
+                <a:latin typeface="+mj-lt"/>
+              </a:rPr>
+              <a:t>. https://becominghuman.ai/a-simple-introduction-to- natural-language-processing-ea66a1747b32, 2018. Acessado em Dezembro/2019. </a:t>
+            </a:r>
+          </a:p>
+        </p:txBody>
+      </p:sp>
+    </p:spTree>
+    <p:extLst>
+      <p:ext uri="{BB962C8B-B14F-4D97-AF65-F5344CB8AC3E}">
+        <p14:creationId xmlns:p14="http://schemas.microsoft.com/office/powerpoint/2010/main" val="978969790"/>
+      </p:ext>
+    </p:extLst>
+  </p:cSld>
+  <p:clrMapOvr>
+    <a:masterClrMapping/>
+  </p:clrMapOvr>
+</p:sld>
+</file>
+
+<file path=ppt/slides/slide55.xml><?xml version="1.0" encoding="utf-8"?>
+<p:sld xmlns:a="http://schemas.openxmlformats.org/drawingml/2006/main" xmlns:r="http://schemas.openxmlformats.org/officeDocument/2006/relationships" xmlns:p="http://schemas.openxmlformats.org/presentationml/2006/main">
+  <p:cSld>
+    <p:spTree>
+      <p:nvGrpSpPr>
+        <p:cNvPr id="1" name=""/>
+        <p:cNvGrpSpPr/>
+        <p:nvPr/>
+      </p:nvGrpSpPr>
+      <p:grpSpPr>
+        <a:xfrm>
+          <a:off x="0" y="0"/>
+          <a:ext cx="0" cy="0"/>
+          <a:chOff x="0" y="0"/>
+          <a:chExt cx="0" cy="0"/>
+        </a:xfrm>
+      </p:grpSpPr>
+      <p:sp>
+        <p:nvSpPr>
+          <p:cNvPr id="2" name="Título 1">
+            <a:extLst>
+              <a:ext uri="{FF2B5EF4-FFF2-40B4-BE49-F238E27FC236}">
+                <a16:creationId xmlns:a16="http://schemas.microsoft.com/office/drawing/2014/main" id="{34A6A768-A0AC-47A8-826C-4AB6699432B4}"/>
+              </a:ext>
+            </a:extLst>
+          </p:cNvPr>
+          <p:cNvSpPr>
+            <a:spLocks noGrp="1"/>
+          </p:cNvSpPr>
+          <p:nvPr>
+            <p:ph type="ctrTitle"/>
+          </p:nvPr>
+        </p:nvSpPr>
+        <p:spPr>
+          <a:xfrm>
+            <a:off x="528468" y="461637"/>
+            <a:ext cx="9144000" cy="878891"/>
+          </a:xfrm>
+        </p:spPr>
+        <p:txBody>
+          <a:bodyPr>
+            <a:normAutofit/>
+          </a:bodyPr>
+          <a:lstStyle/>
+          <a:p>
+            <a:pPr algn="l"/>
+            <a:r>
+              <a:rPr lang="pt-BR" sz="5400" dirty="0"/>
+              <a:t>Referências Bibliográficas</a:t>
+            </a:r>
+            <a:endParaRPr lang="pt-BR" sz="4100" dirty="0"/>
+          </a:p>
+        </p:txBody>
+      </p:sp>
+      <p:sp>
+        <p:nvSpPr>
+          <p:cNvPr id="4" name="Retângulo 3">
+            <a:extLst>
+              <a:ext uri="{FF2B5EF4-FFF2-40B4-BE49-F238E27FC236}">
+                <a16:creationId xmlns:a16="http://schemas.microsoft.com/office/drawing/2014/main" id="{8535A6A7-C92D-4B69-9002-6416C5DA1DA9}"/>
+              </a:ext>
+            </a:extLst>
+          </p:cNvPr>
+          <p:cNvSpPr/>
+          <p:nvPr/>
+        </p:nvSpPr>
+        <p:spPr>
+          <a:xfrm>
+            <a:off x="0" y="6654055"/>
+            <a:ext cx="1270000" cy="153888"/>
+          </a:xfrm>
+          <a:prstGeom prst="rect">
+            <a:avLst/>
+          </a:prstGeom>
+          <a:noFill/>
+          <a:ln w="12700" cap="flat" cmpd="sng" algn="ctr">
+            <a:noFill/>
+            <a:prstDash val="solid"/>
+            <a:miter lim="800000"/>
+          </a:ln>
+          <a:effectLst/>
+          <a:extLst>
+            <a:ext uri="{909E8E84-426E-40DD-AFC4-6F175D3DCCD1}">
+              <a14:hiddenFill xmlns:a14="http://schemas.microsoft.com/office/drawing/2010/main">
+                <a:solidFill>
+                  <a:schemeClr val="accent1"/>
+                </a:solidFill>
+              </a14:hiddenFill>
+            </a:ext>
+            <a:ext uri="{91240B29-F687-4F45-9708-019B960494DF}">
+              <a14:hiddenLine xmlns:a14="http://schemas.microsoft.com/office/drawing/2010/main" w="12700" cap="flat" cmpd="sng" algn="ctr">
+                <a:solidFill>
+                  <a:schemeClr val="accent1">
+                    <a:shade val="50000"/>
+                  </a:schemeClr>
+                </a:solidFill>
+                <a:prstDash val="solid"/>
+                <a:miter lim="800000"/>
+              </a14:hiddenLine>
+            </a:ext>
+          </a:extLst>
+        </p:spPr>
+        <p:style>
+          <a:lnRef idx="2">
+            <a:schemeClr val="accent1">
+              <a:shade val="50000"/>
+            </a:schemeClr>
+          </a:lnRef>
+          <a:fillRef idx="1">
+            <a:schemeClr val="accent1"/>
+          </a:fillRef>
+          <a:effectRef idx="0">
+            <a:schemeClr val="accent1"/>
+          </a:effectRef>
+          <a:fontRef idx="minor">
+            <a:schemeClr val="lt1"/>
+          </a:fontRef>
+        </p:style>
+        <p:txBody>
+          <a:bodyPr lIns="0" tIns="0" rIns="0" bIns="0" rtlCol="0" anchor="ctr">
+            <a:spAutoFit/>
+          </a:bodyPr>
+          <a:lstStyle/>
+          <a:p>
+            <a:pPr algn="ctr"/>
+            <a:endParaRPr lang="pt-BR" sz="1000">
+              <a:solidFill>
+                <a:srgbClr val="000000"/>
+              </a:solidFill>
+            </a:endParaRPr>
+          </a:p>
+        </p:txBody>
+      </p:sp>
+      <p:sp>
+        <p:nvSpPr>
+          <p:cNvPr id="7" name="Subtítulo 2">
+            <a:extLst>
+              <a:ext uri="{FF2B5EF4-FFF2-40B4-BE49-F238E27FC236}">
+                <a16:creationId xmlns:a16="http://schemas.microsoft.com/office/drawing/2014/main" id="{E6C7E8B1-58B9-44C2-97D8-C1D78F165290}"/>
+              </a:ext>
+            </a:extLst>
+          </p:cNvPr>
+          <p:cNvSpPr>
+            <a:spLocks noGrp="1"/>
+          </p:cNvSpPr>
+          <p:nvPr>
+            <p:ph type="subTitle" idx="1"/>
+          </p:nvPr>
+        </p:nvSpPr>
+        <p:spPr>
+          <a:xfrm>
+            <a:off x="620820" y="1473100"/>
+            <a:ext cx="10950359" cy="5078620"/>
+          </a:xfrm>
+        </p:spPr>
+        <p:txBody>
+          <a:bodyPr>
+            <a:normAutofit/>
+          </a:bodyPr>
+          <a:lstStyle/>
+          <a:p>
+            <a:pPr algn="l"/>
+            <a:r>
+              <a:rPr lang="pt-BR" sz="2000" dirty="0">
+                <a:latin typeface="+mj-lt"/>
+              </a:rPr>
               <a:t>[36] Repositório de Word </a:t>
             </a:r>
             <a:r>
@@ -21253,7 +22866,7 @@
 </p:sld>
 </file>
 
-<file path=ppt/slides/slide53.xml><?xml version="1.0" encoding="utf-8"?>
+<file path=ppt/slides/slide56.xml><?xml version="1.0" encoding="utf-8"?>
 <p:sld xmlns:a="http://schemas.openxmlformats.org/drawingml/2006/main" xmlns:r="http://schemas.openxmlformats.org/officeDocument/2006/relationships" xmlns:p="http://schemas.openxmlformats.org/presentationml/2006/main">
   <p:cSld>
     <p:spTree>
